--- a/remotelab/Remote Labs Suggested Changes.pptx
+++ b/remotelab/Remote Labs Suggested Changes.pptx
@@ -5,14 +5,16 @@
     <p:sldMasterId id="2147483816" r:id="rId1"/>
   </p:sldMasterIdLst>
   <p:notesMasterIdLst>
-    <p:notesMasterId r:id="rId7"/>
+    <p:notesMasterId r:id="rId9"/>
   </p:notesMasterIdLst>
   <p:sldIdLst>
     <p:sldId id="256" r:id="rId2"/>
     <p:sldId id="257" r:id="rId3"/>
     <p:sldId id="261" r:id="rId4"/>
-    <p:sldId id="258" r:id="rId5"/>
-    <p:sldId id="259" r:id="rId6"/>
+    <p:sldId id="262" r:id="rId5"/>
+    <p:sldId id="263" r:id="rId6"/>
+    <p:sldId id="258" r:id="rId7"/>
+    <p:sldId id="259" r:id="rId8"/>
   </p:sldIdLst>
   <p:sldSz cx="9144000" cy="5143500" type="screen16x9"/>
   <p:notesSz cx="6858000" cy="9144000"/>
@@ -123,6 +125,8 @@
         <p14:section name="Homepage" id="{91291321-F8E6-4814-9552-5CF07387D9C0}">
           <p14:sldIdLst>
             <p14:sldId id="261"/>
+            <p14:sldId id="262"/>
+            <p14:sldId id="263"/>
           </p14:sldIdLst>
         </p14:section>
         <p14:section name="Password Recovery" id="{F6FB7041-590B-4A2D-8DF5-9C474689BB61}">
@@ -219,7 +223,7 @@
           <a:p>
             <a:fld id="{04C8B89A-83BF-4366-AFC3-D23A2FFEFF0B}" type="datetimeFigureOut">
               <a:rPr lang="en-AU" smtClean="0"/>
-              <a:t>29/09/2017</a:t>
+              <a:t>19/10/2017</a:t>
             </a:fld>
             <a:endParaRPr lang="en-AU"/>
           </a:p>
@@ -755,7 +759,7 @@
           <a:p>
             <a:fld id="{3E244392-4831-4AE8-B9A0-B24F4427A277}" type="datetimeFigureOut">
               <a:rPr lang="en-AU" smtClean="0"/>
-              <a:t>29/09/2017</a:t>
+              <a:t>19/10/2017</a:t>
             </a:fld>
             <a:endParaRPr lang="en-AU"/>
           </a:p>
@@ -925,7 +929,7 @@
           <a:p>
             <a:fld id="{3E244392-4831-4AE8-B9A0-B24F4427A277}" type="datetimeFigureOut">
               <a:rPr lang="en-AU" smtClean="0"/>
-              <a:t>29/09/2017</a:t>
+              <a:t>19/10/2017</a:t>
             </a:fld>
             <a:endParaRPr lang="en-AU"/>
           </a:p>
@@ -1105,7 +1109,7 @@
           <a:p>
             <a:fld id="{3E244392-4831-4AE8-B9A0-B24F4427A277}" type="datetimeFigureOut">
               <a:rPr lang="en-AU" smtClean="0"/>
-              <a:t>29/09/2017</a:t>
+              <a:t>19/10/2017</a:t>
             </a:fld>
             <a:endParaRPr lang="en-AU"/>
           </a:p>
@@ -1275,7 +1279,7 @@
           <a:p>
             <a:fld id="{3E244392-4831-4AE8-B9A0-B24F4427A277}" type="datetimeFigureOut">
               <a:rPr lang="en-AU" smtClean="0"/>
-              <a:t>29/09/2017</a:t>
+              <a:t>19/10/2017</a:t>
             </a:fld>
             <a:endParaRPr lang="en-AU"/>
           </a:p>
@@ -1521,7 +1525,7 @@
           <a:p>
             <a:fld id="{3E244392-4831-4AE8-B9A0-B24F4427A277}" type="datetimeFigureOut">
               <a:rPr lang="en-AU" smtClean="0"/>
-              <a:t>29/09/2017</a:t>
+              <a:t>19/10/2017</a:t>
             </a:fld>
             <a:endParaRPr lang="en-AU"/>
           </a:p>
@@ -1809,7 +1813,7 @@
           <a:p>
             <a:fld id="{3E244392-4831-4AE8-B9A0-B24F4427A277}" type="datetimeFigureOut">
               <a:rPr lang="en-AU" smtClean="0"/>
-              <a:t>29/09/2017</a:t>
+              <a:t>19/10/2017</a:t>
             </a:fld>
             <a:endParaRPr lang="en-AU"/>
           </a:p>
@@ -2231,7 +2235,7 @@
           <a:p>
             <a:fld id="{3E244392-4831-4AE8-B9A0-B24F4427A277}" type="datetimeFigureOut">
               <a:rPr lang="en-AU" smtClean="0"/>
-              <a:t>29/09/2017</a:t>
+              <a:t>19/10/2017</a:t>
             </a:fld>
             <a:endParaRPr lang="en-AU"/>
           </a:p>
@@ -2349,7 +2353,7 @@
           <a:p>
             <a:fld id="{3E244392-4831-4AE8-B9A0-B24F4427A277}" type="datetimeFigureOut">
               <a:rPr lang="en-AU" smtClean="0"/>
-              <a:t>29/09/2017</a:t>
+              <a:t>19/10/2017</a:t>
             </a:fld>
             <a:endParaRPr lang="en-AU"/>
           </a:p>
@@ -2444,7 +2448,7 @@
           <a:p>
             <a:fld id="{3E244392-4831-4AE8-B9A0-B24F4427A277}" type="datetimeFigureOut">
               <a:rPr lang="en-AU" smtClean="0"/>
-              <a:t>29/09/2017</a:t>
+              <a:t>19/10/2017</a:t>
             </a:fld>
             <a:endParaRPr lang="en-AU"/>
           </a:p>
@@ -2721,7 +2725,7 @@
           <a:p>
             <a:fld id="{3E244392-4831-4AE8-B9A0-B24F4427A277}" type="datetimeFigureOut">
               <a:rPr lang="en-AU" smtClean="0"/>
-              <a:t>29/09/2017</a:t>
+              <a:t>19/10/2017</a:t>
             </a:fld>
             <a:endParaRPr lang="en-AU"/>
           </a:p>
@@ -2974,7 +2978,7 @@
           <a:p>
             <a:fld id="{3E244392-4831-4AE8-B9A0-B24F4427A277}" type="datetimeFigureOut">
               <a:rPr lang="en-AU" smtClean="0"/>
-              <a:t>29/09/2017</a:t>
+              <a:t>19/10/2017</a:t>
             </a:fld>
             <a:endParaRPr lang="en-AU"/>
           </a:p>
@@ -3187,7 +3191,7 @@
           <a:p>
             <a:fld id="{3E244392-4831-4AE8-B9A0-B24F4427A277}" type="datetimeFigureOut">
               <a:rPr lang="en-AU" smtClean="0"/>
-              <a:t>29/09/2017</a:t>
+              <a:t>19/10/2017</a:t>
             </a:fld>
             <a:endParaRPr lang="en-AU"/>
           </a:p>
@@ -4188,7 +4192,7 @@
           <a:p>
             <a:r>
               <a:rPr lang="en-AU" dirty="0" smtClean="0"/>
-              <a:t>Password Recovery</a:t>
+              <a:t>Instruction Video</a:t>
             </a:r>
             <a:endParaRPr lang="en-AU" dirty="0"/>
           </a:p>
@@ -4234,10 +4238,14 @@
           <a:p>
             <a:r>
               <a:rPr lang="en-AU" dirty="0" smtClean="0"/>
-              <a:t>Another page isn’t necessary. Selecting ‘Password recovery’ should simply send an email to the user with the updated details.</a:t>
-            </a:r>
-          </a:p>
-          <a:p>
+              <a:t>Instruction video needs to be updated.</a:t>
+            </a:r>
+          </a:p>
+          <a:p>
+            <a:r>
+              <a:rPr lang="en-AU" dirty="0" smtClean="0"/>
+              <a:t>I will make a video once the final touches to the Remote Lab have been made.</a:t>
+            </a:r>
             <a:endParaRPr lang="en-AU" dirty="0"/>
           </a:p>
         </p:txBody>
@@ -4267,6 +4275,204 @@
       <p:pic>
         <p:nvPicPr>
           <p:cNvPr id="1026" name="Picture 2"/>
+          <p:cNvPicPr>
+            <a:picLocks noGrp="1" noChangeAspect="1" noChangeArrowheads="1"/>
+          </p:cNvPicPr>
+          <p:nvPr>
+            <p:ph sz="quarter" idx="4"/>
+          </p:nvPr>
+        </p:nvPicPr>
+        <p:blipFill>
+          <a:blip r:embed="rId2" cstate="print">
+            <a:extLst>
+              <a:ext uri="{28A0092B-C50C-407E-A947-70E740481C1C}">
+                <a14:useLocalDpi xmlns:a14="http://schemas.microsoft.com/office/drawing/2010/main" val="0"/>
+              </a:ext>
+            </a:extLst>
+          </a:blip>
+          <a:srcRect/>
+          <a:stretch>
+            <a:fillRect/>
+          </a:stretch>
+        </p:blipFill>
+        <p:spPr bwMode="auto">
+          <a:xfrm>
+            <a:off x="4645025" y="2054247"/>
+            <a:ext cx="4041775" cy="2116093"/>
+          </a:xfrm>
+          <a:prstGeom prst="rect">
+            <a:avLst/>
+          </a:prstGeom>
+          <a:noFill/>
+          <a:ln>
+            <a:noFill/>
+          </a:ln>
+          <a:effectLst/>
+          <a:extLst>
+            <a:ext uri="{909E8E84-426E-40DD-AFC4-6F175D3DCCD1}">
+              <a14:hiddenFill xmlns:a14="http://schemas.microsoft.com/office/drawing/2010/main">
+                <a:solidFill>
+                  <a:schemeClr val="accent1"/>
+                </a:solidFill>
+              </a14:hiddenFill>
+            </a:ext>
+            <a:ext uri="{91240B29-F687-4F45-9708-019B960494DF}">
+              <a14:hiddenLine xmlns:a14="http://schemas.microsoft.com/office/drawing/2010/main" w="9525">
+                <a:solidFill>
+                  <a:schemeClr val="tx1"/>
+                </a:solidFill>
+                <a:miter lim="800000"/>
+                <a:headEnd/>
+                <a:tailEnd/>
+              </a14:hiddenLine>
+            </a:ext>
+            <a:ext uri="{AF507438-7753-43E0-B8FC-AC1667EBCBE1}">
+              <a14:hiddenEffects xmlns:a14="http://schemas.microsoft.com/office/drawing/2010/main">
+                <a:effectLst>
+                  <a:outerShdw dist="35921" dir="2700000" algn="ctr" rotWithShape="0">
+                    <a:schemeClr val="bg2"/>
+                  </a:outerShdw>
+                </a:effectLst>
+              </a14:hiddenEffects>
+            </a:ext>
+          </a:extLst>
+        </p:spPr>
+      </p:pic>
+    </p:spTree>
+    <p:extLst>
+      <p:ext uri="{BB962C8B-B14F-4D97-AF65-F5344CB8AC3E}">
+        <p14:creationId xmlns:p14="http://schemas.microsoft.com/office/powerpoint/2010/main" val="669969674"/>
+      </p:ext>
+    </p:extLst>
+  </p:cSld>
+  <p:clrMapOvr>
+    <a:masterClrMapping/>
+  </p:clrMapOvr>
+</p:sld>
+</file>
+
+<file path=ppt/slides/slide5.xml><?xml version="1.0" encoding="utf-8"?>
+<p:sld xmlns:a="http://schemas.openxmlformats.org/drawingml/2006/main" xmlns:r="http://schemas.openxmlformats.org/officeDocument/2006/relationships" xmlns:p="http://schemas.openxmlformats.org/presentationml/2006/main">
+  <p:cSld>
+    <p:spTree>
+      <p:nvGrpSpPr>
+        <p:cNvPr id="1" name=""/>
+        <p:cNvGrpSpPr/>
+        <p:nvPr/>
+      </p:nvGrpSpPr>
+      <p:grpSpPr>
+        <a:xfrm>
+          <a:off x="0" y="0"/>
+          <a:ext cx="0" cy="0"/>
+          <a:chOff x="0" y="0"/>
+          <a:chExt cx="0" cy="0"/>
+        </a:xfrm>
+      </p:grpSpPr>
+      <p:sp>
+        <p:nvSpPr>
+          <p:cNvPr id="2" name="Title 1"/>
+          <p:cNvSpPr>
+            <a:spLocks noGrp="1"/>
+          </p:cNvSpPr>
+          <p:nvPr>
+            <p:ph type="title"/>
+          </p:nvPr>
+        </p:nvSpPr>
+        <p:spPr/>
+        <p:txBody>
+          <a:bodyPr/>
+          <a:lstStyle/>
+          <a:p>
+            <a:r>
+              <a:rPr lang="en-AU" dirty="0" smtClean="0"/>
+              <a:t>Header Declaration</a:t>
+            </a:r>
+            <a:endParaRPr lang="en-AU" dirty="0"/>
+          </a:p>
+        </p:txBody>
+      </p:sp>
+      <p:sp>
+        <p:nvSpPr>
+          <p:cNvPr id="3" name="Text Placeholder 2"/>
+          <p:cNvSpPr>
+            <a:spLocks noGrp="1"/>
+          </p:cNvSpPr>
+          <p:nvPr>
+            <p:ph type="body" idx="1"/>
+          </p:nvPr>
+        </p:nvSpPr>
+        <p:spPr/>
+        <p:txBody>
+          <a:bodyPr/>
+          <a:lstStyle/>
+          <a:p>
+            <a:r>
+              <a:rPr lang="en-AU" dirty="0" smtClean="0"/>
+              <a:t>Issue/Fix</a:t>
+            </a:r>
+            <a:endParaRPr lang="en-AU" dirty="0"/>
+          </a:p>
+        </p:txBody>
+      </p:sp>
+      <p:sp>
+        <p:nvSpPr>
+          <p:cNvPr id="4" name="Content Placeholder 3"/>
+          <p:cNvSpPr>
+            <a:spLocks noGrp="1"/>
+          </p:cNvSpPr>
+          <p:nvPr>
+            <p:ph sz="half" idx="2"/>
+          </p:nvPr>
+        </p:nvSpPr>
+        <p:spPr/>
+        <p:txBody>
+          <a:bodyPr/>
+          <a:lstStyle/>
+          <a:p>
+            <a:r>
+              <a:rPr lang="en-AU" dirty="0" smtClean="0"/>
+              <a:t>The title ‘List of available remote labs’ should be wrapped in a header tag.</a:t>
+            </a:r>
+          </a:p>
+          <a:p>
+            <a:r>
+              <a:rPr lang="en-AU" dirty="0" smtClean="0"/>
+              <a:t>Wrap it in either an ‘&lt;h1&gt;’ or ‘&lt;h2&gt;’. This will allow me to target </a:t>
+            </a:r>
+            <a:r>
+              <a:rPr lang="en-AU" smtClean="0"/>
+              <a:t>it with CSS.</a:t>
+            </a:r>
+            <a:endParaRPr lang="en-AU" dirty="0"/>
+          </a:p>
+        </p:txBody>
+      </p:sp>
+      <p:sp>
+        <p:nvSpPr>
+          <p:cNvPr id="5" name="Text Placeholder 4"/>
+          <p:cNvSpPr>
+            <a:spLocks noGrp="1"/>
+          </p:cNvSpPr>
+          <p:nvPr>
+            <p:ph type="body" sz="quarter" idx="3"/>
+          </p:nvPr>
+        </p:nvSpPr>
+        <p:spPr/>
+        <p:txBody>
+          <a:bodyPr/>
+          <a:lstStyle/>
+          <a:p>
+            <a:r>
+              <a:rPr lang="en-AU" dirty="0" smtClean="0"/>
+              <a:t>Screenshot</a:t>
+            </a:r>
+            <a:endParaRPr lang="en-AU" dirty="0"/>
+          </a:p>
+        </p:txBody>
+      </p:sp>
+      <p:pic>
+        <p:nvPicPr>
+          <p:cNvPr id="2050" name="Picture 2"/>
           <p:cNvPicPr>
             <a:picLocks noGrp="1" noChangeAspect="1" noChangeArrowheads="1"/>
           </p:cNvPicPr>
@@ -4283,6 +4489,194 @@
             </a:extLst>
           </a:blip>
           <a:srcRect/>
+          <a:stretch>
+            <a:fillRect/>
+          </a:stretch>
+        </p:blipFill>
+        <p:spPr bwMode="auto">
+          <a:xfrm>
+            <a:off x="5217910" y="2655030"/>
+            <a:ext cx="2896004" cy="914528"/>
+          </a:xfrm>
+          <a:prstGeom prst="rect">
+            <a:avLst/>
+          </a:prstGeom>
+          <a:noFill/>
+          <a:ln>
+            <a:noFill/>
+          </a:ln>
+          <a:effectLst/>
+          <a:extLst>
+            <a:ext uri="{909E8E84-426E-40DD-AFC4-6F175D3DCCD1}">
+              <a14:hiddenFill xmlns:a14="http://schemas.microsoft.com/office/drawing/2010/main">
+                <a:solidFill>
+                  <a:schemeClr val="accent1"/>
+                </a:solidFill>
+              </a14:hiddenFill>
+            </a:ext>
+            <a:ext uri="{91240B29-F687-4F45-9708-019B960494DF}">
+              <a14:hiddenLine xmlns:a14="http://schemas.microsoft.com/office/drawing/2010/main" w="9525">
+                <a:solidFill>
+                  <a:schemeClr val="tx1"/>
+                </a:solidFill>
+                <a:miter lim="800000"/>
+                <a:headEnd/>
+                <a:tailEnd/>
+              </a14:hiddenLine>
+            </a:ext>
+            <a:ext uri="{AF507438-7753-43E0-B8FC-AC1667EBCBE1}">
+              <a14:hiddenEffects xmlns:a14="http://schemas.microsoft.com/office/drawing/2010/main">
+                <a:effectLst>
+                  <a:outerShdw dist="35921" dir="2700000" algn="ctr" rotWithShape="0">
+                    <a:schemeClr val="bg2"/>
+                  </a:outerShdw>
+                </a:effectLst>
+              </a14:hiddenEffects>
+            </a:ext>
+          </a:extLst>
+        </p:spPr>
+      </p:pic>
+    </p:spTree>
+    <p:extLst>
+      <p:ext uri="{BB962C8B-B14F-4D97-AF65-F5344CB8AC3E}">
+        <p14:creationId xmlns:p14="http://schemas.microsoft.com/office/powerpoint/2010/main" val="172276"/>
+      </p:ext>
+    </p:extLst>
+  </p:cSld>
+  <p:clrMapOvr>
+    <a:masterClrMapping/>
+  </p:clrMapOvr>
+</p:sld>
+</file>
+
+<file path=ppt/slides/slide6.xml><?xml version="1.0" encoding="utf-8"?>
+<p:sld xmlns:a="http://schemas.openxmlformats.org/drawingml/2006/main" xmlns:r="http://schemas.openxmlformats.org/officeDocument/2006/relationships" xmlns:p="http://schemas.openxmlformats.org/presentationml/2006/main">
+  <p:cSld>
+    <p:spTree>
+      <p:nvGrpSpPr>
+        <p:cNvPr id="1" name=""/>
+        <p:cNvGrpSpPr/>
+        <p:nvPr/>
+      </p:nvGrpSpPr>
+      <p:grpSpPr>
+        <a:xfrm>
+          <a:off x="0" y="0"/>
+          <a:ext cx="0" cy="0"/>
+          <a:chOff x="0" y="0"/>
+          <a:chExt cx="0" cy="0"/>
+        </a:xfrm>
+      </p:grpSpPr>
+      <p:sp>
+        <p:nvSpPr>
+          <p:cNvPr id="2" name="Title 1"/>
+          <p:cNvSpPr>
+            <a:spLocks noGrp="1"/>
+          </p:cNvSpPr>
+          <p:nvPr>
+            <p:ph type="title"/>
+          </p:nvPr>
+        </p:nvSpPr>
+        <p:spPr/>
+        <p:txBody>
+          <a:bodyPr/>
+          <a:lstStyle/>
+          <a:p>
+            <a:r>
+              <a:rPr lang="en-AU" dirty="0" smtClean="0"/>
+              <a:t>Password Recovery</a:t>
+            </a:r>
+            <a:endParaRPr lang="en-AU" dirty="0"/>
+          </a:p>
+        </p:txBody>
+      </p:sp>
+      <p:sp>
+        <p:nvSpPr>
+          <p:cNvPr id="3" name="Text Placeholder 2"/>
+          <p:cNvSpPr>
+            <a:spLocks noGrp="1"/>
+          </p:cNvSpPr>
+          <p:nvPr>
+            <p:ph type="body" idx="1"/>
+          </p:nvPr>
+        </p:nvSpPr>
+        <p:spPr/>
+        <p:txBody>
+          <a:bodyPr/>
+          <a:lstStyle/>
+          <a:p>
+            <a:r>
+              <a:rPr lang="en-AU" dirty="0" smtClean="0"/>
+              <a:t>Issue/Fix</a:t>
+            </a:r>
+            <a:endParaRPr lang="en-AU" dirty="0"/>
+          </a:p>
+        </p:txBody>
+      </p:sp>
+      <p:sp>
+        <p:nvSpPr>
+          <p:cNvPr id="4" name="Content Placeholder 3"/>
+          <p:cNvSpPr>
+            <a:spLocks noGrp="1"/>
+          </p:cNvSpPr>
+          <p:nvPr>
+            <p:ph sz="half" idx="2"/>
+          </p:nvPr>
+        </p:nvSpPr>
+        <p:spPr/>
+        <p:txBody>
+          <a:bodyPr/>
+          <a:lstStyle/>
+          <a:p>
+            <a:r>
+              <a:rPr lang="en-AU" dirty="0" smtClean="0"/>
+              <a:t>Another page isn’t necessary. Selecting ‘Password recovery’ should simply send an email to the user with the updated details.</a:t>
+            </a:r>
+          </a:p>
+          <a:p>
+            <a:endParaRPr lang="en-AU" dirty="0"/>
+          </a:p>
+        </p:txBody>
+      </p:sp>
+      <p:sp>
+        <p:nvSpPr>
+          <p:cNvPr id="5" name="Text Placeholder 4"/>
+          <p:cNvSpPr>
+            <a:spLocks noGrp="1"/>
+          </p:cNvSpPr>
+          <p:nvPr>
+            <p:ph type="body" sz="quarter" idx="3"/>
+          </p:nvPr>
+        </p:nvSpPr>
+        <p:spPr/>
+        <p:txBody>
+          <a:bodyPr/>
+          <a:lstStyle/>
+          <a:p>
+            <a:r>
+              <a:rPr lang="en-AU" dirty="0"/>
+              <a:t>Screenshot</a:t>
+            </a:r>
+          </a:p>
+        </p:txBody>
+      </p:sp>
+      <p:pic>
+        <p:nvPicPr>
+          <p:cNvPr id="1026" name="Picture 2"/>
+          <p:cNvPicPr>
+            <a:picLocks noGrp="1" noChangeAspect="1" noChangeArrowheads="1"/>
+          </p:cNvPicPr>
+          <p:nvPr>
+            <p:ph sz="quarter" idx="4"/>
+          </p:nvPr>
+        </p:nvPicPr>
+        <p:blipFill>
+          <a:blip r:embed="rId2">
+            <a:extLst>
+              <a:ext uri="{28A0092B-C50C-407E-A947-70E740481C1C}">
+                <a14:useLocalDpi xmlns:a14="http://schemas.microsoft.com/office/drawing/2010/main" val="0"/>
+              </a:ext>
+            </a:extLst>
+          </a:blip>
           <a:stretch>
             <a:fillRect/>
           </a:stretch>
@@ -4343,7 +4737,7 @@
 </p:sld>
 </file>
 
-<file path=ppt/slides/slide5.xml><?xml version="1.0" encoding="utf-8"?>
+<file path=ppt/slides/slide7.xml><?xml version="1.0" encoding="utf-8"?>
 <p:sld xmlns:a="http://schemas.openxmlformats.org/drawingml/2006/main" xmlns:r="http://schemas.openxmlformats.org/officeDocument/2006/relationships" xmlns:p="http://schemas.openxmlformats.org/presentationml/2006/main">
   <p:cSld>
     <p:spTree>

--- a/remotelab/Remote Labs Suggested Changes.pptx
+++ b/remotelab/Remote Labs Suggested Changes.pptx
@@ -5,7 +5,7 @@
     <p:sldMasterId id="2147483816" r:id="rId1"/>
   </p:sldMasterIdLst>
   <p:notesMasterIdLst>
-    <p:notesMasterId r:id="rId9"/>
+    <p:notesMasterId r:id="rId10"/>
   </p:notesMasterIdLst>
   <p:sldIdLst>
     <p:sldId id="256" r:id="rId2"/>
@@ -13,8 +13,9 @@
     <p:sldId id="261" r:id="rId4"/>
     <p:sldId id="262" r:id="rId5"/>
     <p:sldId id="263" r:id="rId6"/>
-    <p:sldId id="258" r:id="rId7"/>
-    <p:sldId id="259" r:id="rId8"/>
+    <p:sldId id="264" r:id="rId7"/>
+    <p:sldId id="258" r:id="rId8"/>
+    <p:sldId id="259" r:id="rId9"/>
   </p:sldIdLst>
   <p:sldSz cx="9144000" cy="5143500" type="screen16x9"/>
   <p:notesSz cx="6858000" cy="9144000"/>
@@ -127,6 +128,7 @@
             <p14:sldId id="261"/>
             <p14:sldId id="262"/>
             <p14:sldId id="263"/>
+            <p14:sldId id="264"/>
           </p14:sldIdLst>
         </p14:section>
         <p14:section name="Password Recovery" id="{F6FB7041-590B-4A2D-8DF5-9C474689BB61}">
@@ -4583,6 +4585,198 @@
           <a:p>
             <a:r>
               <a:rPr lang="en-AU" dirty="0" smtClean="0"/>
+              <a:t>Lab Selection Text Positioning</a:t>
+            </a:r>
+            <a:endParaRPr lang="en-AU" dirty="0"/>
+          </a:p>
+        </p:txBody>
+      </p:sp>
+      <p:sp>
+        <p:nvSpPr>
+          <p:cNvPr id="3" name="Text Placeholder 2"/>
+          <p:cNvSpPr>
+            <a:spLocks noGrp="1"/>
+          </p:cNvSpPr>
+          <p:nvPr>
+            <p:ph type="body" idx="1"/>
+          </p:nvPr>
+        </p:nvSpPr>
+        <p:spPr/>
+        <p:txBody>
+          <a:bodyPr/>
+          <a:lstStyle/>
+          <a:p>
+            <a:r>
+              <a:rPr lang="en-AU" dirty="0" smtClean="0"/>
+              <a:t>Issue/Fix</a:t>
+            </a:r>
+            <a:endParaRPr lang="en-AU" dirty="0"/>
+          </a:p>
+        </p:txBody>
+      </p:sp>
+      <p:sp>
+        <p:nvSpPr>
+          <p:cNvPr id="4" name="Content Placeholder 3"/>
+          <p:cNvSpPr>
+            <a:spLocks noGrp="1"/>
+          </p:cNvSpPr>
+          <p:nvPr>
+            <p:ph sz="half" idx="2"/>
+          </p:nvPr>
+        </p:nvSpPr>
+        <p:spPr/>
+        <p:txBody>
+          <a:bodyPr/>
+          <a:lstStyle/>
+          <a:p>
+            <a:r>
+              <a:rPr lang="en-AU" smtClean="0"/>
+              <a:t>The text within </a:t>
+            </a:r>
+            <a:r>
+              <a:rPr lang="en-AU" dirty="0" smtClean="0"/>
+              <a:t>each row of the table should be centred.</a:t>
+            </a:r>
+            <a:endParaRPr lang="en-AU" dirty="0"/>
+          </a:p>
+        </p:txBody>
+      </p:sp>
+      <p:sp>
+        <p:nvSpPr>
+          <p:cNvPr id="5" name="Text Placeholder 4"/>
+          <p:cNvSpPr>
+            <a:spLocks noGrp="1"/>
+          </p:cNvSpPr>
+          <p:nvPr>
+            <p:ph type="body" sz="quarter" idx="3"/>
+          </p:nvPr>
+        </p:nvSpPr>
+        <p:spPr/>
+        <p:txBody>
+          <a:bodyPr/>
+          <a:lstStyle/>
+          <a:p>
+            <a:r>
+              <a:rPr lang="en-AU" dirty="0" smtClean="0"/>
+              <a:t>Screenshot</a:t>
+            </a:r>
+            <a:endParaRPr lang="en-AU" dirty="0"/>
+          </a:p>
+        </p:txBody>
+      </p:sp>
+      <p:pic>
+        <p:nvPicPr>
+          <p:cNvPr id="9" name="Picture 2"/>
+          <p:cNvPicPr>
+            <a:picLocks noGrp="1" noChangeAspect="1" noChangeArrowheads="1"/>
+          </p:cNvPicPr>
+          <p:nvPr>
+            <p:ph sz="quarter" idx="4"/>
+          </p:nvPr>
+        </p:nvPicPr>
+        <p:blipFill>
+          <a:blip r:embed="rId2">
+            <a:extLst>
+              <a:ext uri="{28A0092B-C50C-407E-A947-70E740481C1C}">
+                <a14:useLocalDpi xmlns:a14="http://schemas.microsoft.com/office/drawing/2010/main" val="0"/>
+              </a:ext>
+            </a:extLst>
+          </a:blip>
+          <a:srcRect/>
+          <a:stretch>
+            <a:fillRect/>
+          </a:stretch>
+        </p:blipFill>
+        <p:spPr bwMode="auto">
+          <a:xfrm>
+            <a:off x="4645025" y="2820303"/>
+            <a:ext cx="4041775" cy="583982"/>
+          </a:xfrm>
+          <a:prstGeom prst="rect">
+            <a:avLst/>
+          </a:prstGeom>
+          <a:noFill/>
+          <a:ln>
+            <a:noFill/>
+          </a:ln>
+          <a:effectLst/>
+          <a:extLst>
+            <a:ext uri="{909E8E84-426E-40DD-AFC4-6F175D3DCCD1}">
+              <a14:hiddenFill xmlns:a14="http://schemas.microsoft.com/office/drawing/2010/main">
+                <a:solidFill>
+                  <a:schemeClr val="accent1"/>
+                </a:solidFill>
+              </a14:hiddenFill>
+            </a:ext>
+            <a:ext uri="{91240B29-F687-4F45-9708-019B960494DF}">
+              <a14:hiddenLine xmlns:a14="http://schemas.microsoft.com/office/drawing/2010/main" w="9525">
+                <a:solidFill>
+                  <a:schemeClr val="tx1"/>
+                </a:solidFill>
+                <a:miter lim="800000"/>
+                <a:headEnd/>
+                <a:tailEnd/>
+              </a14:hiddenLine>
+            </a:ext>
+            <a:ext uri="{AF507438-7753-43E0-B8FC-AC1667EBCBE1}">
+              <a14:hiddenEffects xmlns:a14="http://schemas.microsoft.com/office/drawing/2010/main">
+                <a:effectLst>
+                  <a:outerShdw dist="35921" dir="2700000" algn="ctr" rotWithShape="0">
+                    <a:schemeClr val="bg2"/>
+                  </a:outerShdw>
+                </a:effectLst>
+              </a14:hiddenEffects>
+            </a:ext>
+          </a:extLst>
+        </p:spPr>
+      </p:pic>
+    </p:spTree>
+    <p:extLst>
+      <p:ext uri="{BB962C8B-B14F-4D97-AF65-F5344CB8AC3E}">
+        <p14:creationId xmlns:p14="http://schemas.microsoft.com/office/powerpoint/2010/main" val="2482681281"/>
+      </p:ext>
+    </p:extLst>
+  </p:cSld>
+  <p:clrMapOvr>
+    <a:masterClrMapping/>
+  </p:clrMapOvr>
+</p:sld>
+</file>
+
+<file path=ppt/slides/slide7.xml><?xml version="1.0" encoding="utf-8"?>
+<p:sld xmlns:a="http://schemas.openxmlformats.org/drawingml/2006/main" xmlns:r="http://schemas.openxmlformats.org/officeDocument/2006/relationships" xmlns:p="http://schemas.openxmlformats.org/presentationml/2006/main">
+  <p:cSld>
+    <p:spTree>
+      <p:nvGrpSpPr>
+        <p:cNvPr id="1" name=""/>
+        <p:cNvGrpSpPr/>
+        <p:nvPr/>
+      </p:nvGrpSpPr>
+      <p:grpSpPr>
+        <a:xfrm>
+          <a:off x="0" y="0"/>
+          <a:ext cx="0" cy="0"/>
+          <a:chOff x="0" y="0"/>
+          <a:chExt cx="0" cy="0"/>
+        </a:xfrm>
+      </p:grpSpPr>
+      <p:sp>
+        <p:nvSpPr>
+          <p:cNvPr id="2" name="Title 1"/>
+          <p:cNvSpPr>
+            <a:spLocks noGrp="1"/>
+          </p:cNvSpPr>
+          <p:nvPr>
+            <p:ph type="title"/>
+          </p:nvPr>
+        </p:nvSpPr>
+        <p:spPr/>
+        <p:txBody>
+          <a:bodyPr/>
+          <a:lstStyle/>
+          <a:p>
+            <a:r>
+              <a:rPr lang="en-AU" dirty="0" smtClean="0"/>
               <a:t>Password Recovery</a:t>
             </a:r>
             <a:endParaRPr lang="en-AU" dirty="0"/>
@@ -4737,7 +4931,7 @@
 </p:sld>
 </file>
 
-<file path=ppt/slides/slide7.xml><?xml version="1.0" encoding="utf-8"?>
+<file path=ppt/slides/slide8.xml><?xml version="1.0" encoding="utf-8"?>
 <p:sld xmlns:a="http://schemas.openxmlformats.org/drawingml/2006/main" xmlns:r="http://schemas.openxmlformats.org/officeDocument/2006/relationships" xmlns:p="http://schemas.openxmlformats.org/presentationml/2006/main">
   <p:cSld>
     <p:spTree>

--- a/remotelab/Remote Labs Suggested Changes.pptx
+++ b/remotelab/Remote Labs Suggested Changes.pptx
@@ -5,17 +5,23 @@
     <p:sldMasterId id="2147483816" r:id="rId1"/>
   </p:sldMasterIdLst>
   <p:notesMasterIdLst>
-    <p:notesMasterId r:id="rId10"/>
+    <p:notesMasterId r:id="rId16"/>
   </p:notesMasterIdLst>
   <p:sldIdLst>
     <p:sldId id="256" r:id="rId2"/>
-    <p:sldId id="257" r:id="rId3"/>
-    <p:sldId id="261" r:id="rId4"/>
-    <p:sldId id="262" r:id="rId5"/>
+    <p:sldId id="261" r:id="rId3"/>
+    <p:sldId id="262" r:id="rId4"/>
+    <p:sldId id="265" r:id="rId5"/>
     <p:sldId id="263" r:id="rId6"/>
     <p:sldId id="264" r:id="rId7"/>
-    <p:sldId id="258" r:id="rId8"/>
-    <p:sldId id="259" r:id="rId9"/>
+    <p:sldId id="267" r:id="rId8"/>
+    <p:sldId id="268" r:id="rId9"/>
+    <p:sldId id="269" r:id="rId10"/>
+    <p:sldId id="270" r:id="rId11"/>
+    <p:sldId id="266" r:id="rId12"/>
+    <p:sldId id="257" r:id="rId13"/>
+    <p:sldId id="258" r:id="rId14"/>
+    <p:sldId id="259" r:id="rId15"/>
   </p:sldIdLst>
   <p:sldSz cx="9144000" cy="5143500" type="screen16x9"/>
   <p:notesSz cx="6858000" cy="9144000"/>
@@ -120,19 +126,25 @@
         <p14:section name="Default Section" id="{5DCA9074-6EBD-4936-AF27-41E3AEBC572C}">
           <p14:sldIdLst>
             <p14:sldId id="256"/>
-            <p14:sldId id="257"/>
           </p14:sldIdLst>
         </p14:section>
         <p14:section name="Homepage" id="{91291321-F8E6-4814-9552-5CF07387D9C0}">
           <p14:sldIdLst>
             <p14:sldId id="261"/>
             <p14:sldId id="262"/>
+            <p14:sldId id="265"/>
             <p14:sldId id="263"/>
             <p14:sldId id="264"/>
+            <p14:sldId id="267"/>
+            <p14:sldId id="268"/>
+            <p14:sldId id="269"/>
+            <p14:sldId id="270"/>
           </p14:sldIdLst>
         </p14:section>
         <p14:section name="Password Recovery" id="{F6FB7041-590B-4A2D-8DF5-9C474689BB61}">
           <p14:sldIdLst>
+            <p14:sldId id="266"/>
+            <p14:sldId id="257"/>
             <p14:sldId id="258"/>
             <p14:sldId id="259"/>
           </p14:sldIdLst>
@@ -561,7 +573,94 @@
           <a:p>
             <a:fld id="{54ECEB73-A4F9-4F7A-867E-E1B1C8313477}" type="slidenum">
               <a:rPr lang="en-AU" smtClean="0"/>
-              <a:t>2</a:t>
+              <a:t>11</a:t>
+            </a:fld>
+            <a:endParaRPr lang="en-AU"/>
+          </a:p>
+        </p:txBody>
+      </p:sp>
+    </p:spTree>
+    <p:extLst>
+      <p:ext uri="{BB962C8B-B14F-4D97-AF65-F5344CB8AC3E}">
+        <p14:creationId xmlns:p14="http://schemas.microsoft.com/office/powerpoint/2010/main" val="2812743956"/>
+      </p:ext>
+    </p:extLst>
+  </p:cSld>
+  <p:clrMapOvr>
+    <a:masterClrMapping/>
+  </p:clrMapOvr>
+</p:notes>
+</file>
+
+<file path=ppt/notesSlides/notesSlide2.xml><?xml version="1.0" encoding="utf-8"?>
+<p:notes xmlns:a="http://schemas.openxmlformats.org/drawingml/2006/main" xmlns:r="http://schemas.openxmlformats.org/officeDocument/2006/relationships" xmlns:p="http://schemas.openxmlformats.org/presentationml/2006/main">
+  <p:cSld>
+    <p:spTree>
+      <p:nvGrpSpPr>
+        <p:cNvPr id="1" name=""/>
+        <p:cNvGrpSpPr/>
+        <p:nvPr/>
+      </p:nvGrpSpPr>
+      <p:grpSpPr>
+        <a:xfrm>
+          <a:off x="0" y="0"/>
+          <a:ext cx="0" cy="0"/>
+          <a:chOff x="0" y="0"/>
+          <a:chExt cx="0" cy="0"/>
+        </a:xfrm>
+      </p:grpSpPr>
+      <p:sp>
+        <p:nvSpPr>
+          <p:cNvPr id="2" name="Slide Image Placeholder 1"/>
+          <p:cNvSpPr>
+            <a:spLocks noGrp="1" noRot="1" noChangeAspect="1"/>
+          </p:cNvSpPr>
+          <p:nvPr>
+            <p:ph type="sldImg"/>
+          </p:nvPr>
+        </p:nvSpPr>
+        <p:spPr/>
+      </p:sp>
+      <p:sp>
+        <p:nvSpPr>
+          <p:cNvPr id="3" name="Notes Placeholder 2"/>
+          <p:cNvSpPr>
+            <a:spLocks noGrp="1"/>
+          </p:cNvSpPr>
+          <p:nvPr>
+            <p:ph type="body" idx="1"/>
+          </p:nvPr>
+        </p:nvSpPr>
+        <p:spPr/>
+        <p:txBody>
+          <a:bodyPr/>
+          <a:lstStyle/>
+          <a:p>
+            <a:pPr marL="0" indent="0">
+              <a:buNone/>
+            </a:pPr>
+            <a:endParaRPr lang="en-AU" dirty="0"/>
+          </a:p>
+        </p:txBody>
+      </p:sp>
+      <p:sp>
+        <p:nvSpPr>
+          <p:cNvPr id="4" name="Slide Number Placeholder 3"/>
+          <p:cNvSpPr>
+            <a:spLocks noGrp="1"/>
+          </p:cNvSpPr>
+          <p:nvPr>
+            <p:ph type="sldNum" sz="quarter" idx="10"/>
+          </p:nvPr>
+        </p:nvSpPr>
+        <p:spPr/>
+        <p:txBody>
+          <a:bodyPr/>
+          <a:lstStyle/>
+          <a:p>
+            <a:fld id="{54ECEB73-A4F9-4F7A-867E-E1B1C8313477}" type="slidenum">
+              <a:rPr lang="en-AU" smtClean="0"/>
+              <a:t>12</a:t>
             </a:fld>
             <a:endParaRPr lang="en-AU"/>
           </a:p>
@@ -3631,7 +3730,387 @@
 </p:sld>
 </file>
 
-<file path=ppt/slides/slide2.xml><?xml version="1.0" encoding="utf-8"?>
+<file path=ppt/slides/slide10.xml><?xml version="1.0" encoding="utf-8"?>
+<p:sld xmlns:a="http://schemas.openxmlformats.org/drawingml/2006/main" xmlns:r="http://schemas.openxmlformats.org/officeDocument/2006/relationships" xmlns:p="http://schemas.openxmlformats.org/presentationml/2006/main">
+  <p:cSld>
+    <p:spTree>
+      <p:nvGrpSpPr>
+        <p:cNvPr id="1" name=""/>
+        <p:cNvGrpSpPr/>
+        <p:nvPr/>
+      </p:nvGrpSpPr>
+      <p:grpSpPr>
+        <a:xfrm>
+          <a:off x="0" y="0"/>
+          <a:ext cx="0" cy="0"/>
+          <a:chOff x="0" y="0"/>
+          <a:chExt cx="0" cy="0"/>
+        </a:xfrm>
+      </p:grpSpPr>
+      <p:sp>
+        <p:nvSpPr>
+          <p:cNvPr id="2" name="Title 1"/>
+          <p:cNvSpPr>
+            <a:spLocks noGrp="1"/>
+          </p:cNvSpPr>
+          <p:nvPr>
+            <p:ph type="title"/>
+          </p:nvPr>
+        </p:nvSpPr>
+        <p:spPr/>
+        <p:txBody>
+          <a:bodyPr>
+            <a:normAutofit fontScale="90000"/>
+          </a:bodyPr>
+          <a:lstStyle/>
+          <a:p>
+            <a:r>
+              <a:rPr lang="en-AU" dirty="0" smtClean="0"/>
+              <a:t>No ‘Lab Finished’ Warning Required</a:t>
+            </a:r>
+            <a:endParaRPr lang="en-AU" dirty="0"/>
+          </a:p>
+        </p:txBody>
+      </p:sp>
+      <p:sp>
+        <p:nvSpPr>
+          <p:cNvPr id="3" name="Text Placeholder 2"/>
+          <p:cNvSpPr>
+            <a:spLocks noGrp="1"/>
+          </p:cNvSpPr>
+          <p:nvPr>
+            <p:ph type="body" idx="1"/>
+          </p:nvPr>
+        </p:nvSpPr>
+        <p:spPr/>
+        <p:txBody>
+          <a:bodyPr/>
+          <a:lstStyle/>
+          <a:p>
+            <a:r>
+              <a:rPr lang="en-AU" dirty="0" smtClean="0"/>
+              <a:t>Issue/Fix</a:t>
+            </a:r>
+            <a:endParaRPr lang="en-AU" dirty="0"/>
+          </a:p>
+        </p:txBody>
+      </p:sp>
+      <p:sp>
+        <p:nvSpPr>
+          <p:cNvPr id="4" name="Content Placeholder 3"/>
+          <p:cNvSpPr>
+            <a:spLocks noGrp="1"/>
+          </p:cNvSpPr>
+          <p:nvPr>
+            <p:ph sz="half" idx="2"/>
+          </p:nvPr>
+        </p:nvSpPr>
+        <p:spPr/>
+        <p:txBody>
+          <a:bodyPr/>
+          <a:lstStyle/>
+          <a:p>
+            <a:r>
+              <a:rPr lang="en-AU" dirty="0" smtClean="0"/>
+              <a:t>Remove the popup that informs users about the lab’s session concluding if they select ‘finish’.</a:t>
+            </a:r>
+            <a:endParaRPr lang="en-AU" dirty="0"/>
+          </a:p>
+        </p:txBody>
+      </p:sp>
+      <p:sp>
+        <p:nvSpPr>
+          <p:cNvPr id="5" name="Text Placeholder 4"/>
+          <p:cNvSpPr>
+            <a:spLocks noGrp="1"/>
+          </p:cNvSpPr>
+          <p:nvPr>
+            <p:ph type="body" sz="quarter" idx="3"/>
+          </p:nvPr>
+        </p:nvSpPr>
+        <p:spPr/>
+        <p:txBody>
+          <a:bodyPr/>
+          <a:lstStyle/>
+          <a:p>
+            <a:r>
+              <a:rPr lang="en-AU" dirty="0" smtClean="0"/>
+              <a:t>Screenshot</a:t>
+            </a:r>
+            <a:endParaRPr lang="en-AU" dirty="0"/>
+          </a:p>
+        </p:txBody>
+      </p:sp>
+      <p:pic>
+        <p:nvPicPr>
+          <p:cNvPr id="3074" name="Picture 2"/>
+          <p:cNvPicPr>
+            <a:picLocks noGrp="1" noChangeAspect="1" noChangeArrowheads="1"/>
+          </p:cNvPicPr>
+          <p:nvPr>
+            <p:ph sz="quarter" idx="4"/>
+          </p:nvPr>
+        </p:nvPicPr>
+        <p:blipFill>
+          <a:blip r:embed="rId2">
+            <a:extLst>
+              <a:ext uri="{28A0092B-C50C-407E-A947-70E740481C1C}">
+                <a14:useLocalDpi xmlns:a14="http://schemas.microsoft.com/office/drawing/2010/main" val="0"/>
+              </a:ext>
+            </a:extLst>
+          </a:blip>
+          <a:srcRect/>
+          <a:stretch>
+            <a:fillRect/>
+          </a:stretch>
+        </p:blipFill>
+        <p:spPr bwMode="auto">
+          <a:xfrm>
+            <a:off x="4645025" y="2383082"/>
+            <a:ext cx="4041775" cy="1458423"/>
+          </a:xfrm>
+          <a:prstGeom prst="rect">
+            <a:avLst/>
+          </a:prstGeom>
+          <a:noFill/>
+          <a:ln>
+            <a:noFill/>
+          </a:ln>
+          <a:effectLst/>
+          <a:extLst>
+            <a:ext uri="{909E8E84-426E-40DD-AFC4-6F175D3DCCD1}">
+              <a14:hiddenFill xmlns:a14="http://schemas.microsoft.com/office/drawing/2010/main">
+                <a:solidFill>
+                  <a:schemeClr val="accent1"/>
+                </a:solidFill>
+              </a14:hiddenFill>
+            </a:ext>
+            <a:ext uri="{91240B29-F687-4F45-9708-019B960494DF}">
+              <a14:hiddenLine xmlns:a14="http://schemas.microsoft.com/office/drawing/2010/main" w="9525">
+                <a:solidFill>
+                  <a:schemeClr val="tx1"/>
+                </a:solidFill>
+                <a:miter lim="800000"/>
+                <a:headEnd/>
+                <a:tailEnd/>
+              </a14:hiddenLine>
+            </a:ext>
+            <a:ext uri="{AF507438-7753-43E0-B8FC-AC1667EBCBE1}">
+              <a14:hiddenEffects xmlns:a14="http://schemas.microsoft.com/office/drawing/2010/main">
+                <a:effectLst>
+                  <a:outerShdw dist="35921" dir="2700000" algn="ctr" rotWithShape="0">
+                    <a:schemeClr val="bg2"/>
+                  </a:outerShdw>
+                </a:effectLst>
+              </a14:hiddenEffects>
+            </a:ext>
+          </a:extLst>
+        </p:spPr>
+      </p:pic>
+    </p:spTree>
+    <p:extLst>
+      <p:ext uri="{BB962C8B-B14F-4D97-AF65-F5344CB8AC3E}">
+        <p14:creationId xmlns:p14="http://schemas.microsoft.com/office/powerpoint/2010/main" val="1600867329"/>
+      </p:ext>
+    </p:extLst>
+  </p:cSld>
+  <p:clrMapOvr>
+    <a:masterClrMapping/>
+  </p:clrMapOvr>
+</p:sld>
+</file>
+
+<file path=ppt/slides/slide11.xml><?xml version="1.0" encoding="utf-8"?>
+<p:sld xmlns:a="http://schemas.openxmlformats.org/drawingml/2006/main" xmlns:r="http://schemas.openxmlformats.org/officeDocument/2006/relationships" xmlns:p="http://schemas.openxmlformats.org/presentationml/2006/main">
+  <p:cSld>
+    <p:spTree>
+      <p:nvGrpSpPr>
+        <p:cNvPr id="1" name=""/>
+        <p:cNvGrpSpPr/>
+        <p:nvPr/>
+      </p:nvGrpSpPr>
+      <p:grpSpPr>
+        <a:xfrm>
+          <a:off x="0" y="0"/>
+          <a:ext cx="0" cy="0"/>
+          <a:chOff x="0" y="0"/>
+          <a:chExt cx="0" cy="0"/>
+        </a:xfrm>
+      </p:grpSpPr>
+      <p:sp>
+        <p:nvSpPr>
+          <p:cNvPr id="7" name="Title 6"/>
+          <p:cNvSpPr>
+            <a:spLocks noGrp="1"/>
+          </p:cNvSpPr>
+          <p:nvPr>
+            <p:ph type="title"/>
+          </p:nvPr>
+        </p:nvSpPr>
+        <p:spPr/>
+        <p:txBody>
+          <a:bodyPr/>
+          <a:lstStyle/>
+          <a:p>
+            <a:r>
+              <a:rPr lang="en-AU" dirty="0" smtClean="0"/>
+              <a:t>Login Popup</a:t>
+            </a:r>
+            <a:endParaRPr lang="en-AU" dirty="0"/>
+          </a:p>
+        </p:txBody>
+      </p:sp>
+      <p:sp>
+        <p:nvSpPr>
+          <p:cNvPr id="8" name="Text Placeholder 7"/>
+          <p:cNvSpPr>
+            <a:spLocks noGrp="1"/>
+          </p:cNvSpPr>
+          <p:nvPr>
+            <p:ph type="body" idx="1"/>
+          </p:nvPr>
+        </p:nvSpPr>
+        <p:spPr/>
+        <p:txBody>
+          <a:bodyPr/>
+          <a:lstStyle/>
+          <a:p>
+            <a:r>
+              <a:rPr lang="en-AU" dirty="0" smtClean="0"/>
+              <a:t>Issue/Fix</a:t>
+            </a:r>
+            <a:endParaRPr lang="en-AU" dirty="0"/>
+          </a:p>
+        </p:txBody>
+      </p:sp>
+      <p:sp>
+        <p:nvSpPr>
+          <p:cNvPr id="9" name="Content Placeholder 8"/>
+          <p:cNvSpPr>
+            <a:spLocks noGrp="1"/>
+          </p:cNvSpPr>
+          <p:nvPr>
+            <p:ph sz="half" idx="2"/>
+          </p:nvPr>
+        </p:nvSpPr>
+        <p:spPr/>
+        <p:txBody>
+          <a:bodyPr>
+            <a:normAutofit/>
+          </a:bodyPr>
+          <a:lstStyle/>
+          <a:p>
+            <a:r>
+              <a:rPr lang="en-AU" dirty="0" smtClean="0"/>
+              <a:t>The ‘Password recovery’ text should be present immediately. It shouldn’t require the user to fail logging in once.</a:t>
+            </a:r>
+            <a:endParaRPr lang="en-AU" dirty="0"/>
+          </a:p>
+        </p:txBody>
+      </p:sp>
+      <p:sp>
+        <p:nvSpPr>
+          <p:cNvPr id="10" name="Text Placeholder 9"/>
+          <p:cNvSpPr>
+            <a:spLocks noGrp="1"/>
+          </p:cNvSpPr>
+          <p:nvPr>
+            <p:ph type="body" sz="quarter" idx="3"/>
+          </p:nvPr>
+        </p:nvSpPr>
+        <p:spPr/>
+        <p:txBody>
+          <a:bodyPr/>
+          <a:lstStyle/>
+          <a:p>
+            <a:r>
+              <a:rPr lang="en-AU" dirty="0" smtClean="0"/>
+              <a:t>Screenshot</a:t>
+            </a:r>
+            <a:endParaRPr lang="en-AU" dirty="0"/>
+          </a:p>
+        </p:txBody>
+      </p:sp>
+      <p:pic>
+        <p:nvPicPr>
+          <p:cNvPr id="1026" name="Picture 2"/>
+          <p:cNvPicPr>
+            <a:picLocks noGrp="1" noChangeAspect="1" noChangeArrowheads="1"/>
+          </p:cNvPicPr>
+          <p:nvPr>
+            <p:ph sz="quarter" idx="4"/>
+          </p:nvPr>
+        </p:nvPicPr>
+        <p:blipFill>
+          <a:blip r:embed="rId3">
+            <a:extLst>
+              <a:ext uri="{28A0092B-C50C-407E-A947-70E740481C1C}">
+                <a14:useLocalDpi xmlns:a14="http://schemas.microsoft.com/office/drawing/2010/main" val="0"/>
+              </a:ext>
+            </a:extLst>
+          </a:blip>
+          <a:srcRect/>
+          <a:stretch>
+            <a:fillRect/>
+          </a:stretch>
+        </p:blipFill>
+        <p:spPr bwMode="auto">
+          <a:xfrm>
+            <a:off x="4645025" y="2240743"/>
+            <a:ext cx="4041775" cy="1743102"/>
+          </a:xfrm>
+          <a:prstGeom prst="rect">
+            <a:avLst/>
+          </a:prstGeom>
+          <a:noFill/>
+          <a:ln>
+            <a:noFill/>
+          </a:ln>
+          <a:effectLst/>
+          <a:extLst>
+            <a:ext uri="{909E8E84-426E-40DD-AFC4-6F175D3DCCD1}">
+              <a14:hiddenFill xmlns:a14="http://schemas.microsoft.com/office/drawing/2010/main">
+                <a:solidFill>
+                  <a:schemeClr val="accent1"/>
+                </a:solidFill>
+              </a14:hiddenFill>
+            </a:ext>
+            <a:ext uri="{91240B29-F687-4F45-9708-019B960494DF}">
+              <a14:hiddenLine xmlns:a14="http://schemas.microsoft.com/office/drawing/2010/main" w="9525">
+                <a:solidFill>
+                  <a:schemeClr val="tx1"/>
+                </a:solidFill>
+                <a:miter lim="800000"/>
+                <a:headEnd/>
+                <a:tailEnd/>
+              </a14:hiddenLine>
+            </a:ext>
+            <a:ext uri="{AF507438-7753-43E0-B8FC-AC1667EBCBE1}">
+              <a14:hiddenEffects xmlns:a14="http://schemas.microsoft.com/office/drawing/2010/main">
+                <a:effectLst>
+                  <a:outerShdw dist="35921" dir="2700000" algn="ctr" rotWithShape="0">
+                    <a:schemeClr val="bg2"/>
+                  </a:outerShdw>
+                </a:effectLst>
+              </a14:hiddenEffects>
+            </a:ext>
+          </a:extLst>
+        </p:spPr>
+      </p:pic>
+    </p:spTree>
+    <p:extLst>
+      <p:ext uri="{BB962C8B-B14F-4D97-AF65-F5344CB8AC3E}">
+        <p14:creationId xmlns:p14="http://schemas.microsoft.com/office/powerpoint/2010/main" val="1585602408"/>
+      </p:ext>
+    </p:extLst>
+  </p:cSld>
+  <p:clrMapOvr>
+    <a:masterClrMapping/>
+  </p:clrMapOvr>
+</p:sld>
+</file>
+
+<file path=ppt/slides/slide12.xml><?xml version="1.0" encoding="utf-8"?>
 <p:sld xmlns:a="http://schemas.openxmlformats.org/drawingml/2006/main" xmlns:r="http://schemas.openxmlformats.org/officeDocument/2006/relationships" xmlns:p="http://schemas.openxmlformats.org/presentationml/2006/main">
   <p:cSld>
     <p:spTree>
@@ -3835,7 +4314,389 @@
 </p:sld>
 </file>
 
-<file path=ppt/slides/slide3.xml><?xml version="1.0" encoding="utf-8"?>
+<file path=ppt/slides/slide13.xml><?xml version="1.0" encoding="utf-8"?>
+<p:sld xmlns:a="http://schemas.openxmlformats.org/drawingml/2006/main" xmlns:r="http://schemas.openxmlformats.org/officeDocument/2006/relationships" xmlns:p="http://schemas.openxmlformats.org/presentationml/2006/main">
+  <p:cSld>
+    <p:spTree>
+      <p:nvGrpSpPr>
+        <p:cNvPr id="1" name=""/>
+        <p:cNvGrpSpPr/>
+        <p:nvPr/>
+      </p:nvGrpSpPr>
+      <p:grpSpPr>
+        <a:xfrm>
+          <a:off x="0" y="0"/>
+          <a:ext cx="0" cy="0"/>
+          <a:chOff x="0" y="0"/>
+          <a:chExt cx="0" cy="0"/>
+        </a:xfrm>
+      </p:grpSpPr>
+      <p:sp>
+        <p:nvSpPr>
+          <p:cNvPr id="2" name="Title 1"/>
+          <p:cNvSpPr>
+            <a:spLocks noGrp="1"/>
+          </p:cNvSpPr>
+          <p:nvPr>
+            <p:ph type="title"/>
+          </p:nvPr>
+        </p:nvSpPr>
+        <p:spPr/>
+        <p:txBody>
+          <a:bodyPr/>
+          <a:lstStyle/>
+          <a:p>
+            <a:r>
+              <a:rPr lang="en-AU" dirty="0" smtClean="0"/>
+              <a:t>Password Recovery</a:t>
+            </a:r>
+            <a:endParaRPr lang="en-AU" dirty="0"/>
+          </a:p>
+        </p:txBody>
+      </p:sp>
+      <p:sp>
+        <p:nvSpPr>
+          <p:cNvPr id="3" name="Text Placeholder 2"/>
+          <p:cNvSpPr>
+            <a:spLocks noGrp="1"/>
+          </p:cNvSpPr>
+          <p:nvPr>
+            <p:ph type="body" idx="1"/>
+          </p:nvPr>
+        </p:nvSpPr>
+        <p:spPr/>
+        <p:txBody>
+          <a:bodyPr/>
+          <a:lstStyle/>
+          <a:p>
+            <a:r>
+              <a:rPr lang="en-AU" dirty="0" smtClean="0"/>
+              <a:t>Issue/Fix</a:t>
+            </a:r>
+            <a:endParaRPr lang="en-AU" dirty="0"/>
+          </a:p>
+        </p:txBody>
+      </p:sp>
+      <p:sp>
+        <p:nvSpPr>
+          <p:cNvPr id="4" name="Content Placeholder 3"/>
+          <p:cNvSpPr>
+            <a:spLocks noGrp="1"/>
+          </p:cNvSpPr>
+          <p:nvPr>
+            <p:ph sz="half" idx="2"/>
+          </p:nvPr>
+        </p:nvSpPr>
+        <p:spPr/>
+        <p:txBody>
+          <a:bodyPr/>
+          <a:lstStyle/>
+          <a:p>
+            <a:r>
+              <a:rPr lang="en-AU" dirty="0" smtClean="0"/>
+              <a:t>Another page isn’t necessary. Selecting ‘Password recovery’ should simply send an email to the user with the updated details.</a:t>
+            </a:r>
+          </a:p>
+          <a:p>
+            <a:endParaRPr lang="en-AU" dirty="0"/>
+          </a:p>
+        </p:txBody>
+      </p:sp>
+      <p:sp>
+        <p:nvSpPr>
+          <p:cNvPr id="5" name="Text Placeholder 4"/>
+          <p:cNvSpPr>
+            <a:spLocks noGrp="1"/>
+          </p:cNvSpPr>
+          <p:nvPr>
+            <p:ph type="body" sz="quarter" idx="3"/>
+          </p:nvPr>
+        </p:nvSpPr>
+        <p:spPr/>
+        <p:txBody>
+          <a:bodyPr/>
+          <a:lstStyle/>
+          <a:p>
+            <a:r>
+              <a:rPr lang="en-AU" dirty="0"/>
+              <a:t>Screenshot</a:t>
+            </a:r>
+          </a:p>
+        </p:txBody>
+      </p:sp>
+      <p:pic>
+        <p:nvPicPr>
+          <p:cNvPr id="1026" name="Picture 2"/>
+          <p:cNvPicPr>
+            <a:picLocks noGrp="1" noChangeAspect="1" noChangeArrowheads="1"/>
+          </p:cNvPicPr>
+          <p:nvPr>
+            <p:ph sz="quarter" idx="4"/>
+          </p:nvPr>
+        </p:nvPicPr>
+        <p:blipFill>
+          <a:blip r:embed="rId2">
+            <a:extLst>
+              <a:ext uri="{28A0092B-C50C-407E-A947-70E740481C1C}">
+                <a14:useLocalDpi xmlns:a14="http://schemas.microsoft.com/office/drawing/2010/main" val="0"/>
+              </a:ext>
+            </a:extLst>
+          </a:blip>
+          <a:stretch>
+            <a:fillRect/>
+          </a:stretch>
+        </p:blipFill>
+        <p:spPr bwMode="auto">
+          <a:xfrm>
+            <a:off x="4974989" y="2183477"/>
+            <a:ext cx="3381847" cy="1857634"/>
+          </a:xfrm>
+          <a:prstGeom prst="rect">
+            <a:avLst/>
+          </a:prstGeom>
+          <a:noFill/>
+          <a:ln>
+            <a:noFill/>
+          </a:ln>
+          <a:effectLst/>
+          <a:extLst>
+            <a:ext uri="{909E8E84-426E-40DD-AFC4-6F175D3DCCD1}">
+              <a14:hiddenFill xmlns:a14="http://schemas.microsoft.com/office/drawing/2010/main">
+                <a:solidFill>
+                  <a:schemeClr val="accent1"/>
+                </a:solidFill>
+              </a14:hiddenFill>
+            </a:ext>
+            <a:ext uri="{91240B29-F687-4F45-9708-019B960494DF}">
+              <a14:hiddenLine xmlns:a14="http://schemas.microsoft.com/office/drawing/2010/main" w="9525">
+                <a:solidFill>
+                  <a:schemeClr val="tx1"/>
+                </a:solidFill>
+                <a:miter lim="800000"/>
+                <a:headEnd/>
+                <a:tailEnd/>
+              </a14:hiddenLine>
+            </a:ext>
+            <a:ext uri="{AF507438-7753-43E0-B8FC-AC1667EBCBE1}">
+              <a14:hiddenEffects xmlns:a14="http://schemas.microsoft.com/office/drawing/2010/main">
+                <a:effectLst>
+                  <a:outerShdw dist="35921" dir="2700000" algn="ctr" rotWithShape="0">
+                    <a:schemeClr val="bg2"/>
+                  </a:outerShdw>
+                </a:effectLst>
+              </a14:hiddenEffects>
+            </a:ext>
+          </a:extLst>
+        </p:spPr>
+      </p:pic>
+    </p:spTree>
+    <p:extLst>
+      <p:ext uri="{BB962C8B-B14F-4D97-AF65-F5344CB8AC3E}">
+        <p14:creationId xmlns:p14="http://schemas.microsoft.com/office/powerpoint/2010/main" val="857818074"/>
+      </p:ext>
+    </p:extLst>
+  </p:cSld>
+  <p:clrMapOvr>
+    <a:masterClrMapping/>
+  </p:clrMapOvr>
+</p:sld>
+</file>
+
+<file path=ppt/slides/slide14.xml><?xml version="1.0" encoding="utf-8"?>
+<p:sld xmlns:a="http://schemas.openxmlformats.org/drawingml/2006/main" xmlns:r="http://schemas.openxmlformats.org/officeDocument/2006/relationships" xmlns:p="http://schemas.openxmlformats.org/presentationml/2006/main">
+  <p:cSld>
+    <p:spTree>
+      <p:nvGrpSpPr>
+        <p:cNvPr id="1" name=""/>
+        <p:cNvGrpSpPr/>
+        <p:nvPr/>
+      </p:nvGrpSpPr>
+      <p:grpSpPr>
+        <a:xfrm>
+          <a:off x="0" y="0"/>
+          <a:ext cx="0" cy="0"/>
+          <a:chOff x="0" y="0"/>
+          <a:chExt cx="0" cy="0"/>
+        </a:xfrm>
+      </p:grpSpPr>
+      <p:sp>
+        <p:nvSpPr>
+          <p:cNvPr id="2" name="Title 1"/>
+          <p:cNvSpPr>
+            <a:spLocks noGrp="1"/>
+          </p:cNvSpPr>
+          <p:nvPr>
+            <p:ph type="title"/>
+          </p:nvPr>
+        </p:nvSpPr>
+        <p:spPr/>
+        <p:txBody>
+          <a:bodyPr/>
+          <a:lstStyle/>
+          <a:p>
+            <a:r>
+              <a:rPr lang="en-AU" dirty="0" smtClean="0"/>
+              <a:t>Email Received</a:t>
+            </a:r>
+            <a:endParaRPr lang="en-AU" dirty="0"/>
+          </a:p>
+        </p:txBody>
+      </p:sp>
+      <p:sp>
+        <p:nvSpPr>
+          <p:cNvPr id="3" name="Text Placeholder 2"/>
+          <p:cNvSpPr>
+            <a:spLocks noGrp="1"/>
+          </p:cNvSpPr>
+          <p:nvPr>
+            <p:ph type="body" idx="1"/>
+          </p:nvPr>
+        </p:nvSpPr>
+        <p:spPr/>
+        <p:txBody>
+          <a:bodyPr/>
+          <a:lstStyle/>
+          <a:p>
+            <a:r>
+              <a:rPr lang="en-AU" dirty="0" smtClean="0"/>
+              <a:t>Issue/Fix</a:t>
+            </a:r>
+            <a:endParaRPr lang="en-AU" dirty="0"/>
+          </a:p>
+        </p:txBody>
+      </p:sp>
+      <p:sp>
+        <p:nvSpPr>
+          <p:cNvPr id="4" name="Content Placeholder 3"/>
+          <p:cNvSpPr>
+            <a:spLocks noGrp="1"/>
+          </p:cNvSpPr>
+          <p:nvPr>
+            <p:ph sz="half" idx="2"/>
+          </p:nvPr>
+        </p:nvSpPr>
+        <p:spPr/>
+        <p:txBody>
+          <a:bodyPr/>
+          <a:lstStyle/>
+          <a:p>
+            <a:r>
+              <a:rPr lang="en-AU" dirty="0" smtClean="0"/>
+              <a:t>Remove ‘[SPAM]’ from the subject line.</a:t>
+            </a:r>
+          </a:p>
+          <a:p>
+            <a:r>
+              <a:rPr lang="en-AU" dirty="0" smtClean="0"/>
+              <a:t>Change the bottom text to ‘Thankyou for using our Remote Labs’.</a:t>
+            </a:r>
+            <a:endParaRPr lang="en-AU" dirty="0"/>
+          </a:p>
+        </p:txBody>
+      </p:sp>
+      <p:sp>
+        <p:nvSpPr>
+          <p:cNvPr id="5" name="Text Placeholder 4"/>
+          <p:cNvSpPr>
+            <a:spLocks noGrp="1"/>
+          </p:cNvSpPr>
+          <p:nvPr>
+            <p:ph type="body" sz="quarter" idx="3"/>
+          </p:nvPr>
+        </p:nvSpPr>
+        <p:spPr/>
+        <p:txBody>
+          <a:bodyPr/>
+          <a:lstStyle/>
+          <a:p>
+            <a:r>
+              <a:rPr lang="en-AU" dirty="0" smtClean="0"/>
+              <a:t>Screenshot</a:t>
+            </a:r>
+            <a:endParaRPr lang="en-AU" dirty="0"/>
+          </a:p>
+        </p:txBody>
+      </p:sp>
+      <p:pic>
+        <p:nvPicPr>
+          <p:cNvPr id="10" name="Picture 3"/>
+          <p:cNvPicPr>
+            <a:picLocks noGrp="1" noChangeAspect="1" noChangeArrowheads="1"/>
+          </p:cNvPicPr>
+          <p:nvPr>
+            <p:ph sz="quarter" idx="4"/>
+          </p:nvPr>
+        </p:nvPicPr>
+        <p:blipFill>
+          <a:blip r:embed="rId2">
+            <a:extLst>
+              <a:ext uri="{28A0092B-C50C-407E-A947-70E740481C1C}">
+                <a14:useLocalDpi xmlns:a14="http://schemas.microsoft.com/office/drawing/2010/main" val="0"/>
+              </a:ext>
+            </a:extLst>
+          </a:blip>
+          <a:srcRect/>
+          <a:stretch>
+            <a:fillRect/>
+          </a:stretch>
+        </p:blipFill>
+        <p:spPr bwMode="auto">
+          <a:xfrm>
+            <a:off x="5075015" y="1816713"/>
+            <a:ext cx="3181794" cy="2591162"/>
+          </a:xfrm>
+          <a:prstGeom prst="rect">
+            <a:avLst/>
+          </a:prstGeom>
+          <a:noFill/>
+          <a:ln>
+            <a:noFill/>
+          </a:ln>
+          <a:effectLst/>
+          <a:extLst>
+            <a:ext uri="{909E8E84-426E-40DD-AFC4-6F175D3DCCD1}">
+              <a14:hiddenFill xmlns:a14="http://schemas.microsoft.com/office/drawing/2010/main">
+                <a:solidFill>
+                  <a:schemeClr val="accent1"/>
+                </a:solidFill>
+              </a14:hiddenFill>
+            </a:ext>
+            <a:ext uri="{91240B29-F687-4F45-9708-019B960494DF}">
+              <a14:hiddenLine xmlns:a14="http://schemas.microsoft.com/office/drawing/2010/main" w="9525">
+                <a:solidFill>
+                  <a:schemeClr val="tx1"/>
+                </a:solidFill>
+                <a:miter lim="800000"/>
+                <a:headEnd/>
+                <a:tailEnd/>
+              </a14:hiddenLine>
+            </a:ext>
+            <a:ext uri="{AF507438-7753-43E0-B8FC-AC1667EBCBE1}">
+              <a14:hiddenEffects xmlns:a14="http://schemas.microsoft.com/office/drawing/2010/main">
+                <a:effectLst>
+                  <a:outerShdw dist="35921" dir="2700000" algn="ctr" rotWithShape="0">
+                    <a:schemeClr val="bg2"/>
+                  </a:outerShdw>
+                </a:effectLst>
+              </a14:hiddenEffects>
+            </a:ext>
+          </a:extLst>
+        </p:spPr>
+      </p:pic>
+    </p:spTree>
+    <p:extLst>
+      <p:ext uri="{BB962C8B-B14F-4D97-AF65-F5344CB8AC3E}">
+        <p14:creationId xmlns:p14="http://schemas.microsoft.com/office/powerpoint/2010/main" val="669000019"/>
+      </p:ext>
+    </p:extLst>
+  </p:cSld>
+  <p:clrMapOvr>
+    <a:masterClrMapping/>
+  </p:clrMapOvr>
+</p:sld>
+</file>
+
+<file path=ppt/slides/slide2.xml><?xml version="1.0" encoding="utf-8"?>
 <p:sld xmlns:a="http://schemas.openxmlformats.org/drawingml/2006/main" xmlns:r="http://schemas.openxmlformats.org/officeDocument/2006/relationships" xmlns:p="http://schemas.openxmlformats.org/presentationml/2006/main">
   <p:cSld>
     <p:spTree>
@@ -4160,7 +5021,7 @@
 </p:sld>
 </file>
 
-<file path=ppt/slides/slide4.xml><?xml version="1.0" encoding="utf-8"?>
+<file path=ppt/slides/slide3.xml><?xml version="1.0" encoding="utf-8"?>
 <p:sld xmlns:a="http://schemas.openxmlformats.org/drawingml/2006/main" xmlns:r="http://schemas.openxmlformats.org/officeDocument/2006/relationships" xmlns:p="http://schemas.openxmlformats.org/presentationml/2006/main">
   <p:cSld>
     <p:spTree>
@@ -4344,6 +5205,203 @@
     <p:extLst>
       <p:ext uri="{BB962C8B-B14F-4D97-AF65-F5344CB8AC3E}">
         <p14:creationId xmlns:p14="http://schemas.microsoft.com/office/powerpoint/2010/main" val="669969674"/>
+      </p:ext>
+    </p:extLst>
+  </p:cSld>
+  <p:clrMapOvr>
+    <a:masterClrMapping/>
+  </p:clrMapOvr>
+</p:sld>
+</file>
+
+<file path=ppt/slides/slide4.xml><?xml version="1.0" encoding="utf-8"?>
+<p:sld xmlns:a="http://schemas.openxmlformats.org/drawingml/2006/main" xmlns:r="http://schemas.openxmlformats.org/officeDocument/2006/relationships" xmlns:p="http://schemas.openxmlformats.org/presentationml/2006/main">
+  <p:cSld>
+    <p:spTree>
+      <p:nvGrpSpPr>
+        <p:cNvPr id="1" name=""/>
+        <p:cNvGrpSpPr/>
+        <p:nvPr/>
+      </p:nvGrpSpPr>
+      <p:grpSpPr>
+        <a:xfrm>
+          <a:off x="0" y="0"/>
+          <a:ext cx="0" cy="0"/>
+          <a:chOff x="0" y="0"/>
+          <a:chExt cx="0" cy="0"/>
+        </a:xfrm>
+      </p:grpSpPr>
+      <p:sp>
+        <p:nvSpPr>
+          <p:cNvPr id="2" name="Title 1"/>
+          <p:cNvSpPr>
+            <a:spLocks noGrp="1"/>
+          </p:cNvSpPr>
+          <p:nvPr>
+            <p:ph type="title"/>
+          </p:nvPr>
+        </p:nvSpPr>
+        <p:spPr/>
+        <p:txBody>
+          <a:bodyPr/>
+          <a:lstStyle/>
+          <a:p>
+            <a:r>
+              <a:rPr lang="en-AU" dirty="0" smtClean="0"/>
+              <a:t>Instruction </a:t>
+            </a:r>
+            <a:r>
+              <a:rPr lang="en-AU" dirty="0" smtClean="0"/>
+              <a:t>Video V2</a:t>
+            </a:r>
+            <a:endParaRPr lang="en-AU" dirty="0"/>
+          </a:p>
+        </p:txBody>
+      </p:sp>
+      <p:sp>
+        <p:nvSpPr>
+          <p:cNvPr id="3" name="Text Placeholder 2"/>
+          <p:cNvSpPr>
+            <a:spLocks noGrp="1"/>
+          </p:cNvSpPr>
+          <p:nvPr>
+            <p:ph type="body" idx="1"/>
+          </p:nvPr>
+        </p:nvSpPr>
+        <p:spPr/>
+        <p:txBody>
+          <a:bodyPr/>
+          <a:lstStyle/>
+          <a:p>
+            <a:r>
+              <a:rPr lang="en-AU" dirty="0" smtClean="0"/>
+              <a:t>Issue/Fix</a:t>
+            </a:r>
+            <a:endParaRPr lang="en-AU" dirty="0"/>
+          </a:p>
+        </p:txBody>
+      </p:sp>
+      <p:sp>
+        <p:nvSpPr>
+          <p:cNvPr id="4" name="Content Placeholder 3"/>
+          <p:cNvSpPr>
+            <a:spLocks noGrp="1"/>
+          </p:cNvSpPr>
+          <p:nvPr>
+            <p:ph sz="half" idx="2"/>
+          </p:nvPr>
+        </p:nvSpPr>
+        <p:spPr/>
+        <p:txBody>
+          <a:bodyPr/>
+          <a:lstStyle/>
+          <a:p>
+            <a:r>
+              <a:rPr lang="en-AU" dirty="0" smtClean="0"/>
+              <a:t>The instruction video keeps playing if you click off it.</a:t>
+            </a:r>
+          </a:p>
+          <a:p>
+            <a:r>
+              <a:rPr lang="en-AU" dirty="0" smtClean="0"/>
+              <a:t>Automatically stop if from playing on leaving the video.</a:t>
+            </a:r>
+            <a:endParaRPr lang="en-AU" dirty="0"/>
+          </a:p>
+        </p:txBody>
+      </p:sp>
+      <p:sp>
+        <p:nvSpPr>
+          <p:cNvPr id="5" name="Text Placeholder 4"/>
+          <p:cNvSpPr>
+            <a:spLocks noGrp="1"/>
+          </p:cNvSpPr>
+          <p:nvPr>
+            <p:ph type="body" sz="quarter" idx="3"/>
+          </p:nvPr>
+        </p:nvSpPr>
+        <p:spPr/>
+        <p:txBody>
+          <a:bodyPr/>
+          <a:lstStyle/>
+          <a:p>
+            <a:r>
+              <a:rPr lang="en-AU" dirty="0"/>
+              <a:t>Screenshot</a:t>
+            </a:r>
+          </a:p>
+        </p:txBody>
+      </p:sp>
+      <p:pic>
+        <p:nvPicPr>
+          <p:cNvPr id="1026" name="Picture 2"/>
+          <p:cNvPicPr>
+            <a:picLocks noGrp="1" noChangeAspect="1" noChangeArrowheads="1"/>
+          </p:cNvPicPr>
+          <p:nvPr>
+            <p:ph sz="quarter" idx="4"/>
+          </p:nvPr>
+        </p:nvPicPr>
+        <p:blipFill>
+          <a:blip r:embed="rId2" cstate="print">
+            <a:extLst>
+              <a:ext uri="{28A0092B-C50C-407E-A947-70E740481C1C}">
+                <a14:useLocalDpi xmlns:a14="http://schemas.microsoft.com/office/drawing/2010/main" val="0"/>
+              </a:ext>
+            </a:extLst>
+          </a:blip>
+          <a:srcRect/>
+          <a:stretch>
+            <a:fillRect/>
+          </a:stretch>
+        </p:blipFill>
+        <p:spPr bwMode="auto">
+          <a:xfrm>
+            <a:off x="4645025" y="2054247"/>
+            <a:ext cx="4041775" cy="2116093"/>
+          </a:xfrm>
+          <a:prstGeom prst="rect">
+            <a:avLst/>
+          </a:prstGeom>
+          <a:noFill/>
+          <a:ln>
+            <a:noFill/>
+          </a:ln>
+          <a:effectLst/>
+          <a:extLst>
+            <a:ext uri="{909E8E84-426E-40DD-AFC4-6F175D3DCCD1}">
+              <a14:hiddenFill xmlns:a14="http://schemas.microsoft.com/office/drawing/2010/main">
+                <a:solidFill>
+                  <a:schemeClr val="accent1"/>
+                </a:solidFill>
+              </a14:hiddenFill>
+            </a:ext>
+            <a:ext uri="{91240B29-F687-4F45-9708-019B960494DF}">
+              <a14:hiddenLine xmlns:a14="http://schemas.microsoft.com/office/drawing/2010/main" w="9525">
+                <a:solidFill>
+                  <a:schemeClr val="tx1"/>
+                </a:solidFill>
+                <a:miter lim="800000"/>
+                <a:headEnd/>
+                <a:tailEnd/>
+              </a14:hiddenLine>
+            </a:ext>
+            <a:ext uri="{AF507438-7753-43E0-B8FC-AC1667EBCBE1}">
+              <a14:hiddenEffects xmlns:a14="http://schemas.microsoft.com/office/drawing/2010/main">
+                <a:effectLst>
+                  <a:outerShdw dist="35921" dir="2700000" algn="ctr" rotWithShape="0">
+                    <a:schemeClr val="bg2"/>
+                  </a:outerShdw>
+                </a:effectLst>
+              </a14:hiddenEffects>
+            </a:ext>
+          </a:extLst>
+        </p:spPr>
+      </p:pic>
+    </p:spTree>
+    <p:extLst>
+      <p:ext uri="{BB962C8B-B14F-4D97-AF65-F5344CB8AC3E}">
+        <p14:creationId xmlns:p14="http://schemas.microsoft.com/office/powerpoint/2010/main" val="2323738221"/>
       </p:ext>
     </p:extLst>
   </p:cSld>
@@ -4777,7 +5835,7 @@
           <a:p>
             <a:r>
               <a:rPr lang="en-AU" dirty="0" smtClean="0"/>
-              <a:t>Password Recovery</a:t>
+              <a:t>Lab Selection Text Positioning</a:t>
             </a:r>
             <a:endParaRPr lang="en-AU" dirty="0"/>
           </a:p>
@@ -4823,10 +5881,28 @@
           <a:p>
             <a:r>
               <a:rPr lang="en-AU" dirty="0" smtClean="0"/>
-              <a:t>Another page isn’t necessary. Selecting ‘Password recovery’ should simply send an email to the user with the updated details.</a:t>
-            </a:r>
-          </a:p>
-          <a:p>
+              <a:t>Schedule booking for the platform should be available. A similar concept </a:t>
+            </a:r>
+            <a:r>
+              <a:rPr lang="en-AU" dirty="0"/>
+              <a:t>is utilised here: </a:t>
+            </a:r>
+            <a:r>
+              <a:rPr lang="en-AU" dirty="0">
+                <a:hlinkClick r:id="rId2"/>
+              </a:rPr>
+              <a:t>https://</a:t>
+            </a:r>
+            <a:r>
+              <a:rPr lang="en-AU" dirty="0" smtClean="0">
+                <a:hlinkClick r:id="rId2"/>
+              </a:rPr>
+              <a:t>www.spacecubed.com/en/page/book-open-house</a:t>
+            </a:r>
+            <a:r>
+              <a:rPr lang="en-AU" dirty="0" smtClean="0"/>
+              <a:t> </a:t>
+            </a:r>
             <a:endParaRPr lang="en-AU" dirty="0"/>
           </a:p>
         </p:txBody>
@@ -4847,15 +5923,16 @@
           <a:lstStyle/>
           <a:p>
             <a:r>
-              <a:rPr lang="en-AU" dirty="0"/>
+              <a:rPr lang="en-AU" dirty="0" smtClean="0"/>
               <a:t>Screenshot</a:t>
             </a:r>
+            <a:endParaRPr lang="en-AU" dirty="0"/>
           </a:p>
         </p:txBody>
       </p:sp>
       <p:pic>
         <p:nvPicPr>
-          <p:cNvPr id="1026" name="Picture 2"/>
+          <p:cNvPr id="11" name="Picture 2" descr="C:\Users\James\Downloads\2017-10-19 12_34_48-Home Page - Electromeet - Remote Labs.png"/>
           <p:cNvPicPr>
             <a:picLocks noGrp="1" noChangeAspect="1" noChangeArrowheads="1"/>
           </p:cNvPicPr>
@@ -4864,56 +5941,34 @@
           </p:nvPr>
         </p:nvPicPr>
         <p:blipFill>
-          <a:blip r:embed="rId2">
+          <a:blip r:embed="rId3">
             <a:extLst>
               <a:ext uri="{28A0092B-C50C-407E-A947-70E740481C1C}">
                 <a14:useLocalDpi xmlns:a14="http://schemas.microsoft.com/office/drawing/2010/main" val="0"/>
               </a:ext>
             </a:extLst>
           </a:blip>
+          <a:srcRect/>
           <a:stretch>
             <a:fillRect/>
           </a:stretch>
         </p:blipFill>
         <p:spPr bwMode="auto">
           <a:xfrm>
-            <a:off x="4974989" y="2183477"/>
-            <a:ext cx="3381847" cy="1857634"/>
+            <a:off x="6219216" y="1630363"/>
+            <a:ext cx="893392" cy="2963862"/>
           </a:xfrm>
           <a:prstGeom prst="rect">
             <a:avLst/>
           </a:prstGeom>
           <a:noFill/>
-          <a:ln>
-            <a:noFill/>
-          </a:ln>
-          <a:effectLst/>
           <a:extLst>
             <a:ext uri="{909E8E84-426E-40DD-AFC4-6F175D3DCCD1}">
               <a14:hiddenFill xmlns:a14="http://schemas.microsoft.com/office/drawing/2010/main">
                 <a:solidFill>
-                  <a:schemeClr val="accent1"/>
+                  <a:srgbClr val="FFFFFF"/>
                 </a:solidFill>
               </a14:hiddenFill>
-            </a:ext>
-            <a:ext uri="{91240B29-F687-4F45-9708-019B960494DF}">
-              <a14:hiddenLine xmlns:a14="http://schemas.microsoft.com/office/drawing/2010/main" w="9525">
-                <a:solidFill>
-                  <a:schemeClr val="tx1"/>
-                </a:solidFill>
-                <a:miter lim="800000"/>
-                <a:headEnd/>
-                <a:tailEnd/>
-              </a14:hiddenLine>
-            </a:ext>
-            <a:ext uri="{AF507438-7753-43E0-B8FC-AC1667EBCBE1}">
-              <a14:hiddenEffects xmlns:a14="http://schemas.microsoft.com/office/drawing/2010/main">
-                <a:effectLst>
-                  <a:outerShdw dist="35921" dir="2700000" algn="ctr" rotWithShape="0">
-                    <a:schemeClr val="bg2"/>
-                  </a:outerShdw>
-                </a:effectLst>
-              </a14:hiddenEffects>
             </a:ext>
           </a:extLst>
         </p:spPr>
@@ -4921,7 +5976,7 @@
     </p:spTree>
     <p:extLst>
       <p:ext uri="{BB962C8B-B14F-4D97-AF65-F5344CB8AC3E}">
-        <p14:creationId xmlns:p14="http://schemas.microsoft.com/office/powerpoint/2010/main" val="857818074"/>
+        <p14:creationId xmlns:p14="http://schemas.microsoft.com/office/powerpoint/2010/main" val="143367872"/>
       </p:ext>
     </p:extLst>
   </p:cSld>
@@ -4965,7 +6020,7 @@
           <a:p>
             <a:r>
               <a:rPr lang="en-AU" dirty="0" smtClean="0"/>
-              <a:t>Email Received</a:t>
+              <a:t>Only One Lab at a Time</a:t>
             </a:r>
             <a:endParaRPr lang="en-AU" dirty="0"/>
           </a:p>
@@ -5011,13 +6066,7 @@
           <a:p>
             <a:r>
               <a:rPr lang="en-AU" dirty="0" smtClean="0"/>
-              <a:t>Remove ‘[SPAM]’ from the subject line.</a:t>
-            </a:r>
-          </a:p>
-          <a:p>
-            <a:r>
-              <a:rPr lang="en-AU" dirty="0" smtClean="0"/>
-              <a:t>Change the bottom text to ‘Thankyou for using our Remote Labs’.</a:t>
+              <a:t>Only allow for one lab to be entered at a time. It is too messy having multiple tabs, as the program starts to crumble.</a:t>
             </a:r>
             <a:endParaRPr lang="en-AU" dirty="0"/>
           </a:p>
@@ -5048,9 +6097,9 @@
       </p:sp>
       <p:pic>
         <p:nvPicPr>
-          <p:cNvPr id="10" name="Picture 3"/>
+          <p:cNvPr id="7" name="Content Placeholder 6"/>
           <p:cNvPicPr>
-            <a:picLocks noGrp="1" noChangeAspect="1" noChangeArrowheads="1"/>
+            <a:picLocks noGrp="1" noChangeAspect="1"/>
           </p:cNvPicPr>
           <p:nvPr>
             <p:ph sz="quarter" idx="4"/>
@@ -5064,58 +6113,172 @@
               </a:ext>
             </a:extLst>
           </a:blip>
-          <a:srcRect/>
           <a:stretch>
             <a:fillRect/>
           </a:stretch>
         </p:blipFill>
-        <p:spPr bwMode="auto">
+        <p:spPr>
           <a:xfrm>
-            <a:off x="5075015" y="1816713"/>
-            <a:ext cx="3181794" cy="2591162"/>
+            <a:off x="4645025" y="2266712"/>
+            <a:ext cx="4041775" cy="1691163"/>
           </a:xfrm>
-          <a:prstGeom prst="rect">
-            <a:avLst/>
-          </a:prstGeom>
-          <a:noFill/>
-          <a:ln>
-            <a:noFill/>
-          </a:ln>
-          <a:effectLst/>
-          <a:extLst>
-            <a:ext uri="{909E8E84-426E-40DD-AFC4-6F175D3DCCD1}">
-              <a14:hiddenFill xmlns:a14="http://schemas.microsoft.com/office/drawing/2010/main">
-                <a:solidFill>
-                  <a:schemeClr val="accent1"/>
-                </a:solidFill>
-              </a14:hiddenFill>
-            </a:ext>
-            <a:ext uri="{91240B29-F687-4F45-9708-019B960494DF}">
-              <a14:hiddenLine xmlns:a14="http://schemas.microsoft.com/office/drawing/2010/main" w="9525">
-                <a:solidFill>
-                  <a:schemeClr val="tx1"/>
-                </a:solidFill>
-                <a:miter lim="800000"/>
-                <a:headEnd/>
-                <a:tailEnd/>
-              </a14:hiddenLine>
-            </a:ext>
-            <a:ext uri="{AF507438-7753-43E0-B8FC-AC1667EBCBE1}">
-              <a14:hiddenEffects xmlns:a14="http://schemas.microsoft.com/office/drawing/2010/main">
-                <a:effectLst>
-                  <a:outerShdw dist="35921" dir="2700000" algn="ctr" rotWithShape="0">
-                    <a:schemeClr val="bg2"/>
-                  </a:outerShdw>
-                </a:effectLst>
-              </a14:hiddenEffects>
-            </a:ext>
-          </a:extLst>
         </p:spPr>
       </p:pic>
     </p:spTree>
     <p:extLst>
       <p:ext uri="{BB962C8B-B14F-4D97-AF65-F5344CB8AC3E}">
-        <p14:creationId xmlns:p14="http://schemas.microsoft.com/office/powerpoint/2010/main" val="669000019"/>
+        <p14:creationId xmlns:p14="http://schemas.microsoft.com/office/powerpoint/2010/main" val="494333866"/>
+      </p:ext>
+    </p:extLst>
+  </p:cSld>
+  <p:clrMapOvr>
+    <a:masterClrMapping/>
+  </p:clrMapOvr>
+</p:sld>
+</file>
+
+<file path=ppt/slides/slide9.xml><?xml version="1.0" encoding="utf-8"?>
+<p:sld xmlns:a="http://schemas.openxmlformats.org/drawingml/2006/main" xmlns:r="http://schemas.openxmlformats.org/officeDocument/2006/relationships" xmlns:p="http://schemas.openxmlformats.org/presentationml/2006/main">
+  <p:cSld>
+    <p:spTree>
+      <p:nvGrpSpPr>
+        <p:cNvPr id="1" name=""/>
+        <p:cNvGrpSpPr/>
+        <p:nvPr/>
+      </p:nvGrpSpPr>
+      <p:grpSpPr>
+        <a:xfrm>
+          <a:off x="0" y="0"/>
+          <a:ext cx="0" cy="0"/>
+          <a:chOff x="0" y="0"/>
+          <a:chExt cx="0" cy="0"/>
+        </a:xfrm>
+      </p:grpSpPr>
+      <p:sp>
+        <p:nvSpPr>
+          <p:cNvPr id="2" name="Title 1"/>
+          <p:cNvSpPr>
+            <a:spLocks noGrp="1"/>
+          </p:cNvSpPr>
+          <p:nvPr>
+            <p:ph type="title"/>
+          </p:nvPr>
+        </p:nvSpPr>
+        <p:spPr/>
+        <p:txBody>
+          <a:bodyPr/>
+          <a:lstStyle/>
+          <a:p>
+            <a:r>
+              <a:rPr lang="en-AU" dirty="0" smtClean="0"/>
+              <a:t>Only One Lab at a Time</a:t>
+            </a:r>
+            <a:endParaRPr lang="en-AU" dirty="0"/>
+          </a:p>
+        </p:txBody>
+      </p:sp>
+      <p:sp>
+        <p:nvSpPr>
+          <p:cNvPr id="3" name="Text Placeholder 2"/>
+          <p:cNvSpPr>
+            <a:spLocks noGrp="1"/>
+          </p:cNvSpPr>
+          <p:nvPr>
+            <p:ph type="body" idx="1"/>
+          </p:nvPr>
+        </p:nvSpPr>
+        <p:spPr/>
+        <p:txBody>
+          <a:bodyPr/>
+          <a:lstStyle/>
+          <a:p>
+            <a:r>
+              <a:rPr lang="en-AU" dirty="0" smtClean="0"/>
+              <a:t>Issue/Fix</a:t>
+            </a:r>
+            <a:endParaRPr lang="en-AU" dirty="0"/>
+          </a:p>
+        </p:txBody>
+      </p:sp>
+      <p:sp>
+        <p:nvSpPr>
+          <p:cNvPr id="4" name="Content Placeholder 3"/>
+          <p:cNvSpPr>
+            <a:spLocks noGrp="1"/>
+          </p:cNvSpPr>
+          <p:nvPr>
+            <p:ph sz="half" idx="2"/>
+          </p:nvPr>
+        </p:nvSpPr>
+        <p:spPr/>
+        <p:txBody>
+          <a:bodyPr/>
+          <a:lstStyle/>
+          <a:p>
+            <a:r>
+              <a:rPr lang="en-AU" dirty="0" smtClean="0"/>
+              <a:t>This button should automatically be clicked when a lab is opened.</a:t>
+            </a:r>
+            <a:endParaRPr lang="en-AU" dirty="0"/>
+          </a:p>
+        </p:txBody>
+      </p:sp>
+      <p:sp>
+        <p:nvSpPr>
+          <p:cNvPr id="5" name="Text Placeholder 4"/>
+          <p:cNvSpPr>
+            <a:spLocks noGrp="1"/>
+          </p:cNvSpPr>
+          <p:nvPr>
+            <p:ph type="body" sz="quarter" idx="3"/>
+          </p:nvPr>
+        </p:nvSpPr>
+        <p:spPr/>
+        <p:txBody>
+          <a:bodyPr/>
+          <a:lstStyle/>
+          <a:p>
+            <a:r>
+              <a:rPr lang="en-AU" dirty="0" smtClean="0"/>
+              <a:t>Screenshot</a:t>
+            </a:r>
+            <a:endParaRPr lang="en-AU" dirty="0"/>
+          </a:p>
+        </p:txBody>
+      </p:sp>
+      <p:pic>
+        <p:nvPicPr>
+          <p:cNvPr id="8" name="Content Placeholder 7"/>
+          <p:cNvPicPr>
+            <a:picLocks noGrp="1" noChangeAspect="1"/>
+          </p:cNvPicPr>
+          <p:nvPr>
+            <p:ph sz="quarter" idx="4"/>
+          </p:nvPr>
+        </p:nvPicPr>
+        <p:blipFill>
+          <a:blip r:embed="rId2">
+            <a:extLst>
+              <a:ext uri="{28A0092B-C50C-407E-A947-70E740481C1C}">
+                <a14:useLocalDpi xmlns:a14="http://schemas.microsoft.com/office/drawing/2010/main" val="0"/>
+              </a:ext>
+            </a:extLst>
+          </a:blip>
+          <a:stretch>
+            <a:fillRect/>
+          </a:stretch>
+        </p:blipFill>
+        <p:spPr>
+          <a:xfrm>
+            <a:off x="4645025" y="2260763"/>
+            <a:ext cx="4041775" cy="1703062"/>
+          </a:xfrm>
+        </p:spPr>
+      </p:pic>
+    </p:spTree>
+    <p:extLst>
+      <p:ext uri="{BB962C8B-B14F-4D97-AF65-F5344CB8AC3E}">
+        <p14:creationId xmlns:p14="http://schemas.microsoft.com/office/powerpoint/2010/main" val="2811071711"/>
       </p:ext>
     </p:extLst>
   </p:cSld>

--- a/remotelab/Remote Labs Suggested Changes.pptx
+++ b/remotelab/Remote Labs Suggested Changes.pptx
@@ -5,7 +5,7 @@
     <p:sldMasterId id="2147483816" r:id="rId1"/>
   </p:sldMasterIdLst>
   <p:notesMasterIdLst>
-    <p:notesMasterId r:id="rId16"/>
+    <p:notesMasterId r:id="rId17"/>
   </p:notesMasterIdLst>
   <p:sldIdLst>
     <p:sldId id="256" r:id="rId2"/>
@@ -18,10 +18,11 @@
     <p:sldId id="268" r:id="rId9"/>
     <p:sldId id="269" r:id="rId10"/>
     <p:sldId id="270" r:id="rId11"/>
-    <p:sldId id="266" r:id="rId12"/>
-    <p:sldId id="257" r:id="rId13"/>
-    <p:sldId id="258" r:id="rId14"/>
-    <p:sldId id="259" r:id="rId15"/>
+    <p:sldId id="271" r:id="rId12"/>
+    <p:sldId id="266" r:id="rId13"/>
+    <p:sldId id="257" r:id="rId14"/>
+    <p:sldId id="258" r:id="rId15"/>
+    <p:sldId id="259" r:id="rId16"/>
   </p:sldIdLst>
   <p:sldSz cx="9144000" cy="5143500" type="screen16x9"/>
   <p:notesSz cx="6858000" cy="9144000"/>
@@ -139,6 +140,7 @@
             <p14:sldId id="268"/>
             <p14:sldId id="269"/>
             <p14:sldId id="270"/>
+            <p14:sldId id="271"/>
           </p14:sldIdLst>
         </p14:section>
         <p14:section name="Password Recovery" id="{F6FB7041-590B-4A2D-8DF5-9C474689BB61}">
@@ -573,7 +575,7 @@
           <a:p>
             <a:fld id="{54ECEB73-A4F9-4F7A-867E-E1B1C8313477}" type="slidenum">
               <a:rPr lang="en-AU" smtClean="0"/>
-              <a:t>11</a:t>
+              <a:t>12</a:t>
             </a:fld>
             <a:endParaRPr lang="en-AU"/>
           </a:p>
@@ -660,7 +662,7 @@
           <a:p>
             <a:fld id="{54ECEB73-A4F9-4F7A-867E-E1B1C8313477}" type="slidenum">
               <a:rPr lang="en-AU" smtClean="0"/>
-              <a:t>12</a:t>
+              <a:t>13</a:t>
             </a:fld>
             <a:endParaRPr lang="en-AU"/>
           </a:p>
@@ -3939,6 +3941,200 @@
       </p:grpSpPr>
       <p:sp>
         <p:nvSpPr>
+          <p:cNvPr id="2" name="Title 1"/>
+          <p:cNvSpPr>
+            <a:spLocks noGrp="1"/>
+          </p:cNvSpPr>
+          <p:nvPr>
+            <p:ph type="title"/>
+          </p:nvPr>
+        </p:nvSpPr>
+        <p:spPr/>
+        <p:txBody>
+          <a:bodyPr>
+            <a:normAutofit/>
+          </a:bodyPr>
+          <a:lstStyle/>
+          <a:p>
+            <a:r>
+              <a:rPr lang="en-AU" dirty="0" smtClean="0"/>
+              <a:t>Account Settings</a:t>
+            </a:r>
+            <a:endParaRPr lang="en-AU" dirty="0"/>
+          </a:p>
+        </p:txBody>
+      </p:sp>
+      <p:sp>
+        <p:nvSpPr>
+          <p:cNvPr id="3" name="Text Placeholder 2"/>
+          <p:cNvSpPr>
+            <a:spLocks noGrp="1"/>
+          </p:cNvSpPr>
+          <p:nvPr>
+            <p:ph type="body" idx="1"/>
+          </p:nvPr>
+        </p:nvSpPr>
+        <p:spPr/>
+        <p:txBody>
+          <a:bodyPr/>
+          <a:lstStyle/>
+          <a:p>
+            <a:r>
+              <a:rPr lang="en-AU" dirty="0" smtClean="0"/>
+              <a:t>Issue/Fix</a:t>
+            </a:r>
+            <a:endParaRPr lang="en-AU" dirty="0"/>
+          </a:p>
+        </p:txBody>
+      </p:sp>
+      <p:sp>
+        <p:nvSpPr>
+          <p:cNvPr id="4" name="Content Placeholder 3"/>
+          <p:cNvSpPr>
+            <a:spLocks noGrp="1"/>
+          </p:cNvSpPr>
+          <p:nvPr>
+            <p:ph sz="half" idx="2"/>
+          </p:nvPr>
+        </p:nvSpPr>
+        <p:spPr/>
+        <p:txBody>
+          <a:bodyPr/>
+          <a:lstStyle/>
+          <a:p>
+            <a:r>
+              <a:rPr lang="en-AU" dirty="0" smtClean="0"/>
+              <a:t>When clicking on the email at the top right, it should display the option to log out </a:t>
+            </a:r>
+            <a:r>
+              <a:rPr lang="en-AU" smtClean="0"/>
+              <a:t>from there. </a:t>
+            </a:r>
+            <a:endParaRPr lang="en-AU" dirty="0"/>
+          </a:p>
+        </p:txBody>
+      </p:sp>
+      <p:sp>
+        <p:nvSpPr>
+          <p:cNvPr id="5" name="Text Placeholder 4"/>
+          <p:cNvSpPr>
+            <a:spLocks noGrp="1"/>
+          </p:cNvSpPr>
+          <p:nvPr>
+            <p:ph type="body" sz="quarter" idx="3"/>
+          </p:nvPr>
+        </p:nvSpPr>
+        <p:spPr/>
+        <p:txBody>
+          <a:bodyPr/>
+          <a:lstStyle/>
+          <a:p>
+            <a:r>
+              <a:rPr lang="en-AU" dirty="0" smtClean="0"/>
+              <a:t>Screenshot</a:t>
+            </a:r>
+            <a:endParaRPr lang="en-AU" dirty="0"/>
+          </a:p>
+        </p:txBody>
+      </p:sp>
+      <p:pic>
+        <p:nvPicPr>
+          <p:cNvPr id="4098" name="Picture 2"/>
+          <p:cNvPicPr>
+            <a:picLocks noGrp="1" noChangeAspect="1" noChangeArrowheads="1"/>
+          </p:cNvPicPr>
+          <p:nvPr>
+            <p:ph sz="quarter" idx="4"/>
+          </p:nvPr>
+        </p:nvPicPr>
+        <p:blipFill>
+          <a:blip r:embed="rId2">
+            <a:extLst>
+              <a:ext uri="{28A0092B-C50C-407E-A947-70E740481C1C}">
+                <a14:useLocalDpi xmlns:a14="http://schemas.microsoft.com/office/drawing/2010/main" val="0"/>
+              </a:ext>
+            </a:extLst>
+          </a:blip>
+          <a:srcRect/>
+          <a:stretch>
+            <a:fillRect/>
+          </a:stretch>
+        </p:blipFill>
+        <p:spPr bwMode="auto">
+          <a:xfrm>
+            <a:off x="5713279" y="2774109"/>
+            <a:ext cx="1905266" cy="676369"/>
+          </a:xfrm>
+          <a:prstGeom prst="rect">
+            <a:avLst/>
+          </a:prstGeom>
+          <a:noFill/>
+          <a:ln>
+            <a:noFill/>
+          </a:ln>
+          <a:effectLst/>
+          <a:extLst>
+            <a:ext uri="{909E8E84-426E-40DD-AFC4-6F175D3DCCD1}">
+              <a14:hiddenFill xmlns:a14="http://schemas.microsoft.com/office/drawing/2010/main">
+                <a:solidFill>
+                  <a:schemeClr val="accent1"/>
+                </a:solidFill>
+              </a14:hiddenFill>
+            </a:ext>
+            <a:ext uri="{91240B29-F687-4F45-9708-019B960494DF}">
+              <a14:hiddenLine xmlns:a14="http://schemas.microsoft.com/office/drawing/2010/main" w="9525">
+                <a:solidFill>
+                  <a:schemeClr val="tx1"/>
+                </a:solidFill>
+                <a:miter lim="800000"/>
+                <a:headEnd/>
+                <a:tailEnd/>
+              </a14:hiddenLine>
+            </a:ext>
+            <a:ext uri="{AF507438-7753-43E0-B8FC-AC1667EBCBE1}">
+              <a14:hiddenEffects xmlns:a14="http://schemas.microsoft.com/office/drawing/2010/main">
+                <a:effectLst>
+                  <a:outerShdw dist="35921" dir="2700000" algn="ctr" rotWithShape="0">
+                    <a:schemeClr val="bg2"/>
+                  </a:outerShdw>
+                </a:effectLst>
+              </a14:hiddenEffects>
+            </a:ext>
+          </a:extLst>
+        </p:spPr>
+      </p:pic>
+    </p:spTree>
+    <p:extLst>
+      <p:ext uri="{BB962C8B-B14F-4D97-AF65-F5344CB8AC3E}">
+        <p14:creationId xmlns:p14="http://schemas.microsoft.com/office/powerpoint/2010/main" val="1019757327"/>
+      </p:ext>
+    </p:extLst>
+  </p:cSld>
+  <p:clrMapOvr>
+    <a:masterClrMapping/>
+  </p:clrMapOvr>
+</p:sld>
+</file>
+
+<file path=ppt/slides/slide12.xml><?xml version="1.0" encoding="utf-8"?>
+<p:sld xmlns:a="http://schemas.openxmlformats.org/drawingml/2006/main" xmlns:r="http://schemas.openxmlformats.org/officeDocument/2006/relationships" xmlns:p="http://schemas.openxmlformats.org/presentationml/2006/main">
+  <p:cSld>
+    <p:spTree>
+      <p:nvGrpSpPr>
+        <p:cNvPr id="1" name=""/>
+        <p:cNvGrpSpPr/>
+        <p:nvPr/>
+      </p:nvGrpSpPr>
+      <p:grpSpPr>
+        <a:xfrm>
+          <a:off x="0" y="0"/>
+          <a:ext cx="0" cy="0"/>
+          <a:chOff x="0" y="0"/>
+          <a:chExt cx="0" cy="0"/>
+        </a:xfrm>
+      </p:grpSpPr>
+      <p:sp>
+        <p:nvSpPr>
           <p:cNvPr id="7" name="Title 6"/>
           <p:cNvSpPr>
             <a:spLocks noGrp="1"/>
@@ -4110,7 +4306,7 @@
 </p:sld>
 </file>
 
-<file path=ppt/slides/slide12.xml><?xml version="1.0" encoding="utf-8"?>
+<file path=ppt/slides/slide13.xml><?xml version="1.0" encoding="utf-8"?>
 <p:sld xmlns:a="http://schemas.openxmlformats.org/drawingml/2006/main" xmlns:r="http://schemas.openxmlformats.org/officeDocument/2006/relationships" xmlns:p="http://schemas.openxmlformats.org/presentationml/2006/main">
   <p:cSld>
     <p:spTree>
@@ -4314,7 +4510,7 @@
 </p:sld>
 </file>
 
-<file path=ppt/slides/slide13.xml><?xml version="1.0" encoding="utf-8"?>
+<file path=ppt/slides/slide14.xml><?xml version="1.0" encoding="utf-8"?>
 <p:sld xmlns:a="http://schemas.openxmlformats.org/drawingml/2006/main" xmlns:r="http://schemas.openxmlformats.org/officeDocument/2006/relationships" xmlns:p="http://schemas.openxmlformats.org/presentationml/2006/main">
   <p:cSld>
     <p:spTree>
@@ -4502,7 +4698,7 @@
 </p:sld>
 </file>
 
-<file path=ppt/slides/slide14.xml><?xml version="1.0" encoding="utf-8"?>
+<file path=ppt/slides/slide15.xml><?xml version="1.0" encoding="utf-8"?>
 <p:sld xmlns:a="http://schemas.openxmlformats.org/drawingml/2006/main" xmlns:r="http://schemas.openxmlformats.org/officeDocument/2006/relationships" xmlns:p="http://schemas.openxmlformats.org/presentationml/2006/main">
   <p:cSld>
     <p:spTree>

--- a/remotelab/Remote Labs Suggested Changes.pptx
+++ b/remotelab/Remote Labs Suggested Changes.pptx
@@ -5,7 +5,7 @@
     <p:sldMasterId id="2147483816" r:id="rId1"/>
   </p:sldMasterIdLst>
   <p:notesMasterIdLst>
-    <p:notesMasterId r:id="rId17"/>
+    <p:notesMasterId r:id="rId18"/>
   </p:notesMasterIdLst>
   <p:sldIdLst>
     <p:sldId id="256" r:id="rId2"/>
@@ -19,10 +19,11 @@
     <p:sldId id="269" r:id="rId10"/>
     <p:sldId id="270" r:id="rId11"/>
     <p:sldId id="271" r:id="rId12"/>
-    <p:sldId id="266" r:id="rId13"/>
-    <p:sldId id="257" r:id="rId14"/>
-    <p:sldId id="258" r:id="rId15"/>
-    <p:sldId id="259" r:id="rId16"/>
+    <p:sldId id="272" r:id="rId13"/>
+    <p:sldId id="266" r:id="rId14"/>
+    <p:sldId id="257" r:id="rId15"/>
+    <p:sldId id="258" r:id="rId16"/>
+    <p:sldId id="259" r:id="rId17"/>
   </p:sldIdLst>
   <p:sldSz cx="9144000" cy="5143500" type="screen16x9"/>
   <p:notesSz cx="6858000" cy="9144000"/>
@@ -141,6 +142,7 @@
             <p14:sldId id="269"/>
             <p14:sldId id="270"/>
             <p14:sldId id="271"/>
+            <p14:sldId id="272"/>
           </p14:sldIdLst>
         </p14:section>
         <p14:section name="Password Recovery" id="{F6FB7041-590B-4A2D-8DF5-9C474689BB61}">
@@ -239,7 +241,7 @@
           <a:p>
             <a:fld id="{04C8B89A-83BF-4366-AFC3-D23A2FFEFF0B}" type="datetimeFigureOut">
               <a:rPr lang="en-AU" smtClean="0"/>
-              <a:t>19/10/2017</a:t>
+              <a:t>27/10/2017</a:t>
             </a:fld>
             <a:endParaRPr lang="en-AU"/>
           </a:p>
@@ -575,7 +577,7 @@
           <a:p>
             <a:fld id="{54ECEB73-A4F9-4F7A-867E-E1B1C8313477}" type="slidenum">
               <a:rPr lang="en-AU" smtClean="0"/>
-              <a:t>12</a:t>
+              <a:t>13</a:t>
             </a:fld>
             <a:endParaRPr lang="en-AU"/>
           </a:p>
@@ -662,7 +664,7 @@
           <a:p>
             <a:fld id="{54ECEB73-A4F9-4F7A-867E-E1B1C8313477}" type="slidenum">
               <a:rPr lang="en-AU" smtClean="0"/>
-              <a:t>13</a:t>
+              <a:t>14</a:t>
             </a:fld>
             <a:endParaRPr lang="en-AU"/>
           </a:p>
@@ -862,7 +864,7 @@
           <a:p>
             <a:fld id="{3E244392-4831-4AE8-B9A0-B24F4427A277}" type="datetimeFigureOut">
               <a:rPr lang="en-AU" smtClean="0"/>
-              <a:t>19/10/2017</a:t>
+              <a:t>27/10/2017</a:t>
             </a:fld>
             <a:endParaRPr lang="en-AU"/>
           </a:p>
@@ -1032,7 +1034,7 @@
           <a:p>
             <a:fld id="{3E244392-4831-4AE8-B9A0-B24F4427A277}" type="datetimeFigureOut">
               <a:rPr lang="en-AU" smtClean="0"/>
-              <a:t>19/10/2017</a:t>
+              <a:t>27/10/2017</a:t>
             </a:fld>
             <a:endParaRPr lang="en-AU"/>
           </a:p>
@@ -1212,7 +1214,7 @@
           <a:p>
             <a:fld id="{3E244392-4831-4AE8-B9A0-B24F4427A277}" type="datetimeFigureOut">
               <a:rPr lang="en-AU" smtClean="0"/>
-              <a:t>19/10/2017</a:t>
+              <a:t>27/10/2017</a:t>
             </a:fld>
             <a:endParaRPr lang="en-AU"/>
           </a:p>
@@ -1382,7 +1384,7 @@
           <a:p>
             <a:fld id="{3E244392-4831-4AE8-B9A0-B24F4427A277}" type="datetimeFigureOut">
               <a:rPr lang="en-AU" smtClean="0"/>
-              <a:t>19/10/2017</a:t>
+              <a:t>27/10/2017</a:t>
             </a:fld>
             <a:endParaRPr lang="en-AU"/>
           </a:p>
@@ -1628,7 +1630,7 @@
           <a:p>
             <a:fld id="{3E244392-4831-4AE8-B9A0-B24F4427A277}" type="datetimeFigureOut">
               <a:rPr lang="en-AU" smtClean="0"/>
-              <a:t>19/10/2017</a:t>
+              <a:t>27/10/2017</a:t>
             </a:fld>
             <a:endParaRPr lang="en-AU"/>
           </a:p>
@@ -1916,7 +1918,7 @@
           <a:p>
             <a:fld id="{3E244392-4831-4AE8-B9A0-B24F4427A277}" type="datetimeFigureOut">
               <a:rPr lang="en-AU" smtClean="0"/>
-              <a:t>19/10/2017</a:t>
+              <a:t>27/10/2017</a:t>
             </a:fld>
             <a:endParaRPr lang="en-AU"/>
           </a:p>
@@ -2338,7 +2340,7 @@
           <a:p>
             <a:fld id="{3E244392-4831-4AE8-B9A0-B24F4427A277}" type="datetimeFigureOut">
               <a:rPr lang="en-AU" smtClean="0"/>
-              <a:t>19/10/2017</a:t>
+              <a:t>27/10/2017</a:t>
             </a:fld>
             <a:endParaRPr lang="en-AU"/>
           </a:p>
@@ -2456,7 +2458,7 @@
           <a:p>
             <a:fld id="{3E244392-4831-4AE8-B9A0-B24F4427A277}" type="datetimeFigureOut">
               <a:rPr lang="en-AU" smtClean="0"/>
-              <a:t>19/10/2017</a:t>
+              <a:t>27/10/2017</a:t>
             </a:fld>
             <a:endParaRPr lang="en-AU"/>
           </a:p>
@@ -2551,7 +2553,7 @@
           <a:p>
             <a:fld id="{3E244392-4831-4AE8-B9A0-B24F4427A277}" type="datetimeFigureOut">
               <a:rPr lang="en-AU" smtClean="0"/>
-              <a:t>19/10/2017</a:t>
+              <a:t>27/10/2017</a:t>
             </a:fld>
             <a:endParaRPr lang="en-AU"/>
           </a:p>
@@ -2828,7 +2830,7 @@
           <a:p>
             <a:fld id="{3E244392-4831-4AE8-B9A0-B24F4427A277}" type="datetimeFigureOut">
               <a:rPr lang="en-AU" smtClean="0"/>
-              <a:t>19/10/2017</a:t>
+              <a:t>27/10/2017</a:t>
             </a:fld>
             <a:endParaRPr lang="en-AU"/>
           </a:p>
@@ -3081,7 +3083,7 @@
           <a:p>
             <a:fld id="{3E244392-4831-4AE8-B9A0-B24F4427A277}" type="datetimeFigureOut">
               <a:rPr lang="en-AU" smtClean="0"/>
-              <a:t>19/10/2017</a:t>
+              <a:t>27/10/2017</a:t>
             </a:fld>
             <a:endParaRPr lang="en-AU"/>
           </a:p>
@@ -3294,7 +3296,7 @@
           <a:p>
             <a:fld id="{3E244392-4831-4AE8-B9A0-B24F4427A277}" type="datetimeFigureOut">
               <a:rPr lang="en-AU" smtClean="0"/>
-              <a:t>19/10/2017</a:t>
+              <a:t>27/10/2017</a:t>
             </a:fld>
             <a:endParaRPr lang="en-AU"/>
           </a:p>
@@ -4135,6 +4137,204 @@
       </p:grpSpPr>
       <p:sp>
         <p:nvSpPr>
+          <p:cNvPr id="2" name="Title 1"/>
+          <p:cNvSpPr>
+            <a:spLocks noGrp="1"/>
+          </p:cNvSpPr>
+          <p:nvPr>
+            <p:ph type="title"/>
+          </p:nvPr>
+        </p:nvSpPr>
+        <p:spPr/>
+        <p:txBody>
+          <a:bodyPr>
+            <a:normAutofit/>
+          </a:bodyPr>
+          <a:lstStyle/>
+          <a:p>
+            <a:r>
+              <a:rPr lang="en-AU" dirty="0" smtClean="0"/>
+              <a:t>Homepage Mobile View</a:t>
+            </a:r>
+            <a:endParaRPr lang="en-AU" dirty="0"/>
+          </a:p>
+        </p:txBody>
+      </p:sp>
+      <p:sp>
+        <p:nvSpPr>
+          <p:cNvPr id="3" name="Text Placeholder 2"/>
+          <p:cNvSpPr>
+            <a:spLocks noGrp="1"/>
+          </p:cNvSpPr>
+          <p:nvPr>
+            <p:ph type="body" idx="1"/>
+          </p:nvPr>
+        </p:nvSpPr>
+        <p:spPr/>
+        <p:txBody>
+          <a:bodyPr/>
+          <a:lstStyle/>
+          <a:p>
+            <a:r>
+              <a:rPr lang="en-AU" dirty="0" smtClean="0"/>
+              <a:t>Issue/Fix</a:t>
+            </a:r>
+            <a:endParaRPr lang="en-AU" dirty="0"/>
+          </a:p>
+        </p:txBody>
+      </p:sp>
+      <p:sp>
+        <p:nvSpPr>
+          <p:cNvPr id="4" name="Content Placeholder 3"/>
+          <p:cNvSpPr>
+            <a:spLocks noGrp="1"/>
+          </p:cNvSpPr>
+          <p:nvPr>
+            <p:ph sz="half" idx="2"/>
+          </p:nvPr>
+        </p:nvSpPr>
+        <p:spPr/>
+        <p:txBody>
+          <a:bodyPr/>
+          <a:lstStyle/>
+          <a:p>
+            <a:r>
+              <a:rPr lang="en-AU" dirty="0" smtClean="0"/>
+              <a:t>Hide the lab </a:t>
+            </a:r>
+            <a:r>
+              <a:rPr lang="en-AU" smtClean="0"/>
+              <a:t>‘Description’ text </a:t>
+            </a:r>
+            <a:r>
+              <a:rPr lang="en-AU" dirty="0" smtClean="0"/>
+              <a:t>after anything less than 440px in size.</a:t>
+            </a:r>
+            <a:endParaRPr lang="en-AU" dirty="0"/>
+          </a:p>
+        </p:txBody>
+      </p:sp>
+      <p:sp>
+        <p:nvSpPr>
+          <p:cNvPr id="5" name="Text Placeholder 4"/>
+          <p:cNvSpPr>
+            <a:spLocks noGrp="1"/>
+          </p:cNvSpPr>
+          <p:nvPr>
+            <p:ph type="body" sz="quarter" idx="3"/>
+          </p:nvPr>
+        </p:nvSpPr>
+        <p:spPr/>
+        <p:txBody>
+          <a:bodyPr/>
+          <a:lstStyle/>
+          <a:p>
+            <a:r>
+              <a:rPr lang="en-AU" dirty="0" smtClean="0"/>
+              <a:t>Screenshot</a:t>
+            </a:r>
+            <a:endParaRPr lang="en-AU" dirty="0"/>
+          </a:p>
+        </p:txBody>
+      </p:sp>
+      <p:pic>
+        <p:nvPicPr>
+          <p:cNvPr id="1026" name="Picture 2"/>
+          <p:cNvPicPr>
+            <a:picLocks noGrp="1" noChangeAspect="1" noChangeArrowheads="1"/>
+          </p:cNvPicPr>
+          <p:nvPr>
+            <p:ph sz="quarter" idx="4"/>
+          </p:nvPr>
+        </p:nvPicPr>
+        <p:blipFill>
+          <a:blip r:embed="rId2" cstate="print">
+            <a:extLst>
+              <a:ext uri="{28A0092B-C50C-407E-A947-70E740481C1C}">
+                <a14:useLocalDpi xmlns:a14="http://schemas.microsoft.com/office/drawing/2010/main" val="0"/>
+              </a:ext>
+            </a:extLst>
+          </a:blip>
+          <a:srcRect/>
+          <a:stretch>
+            <a:fillRect/>
+          </a:stretch>
+        </p:blipFill>
+        <p:spPr bwMode="auto">
+          <a:xfrm>
+            <a:off x="5809494" y="1630363"/>
+            <a:ext cx="1712836" cy="2963862"/>
+          </a:xfrm>
+          <a:prstGeom prst="rect">
+            <a:avLst/>
+          </a:prstGeom>
+          <a:noFill/>
+          <a:ln>
+            <a:noFill/>
+          </a:ln>
+          <a:effectLst/>
+          <a:extLst>
+            <a:ext uri="{909E8E84-426E-40DD-AFC4-6F175D3DCCD1}">
+              <a14:hiddenFill xmlns:a14="http://schemas.microsoft.com/office/drawing/2010/main">
+                <a:solidFill>
+                  <a:schemeClr val="accent1"/>
+                </a:solidFill>
+              </a14:hiddenFill>
+            </a:ext>
+            <a:ext uri="{91240B29-F687-4F45-9708-019B960494DF}">
+              <a14:hiddenLine xmlns:a14="http://schemas.microsoft.com/office/drawing/2010/main" w="9525">
+                <a:solidFill>
+                  <a:schemeClr val="tx1"/>
+                </a:solidFill>
+                <a:miter lim="800000"/>
+                <a:headEnd/>
+                <a:tailEnd/>
+              </a14:hiddenLine>
+            </a:ext>
+            <a:ext uri="{AF507438-7753-43E0-B8FC-AC1667EBCBE1}">
+              <a14:hiddenEffects xmlns:a14="http://schemas.microsoft.com/office/drawing/2010/main">
+                <a:effectLst>
+                  <a:outerShdw dist="35921" dir="2700000" algn="ctr" rotWithShape="0">
+                    <a:schemeClr val="bg2"/>
+                  </a:outerShdw>
+                </a:effectLst>
+              </a14:hiddenEffects>
+            </a:ext>
+          </a:extLst>
+        </p:spPr>
+      </p:pic>
+    </p:spTree>
+    <p:extLst>
+      <p:ext uri="{BB962C8B-B14F-4D97-AF65-F5344CB8AC3E}">
+        <p14:creationId xmlns:p14="http://schemas.microsoft.com/office/powerpoint/2010/main" val="377271654"/>
+      </p:ext>
+    </p:extLst>
+  </p:cSld>
+  <p:clrMapOvr>
+    <a:masterClrMapping/>
+  </p:clrMapOvr>
+</p:sld>
+</file>
+
+<file path=ppt/slides/slide13.xml><?xml version="1.0" encoding="utf-8"?>
+<p:sld xmlns:a="http://schemas.openxmlformats.org/drawingml/2006/main" xmlns:r="http://schemas.openxmlformats.org/officeDocument/2006/relationships" xmlns:p="http://schemas.openxmlformats.org/presentationml/2006/main">
+  <p:cSld>
+    <p:spTree>
+      <p:nvGrpSpPr>
+        <p:cNvPr id="1" name=""/>
+        <p:cNvGrpSpPr/>
+        <p:nvPr/>
+      </p:nvGrpSpPr>
+      <p:grpSpPr>
+        <a:xfrm>
+          <a:off x="0" y="0"/>
+          <a:ext cx="0" cy="0"/>
+          <a:chOff x="0" y="0"/>
+          <a:chExt cx="0" cy="0"/>
+        </a:xfrm>
+      </p:grpSpPr>
+      <p:sp>
+        <p:nvSpPr>
           <p:cNvPr id="7" name="Title 6"/>
           <p:cNvSpPr>
             <a:spLocks noGrp="1"/>
@@ -4306,7 +4506,7 @@
 </p:sld>
 </file>
 
-<file path=ppt/slides/slide13.xml><?xml version="1.0" encoding="utf-8"?>
+<file path=ppt/slides/slide14.xml><?xml version="1.0" encoding="utf-8"?>
 <p:sld xmlns:a="http://schemas.openxmlformats.org/drawingml/2006/main" xmlns:r="http://schemas.openxmlformats.org/officeDocument/2006/relationships" xmlns:p="http://schemas.openxmlformats.org/presentationml/2006/main">
   <p:cSld>
     <p:spTree>
@@ -4510,7 +4710,7 @@
 </p:sld>
 </file>
 
-<file path=ppt/slides/slide14.xml><?xml version="1.0" encoding="utf-8"?>
+<file path=ppt/slides/slide15.xml><?xml version="1.0" encoding="utf-8"?>
 <p:sld xmlns:a="http://schemas.openxmlformats.org/drawingml/2006/main" xmlns:r="http://schemas.openxmlformats.org/officeDocument/2006/relationships" xmlns:p="http://schemas.openxmlformats.org/presentationml/2006/main">
   <p:cSld>
     <p:spTree>
@@ -4698,7 +4898,7 @@
 </p:sld>
 </file>
 
-<file path=ppt/slides/slide15.xml><?xml version="1.0" encoding="utf-8"?>
+<file path=ppt/slides/slide16.xml><?xml version="1.0" encoding="utf-8"?>
 <p:sld xmlns:a="http://schemas.openxmlformats.org/drawingml/2006/main" xmlns:r="http://schemas.openxmlformats.org/officeDocument/2006/relationships" xmlns:p="http://schemas.openxmlformats.org/presentationml/2006/main">
   <p:cSld>
     <p:spTree>
@@ -5444,11 +5644,7 @@
           <a:p>
             <a:r>
               <a:rPr lang="en-AU" dirty="0" smtClean="0"/>
-              <a:t>Instruction </a:t>
-            </a:r>
-            <a:r>
-              <a:rPr lang="en-AU" dirty="0" smtClean="0"/>
-              <a:t>Video V2</a:t>
+              <a:t>Instruction Video V2</a:t>
             </a:r>
             <a:endParaRPr lang="en-AU" dirty="0"/>
           </a:p>

--- a/remotelab/Remote Labs Suggested Changes.pptx
+++ b/remotelab/Remote Labs Suggested Changes.pptx
@@ -5,7 +5,7 @@
     <p:sldMasterId id="2147483816" r:id="rId1"/>
   </p:sldMasterIdLst>
   <p:notesMasterIdLst>
-    <p:notesMasterId r:id="rId18"/>
+    <p:notesMasterId r:id="rId20"/>
   </p:notesMasterIdLst>
   <p:sldIdLst>
     <p:sldId id="256" r:id="rId2"/>
@@ -16,14 +16,16 @@
     <p:sldId id="264" r:id="rId7"/>
     <p:sldId id="267" r:id="rId8"/>
     <p:sldId id="268" r:id="rId9"/>
-    <p:sldId id="269" r:id="rId10"/>
-    <p:sldId id="270" r:id="rId11"/>
-    <p:sldId id="271" r:id="rId12"/>
+    <p:sldId id="270" r:id="rId10"/>
+    <p:sldId id="271" r:id="rId11"/>
+    <p:sldId id="273" r:id="rId12"/>
     <p:sldId id="272" r:id="rId13"/>
-    <p:sldId id="266" r:id="rId14"/>
-    <p:sldId id="257" r:id="rId15"/>
-    <p:sldId id="258" r:id="rId16"/>
-    <p:sldId id="259" r:id="rId17"/>
+    <p:sldId id="269" r:id="rId14"/>
+    <p:sldId id="274" r:id="rId15"/>
+    <p:sldId id="266" r:id="rId16"/>
+    <p:sldId id="257" r:id="rId17"/>
+    <p:sldId id="258" r:id="rId18"/>
+    <p:sldId id="259" r:id="rId19"/>
   </p:sldIdLst>
   <p:sldSz cx="9144000" cy="5143500" type="screen16x9"/>
   <p:notesSz cx="6858000" cy="9144000"/>
@@ -139,10 +141,16 @@
             <p14:sldId id="264"/>
             <p14:sldId id="267"/>
             <p14:sldId id="268"/>
-            <p14:sldId id="269"/>
             <p14:sldId id="270"/>
             <p14:sldId id="271"/>
+            <p14:sldId id="273"/>
             <p14:sldId id="272"/>
+          </p14:sldIdLst>
+        </p14:section>
+        <p14:section name="Specific Laboratory" id="{7543B9F4-DA87-44B9-8D0B-30707C35FE1B}">
+          <p14:sldIdLst>
+            <p14:sldId id="269"/>
+            <p14:sldId id="274"/>
           </p14:sldIdLst>
         </p14:section>
         <p14:section name="Password Recovery" id="{F6FB7041-590B-4A2D-8DF5-9C474689BB61}">
@@ -577,7 +585,7 @@
           <a:p>
             <a:fld id="{54ECEB73-A4F9-4F7A-867E-E1B1C8313477}" type="slidenum">
               <a:rPr lang="en-AU" smtClean="0"/>
-              <a:t>13</a:t>
+              <a:t>15</a:t>
             </a:fld>
             <a:endParaRPr lang="en-AU"/>
           </a:p>
@@ -664,7 +672,7 @@
           <a:p>
             <a:fld id="{54ECEB73-A4F9-4F7A-867E-E1B1C8313477}" type="slidenum">
               <a:rPr lang="en-AU" smtClean="0"/>
-              <a:t>14</a:t>
+              <a:t>16</a:t>
             </a:fld>
             <a:endParaRPr lang="en-AU"/>
           </a:p>
@@ -3764,13 +3772,13 @@
         <p:spPr/>
         <p:txBody>
           <a:bodyPr>
-            <a:normAutofit fontScale="90000"/>
+            <a:normAutofit/>
           </a:bodyPr>
           <a:lstStyle/>
           <a:p>
             <a:r>
               <a:rPr lang="en-AU" dirty="0" smtClean="0"/>
-              <a:t>No ‘Lab Finished’ Warning Required</a:t>
+              <a:t>Account Settings</a:t>
             </a:r>
             <a:endParaRPr lang="en-AU" dirty="0"/>
           </a:p>
@@ -3816,203 +3824,12 @@
           <a:p>
             <a:r>
               <a:rPr lang="en-AU" dirty="0" smtClean="0"/>
-              <a:t>Remove the popup that informs users about the lab’s session concluding if they select ‘finish’.</a:t>
-            </a:r>
-            <a:endParaRPr lang="en-AU" dirty="0"/>
-          </a:p>
-        </p:txBody>
-      </p:sp>
-      <p:sp>
-        <p:nvSpPr>
-          <p:cNvPr id="5" name="Text Placeholder 4"/>
-          <p:cNvSpPr>
-            <a:spLocks noGrp="1"/>
-          </p:cNvSpPr>
-          <p:nvPr>
-            <p:ph type="body" sz="quarter" idx="3"/>
-          </p:nvPr>
-        </p:nvSpPr>
-        <p:spPr/>
-        <p:txBody>
-          <a:bodyPr/>
-          <a:lstStyle/>
-          <a:p>
+              <a:t>When clicking on the email at the top right, it should display the option to log out from there</a:t>
+            </a:r>
             <a:r>
               <a:rPr lang="en-AU" dirty="0" smtClean="0"/>
-              <a:t>Screenshot</a:t>
-            </a:r>
-            <a:endParaRPr lang="en-AU" dirty="0"/>
-          </a:p>
-        </p:txBody>
-      </p:sp>
-      <p:pic>
-        <p:nvPicPr>
-          <p:cNvPr id="3074" name="Picture 2"/>
-          <p:cNvPicPr>
-            <a:picLocks noGrp="1" noChangeAspect="1" noChangeArrowheads="1"/>
-          </p:cNvPicPr>
-          <p:nvPr>
-            <p:ph sz="quarter" idx="4"/>
-          </p:nvPr>
-        </p:nvPicPr>
-        <p:blipFill>
-          <a:blip r:embed="rId2">
-            <a:extLst>
-              <a:ext uri="{28A0092B-C50C-407E-A947-70E740481C1C}">
-                <a14:useLocalDpi xmlns:a14="http://schemas.microsoft.com/office/drawing/2010/main" val="0"/>
-              </a:ext>
-            </a:extLst>
-          </a:blip>
-          <a:srcRect/>
-          <a:stretch>
-            <a:fillRect/>
-          </a:stretch>
-        </p:blipFill>
-        <p:spPr bwMode="auto">
-          <a:xfrm>
-            <a:off x="4645025" y="2383082"/>
-            <a:ext cx="4041775" cy="1458423"/>
-          </a:xfrm>
-          <a:prstGeom prst="rect">
-            <a:avLst/>
-          </a:prstGeom>
-          <a:noFill/>
-          <a:ln>
-            <a:noFill/>
-          </a:ln>
-          <a:effectLst/>
-          <a:extLst>
-            <a:ext uri="{909E8E84-426E-40DD-AFC4-6F175D3DCCD1}">
-              <a14:hiddenFill xmlns:a14="http://schemas.microsoft.com/office/drawing/2010/main">
-                <a:solidFill>
-                  <a:schemeClr val="accent1"/>
-                </a:solidFill>
-              </a14:hiddenFill>
-            </a:ext>
-            <a:ext uri="{91240B29-F687-4F45-9708-019B960494DF}">
-              <a14:hiddenLine xmlns:a14="http://schemas.microsoft.com/office/drawing/2010/main" w="9525">
-                <a:solidFill>
-                  <a:schemeClr val="tx1"/>
-                </a:solidFill>
-                <a:miter lim="800000"/>
-                <a:headEnd/>
-                <a:tailEnd/>
-              </a14:hiddenLine>
-            </a:ext>
-            <a:ext uri="{AF507438-7753-43E0-B8FC-AC1667EBCBE1}">
-              <a14:hiddenEffects xmlns:a14="http://schemas.microsoft.com/office/drawing/2010/main">
-                <a:effectLst>
-                  <a:outerShdw dist="35921" dir="2700000" algn="ctr" rotWithShape="0">
-                    <a:schemeClr val="bg2"/>
-                  </a:outerShdw>
-                </a:effectLst>
-              </a14:hiddenEffects>
-            </a:ext>
-          </a:extLst>
-        </p:spPr>
-      </p:pic>
-    </p:spTree>
-    <p:extLst>
-      <p:ext uri="{BB962C8B-B14F-4D97-AF65-F5344CB8AC3E}">
-        <p14:creationId xmlns:p14="http://schemas.microsoft.com/office/powerpoint/2010/main" val="1600867329"/>
-      </p:ext>
-    </p:extLst>
-  </p:cSld>
-  <p:clrMapOvr>
-    <a:masterClrMapping/>
-  </p:clrMapOvr>
-</p:sld>
-</file>
-
-<file path=ppt/slides/slide11.xml><?xml version="1.0" encoding="utf-8"?>
-<p:sld xmlns:a="http://schemas.openxmlformats.org/drawingml/2006/main" xmlns:r="http://schemas.openxmlformats.org/officeDocument/2006/relationships" xmlns:p="http://schemas.openxmlformats.org/presentationml/2006/main">
-  <p:cSld>
-    <p:spTree>
-      <p:nvGrpSpPr>
-        <p:cNvPr id="1" name=""/>
-        <p:cNvGrpSpPr/>
-        <p:nvPr/>
-      </p:nvGrpSpPr>
-      <p:grpSpPr>
-        <a:xfrm>
-          <a:off x="0" y="0"/>
-          <a:ext cx="0" cy="0"/>
-          <a:chOff x="0" y="0"/>
-          <a:chExt cx="0" cy="0"/>
-        </a:xfrm>
-      </p:grpSpPr>
-      <p:sp>
-        <p:nvSpPr>
-          <p:cNvPr id="2" name="Title 1"/>
-          <p:cNvSpPr>
-            <a:spLocks noGrp="1"/>
-          </p:cNvSpPr>
-          <p:nvPr>
-            <p:ph type="title"/>
-          </p:nvPr>
-        </p:nvSpPr>
-        <p:spPr/>
-        <p:txBody>
-          <a:bodyPr>
-            <a:normAutofit/>
-          </a:bodyPr>
-          <a:lstStyle/>
-          <a:p>
-            <a:r>
-              <a:rPr lang="en-AU" dirty="0" smtClean="0"/>
-              <a:t>Account Settings</a:t>
-            </a:r>
-            <a:endParaRPr lang="en-AU" dirty="0"/>
-          </a:p>
-        </p:txBody>
-      </p:sp>
-      <p:sp>
-        <p:nvSpPr>
-          <p:cNvPr id="3" name="Text Placeholder 2"/>
-          <p:cNvSpPr>
-            <a:spLocks noGrp="1"/>
-          </p:cNvSpPr>
-          <p:nvPr>
-            <p:ph type="body" idx="1"/>
-          </p:nvPr>
-        </p:nvSpPr>
-        <p:spPr/>
-        <p:txBody>
-          <a:bodyPr/>
-          <a:lstStyle/>
-          <a:p>
-            <a:r>
-              <a:rPr lang="en-AU" dirty="0" smtClean="0"/>
-              <a:t>Issue/Fix</a:t>
-            </a:r>
-            <a:endParaRPr lang="en-AU" dirty="0"/>
-          </a:p>
-        </p:txBody>
-      </p:sp>
-      <p:sp>
-        <p:nvSpPr>
-          <p:cNvPr id="4" name="Content Placeholder 3"/>
-          <p:cNvSpPr>
-            <a:spLocks noGrp="1"/>
-          </p:cNvSpPr>
-          <p:nvPr>
-            <p:ph sz="half" idx="2"/>
-          </p:nvPr>
-        </p:nvSpPr>
-        <p:spPr/>
-        <p:txBody>
-          <a:bodyPr/>
-          <a:lstStyle/>
-          <a:p>
-            <a:r>
-              <a:rPr lang="en-AU" dirty="0" smtClean="0"/>
-              <a:t>When clicking on the email at the top right, it should display the option to log out </a:t>
-            </a:r>
-            <a:r>
-              <a:rPr lang="en-AU" smtClean="0"/>
-              <a:t>from there. </a:t>
-            </a:r>
-            <a:endParaRPr lang="en-AU" dirty="0"/>
+              <a:t>.</a:t>
+            </a:r>
           </a:p>
         </p:txBody>
       </p:sp>
@@ -4118,6 +3935,195 @@
 </p:sld>
 </file>
 
+<file path=ppt/slides/slide11.xml><?xml version="1.0" encoding="utf-8"?>
+<p:sld xmlns:a="http://schemas.openxmlformats.org/drawingml/2006/main" xmlns:r="http://schemas.openxmlformats.org/officeDocument/2006/relationships" xmlns:p="http://schemas.openxmlformats.org/presentationml/2006/main">
+  <p:cSld>
+    <p:spTree>
+      <p:nvGrpSpPr>
+        <p:cNvPr id="1" name=""/>
+        <p:cNvGrpSpPr/>
+        <p:nvPr/>
+      </p:nvGrpSpPr>
+      <p:grpSpPr>
+        <a:xfrm>
+          <a:off x="0" y="0"/>
+          <a:ext cx="0" cy="0"/>
+          <a:chOff x="0" y="0"/>
+          <a:chExt cx="0" cy="0"/>
+        </a:xfrm>
+      </p:grpSpPr>
+      <p:sp>
+        <p:nvSpPr>
+          <p:cNvPr id="2" name="Title 1"/>
+          <p:cNvSpPr>
+            <a:spLocks noGrp="1"/>
+          </p:cNvSpPr>
+          <p:nvPr>
+            <p:ph type="title"/>
+          </p:nvPr>
+        </p:nvSpPr>
+        <p:spPr/>
+        <p:txBody>
+          <a:bodyPr>
+            <a:normAutofit/>
+          </a:bodyPr>
+          <a:lstStyle/>
+          <a:p>
+            <a:r>
+              <a:rPr lang="en-AU" dirty="0" smtClean="0"/>
+              <a:t>Account Settings Part 2</a:t>
+            </a:r>
+            <a:endParaRPr lang="en-AU" dirty="0"/>
+          </a:p>
+        </p:txBody>
+      </p:sp>
+      <p:sp>
+        <p:nvSpPr>
+          <p:cNvPr id="3" name="Text Placeholder 2"/>
+          <p:cNvSpPr>
+            <a:spLocks noGrp="1"/>
+          </p:cNvSpPr>
+          <p:nvPr>
+            <p:ph type="body" idx="1"/>
+          </p:nvPr>
+        </p:nvSpPr>
+        <p:spPr/>
+        <p:txBody>
+          <a:bodyPr/>
+          <a:lstStyle/>
+          <a:p>
+            <a:r>
+              <a:rPr lang="en-AU" dirty="0" smtClean="0"/>
+              <a:t>Issue/Fix</a:t>
+            </a:r>
+            <a:endParaRPr lang="en-AU" dirty="0"/>
+          </a:p>
+        </p:txBody>
+      </p:sp>
+      <p:sp>
+        <p:nvSpPr>
+          <p:cNvPr id="4" name="Content Placeholder 3"/>
+          <p:cNvSpPr>
+            <a:spLocks noGrp="1"/>
+          </p:cNvSpPr>
+          <p:nvPr>
+            <p:ph sz="half" idx="2"/>
+          </p:nvPr>
+        </p:nvSpPr>
+        <p:spPr/>
+        <p:txBody>
+          <a:bodyPr/>
+          <a:lstStyle/>
+          <a:p>
+            <a:r>
+              <a:rPr lang="en-AU" dirty="0" smtClean="0"/>
+              <a:t>Remove this logout button.</a:t>
+            </a:r>
+          </a:p>
+        </p:txBody>
+      </p:sp>
+      <p:sp>
+        <p:nvSpPr>
+          <p:cNvPr id="5" name="Text Placeholder 4"/>
+          <p:cNvSpPr>
+            <a:spLocks noGrp="1"/>
+          </p:cNvSpPr>
+          <p:nvPr>
+            <p:ph type="body" sz="quarter" idx="3"/>
+          </p:nvPr>
+        </p:nvSpPr>
+        <p:spPr/>
+        <p:txBody>
+          <a:bodyPr/>
+          <a:lstStyle/>
+          <a:p>
+            <a:r>
+              <a:rPr lang="en-AU" dirty="0" smtClean="0"/>
+              <a:t>Screenshot</a:t>
+            </a:r>
+            <a:endParaRPr lang="en-AU" dirty="0"/>
+          </a:p>
+        </p:txBody>
+      </p:sp>
+      <p:pic>
+        <p:nvPicPr>
+          <p:cNvPr id="2050" name="Picture 2"/>
+          <p:cNvPicPr>
+            <a:picLocks noGrp="1" noChangeAspect="1" noChangeArrowheads="1"/>
+          </p:cNvPicPr>
+          <p:nvPr>
+            <p:ph sz="quarter" idx="4"/>
+          </p:nvPr>
+        </p:nvPicPr>
+        <p:blipFill>
+          <a:blip r:embed="rId2">
+            <a:extLst>
+              <a:ext uri="{28A0092B-C50C-407E-A947-70E740481C1C}">
+                <a14:useLocalDpi xmlns:a14="http://schemas.microsoft.com/office/drawing/2010/main" val="0"/>
+              </a:ext>
+            </a:extLst>
+          </a:blip>
+          <a:srcRect/>
+          <a:stretch>
+            <a:fillRect/>
+          </a:stretch>
+        </p:blipFill>
+        <p:spPr bwMode="auto">
+          <a:xfrm>
+            <a:off x="5394147" y="2512135"/>
+            <a:ext cx="2543530" cy="1200318"/>
+          </a:xfrm>
+          <a:prstGeom prst="rect">
+            <a:avLst/>
+          </a:prstGeom>
+          <a:noFill/>
+          <a:ln>
+            <a:noFill/>
+          </a:ln>
+          <a:effectLst/>
+          <a:extLst>
+            <a:ext uri="{909E8E84-426E-40DD-AFC4-6F175D3DCCD1}">
+              <a14:hiddenFill xmlns:a14="http://schemas.microsoft.com/office/drawing/2010/main">
+                <a:solidFill>
+                  <a:schemeClr val="accent1"/>
+                </a:solidFill>
+              </a14:hiddenFill>
+            </a:ext>
+            <a:ext uri="{91240B29-F687-4F45-9708-019B960494DF}">
+              <a14:hiddenLine xmlns:a14="http://schemas.microsoft.com/office/drawing/2010/main" w="9525">
+                <a:solidFill>
+                  <a:schemeClr val="tx1"/>
+                </a:solidFill>
+                <a:miter lim="800000"/>
+                <a:headEnd/>
+                <a:tailEnd/>
+              </a14:hiddenLine>
+            </a:ext>
+            <a:ext uri="{AF507438-7753-43E0-B8FC-AC1667EBCBE1}">
+              <a14:hiddenEffects xmlns:a14="http://schemas.microsoft.com/office/drawing/2010/main">
+                <a:effectLst>
+                  <a:outerShdw dist="35921" dir="2700000" algn="ctr" rotWithShape="0">
+                    <a:schemeClr val="bg2"/>
+                  </a:outerShdw>
+                </a:effectLst>
+              </a14:hiddenEffects>
+            </a:ext>
+          </a:extLst>
+        </p:spPr>
+      </p:pic>
+    </p:spTree>
+    <p:extLst>
+      <p:ext uri="{BB962C8B-B14F-4D97-AF65-F5344CB8AC3E}">
+        <p14:creationId xmlns:p14="http://schemas.microsoft.com/office/powerpoint/2010/main" val="1525162125"/>
+      </p:ext>
+    </p:extLst>
+  </p:cSld>
+  <p:clrMapOvr>
+    <a:masterClrMapping/>
+  </p:clrMapOvr>
+</p:sld>
+</file>
+
 <file path=ppt/slides/slide12.xml><?xml version="1.0" encoding="utf-8"?>
 <p:sld xmlns:a="http://schemas.openxmlformats.org/drawingml/2006/main" xmlns:r="http://schemas.openxmlformats.org/officeDocument/2006/relationships" xmlns:p="http://schemas.openxmlformats.org/presentationml/2006/main">
   <p:cSld>
@@ -4200,15 +4206,7 @@
           <a:p>
             <a:r>
               <a:rPr lang="en-AU" dirty="0" smtClean="0"/>
-              <a:t>Hide the lab </a:t>
-            </a:r>
-            <a:r>
-              <a:rPr lang="en-AU" smtClean="0"/>
-              <a:t>‘Description’ text </a:t>
-            </a:r>
-            <a:r>
-              <a:rPr lang="en-AU" dirty="0" smtClean="0"/>
-              <a:t>after anything less than 440px in size.</a:t>
+              <a:t>Hide the lab ‘Description’ text after anything less than 440px in size.</a:t>
             </a:r>
             <a:endParaRPr lang="en-AU" dirty="0"/>
           </a:p>
@@ -4335,6 +4333,347 @@
       </p:grpSpPr>
       <p:sp>
         <p:nvSpPr>
+          <p:cNvPr id="2" name="Title 1"/>
+          <p:cNvSpPr>
+            <a:spLocks noGrp="1"/>
+          </p:cNvSpPr>
+          <p:nvPr>
+            <p:ph type="title"/>
+          </p:nvPr>
+        </p:nvSpPr>
+        <p:spPr/>
+        <p:txBody>
+          <a:bodyPr/>
+          <a:lstStyle/>
+          <a:p>
+            <a:r>
+              <a:rPr lang="en-AU" dirty="0" smtClean="0"/>
+              <a:t>Only One Lab at a Time</a:t>
+            </a:r>
+            <a:endParaRPr lang="en-AU" dirty="0"/>
+          </a:p>
+        </p:txBody>
+      </p:sp>
+      <p:sp>
+        <p:nvSpPr>
+          <p:cNvPr id="3" name="Text Placeholder 2"/>
+          <p:cNvSpPr>
+            <a:spLocks noGrp="1"/>
+          </p:cNvSpPr>
+          <p:nvPr>
+            <p:ph type="body" idx="1"/>
+          </p:nvPr>
+        </p:nvSpPr>
+        <p:spPr/>
+        <p:txBody>
+          <a:bodyPr/>
+          <a:lstStyle/>
+          <a:p>
+            <a:r>
+              <a:rPr lang="en-AU" dirty="0" smtClean="0"/>
+              <a:t>Issue/Fix</a:t>
+            </a:r>
+            <a:endParaRPr lang="en-AU" dirty="0"/>
+          </a:p>
+        </p:txBody>
+      </p:sp>
+      <p:sp>
+        <p:nvSpPr>
+          <p:cNvPr id="4" name="Content Placeholder 3"/>
+          <p:cNvSpPr>
+            <a:spLocks noGrp="1"/>
+          </p:cNvSpPr>
+          <p:nvPr>
+            <p:ph sz="half" idx="2"/>
+          </p:nvPr>
+        </p:nvSpPr>
+        <p:spPr/>
+        <p:txBody>
+          <a:bodyPr/>
+          <a:lstStyle/>
+          <a:p>
+            <a:r>
+              <a:rPr lang="en-AU" dirty="0" smtClean="0"/>
+              <a:t>This button should automatically be clicked when a lab is opened.</a:t>
+            </a:r>
+            <a:endParaRPr lang="en-AU" dirty="0"/>
+          </a:p>
+        </p:txBody>
+      </p:sp>
+      <p:sp>
+        <p:nvSpPr>
+          <p:cNvPr id="5" name="Text Placeholder 4"/>
+          <p:cNvSpPr>
+            <a:spLocks noGrp="1"/>
+          </p:cNvSpPr>
+          <p:nvPr>
+            <p:ph type="body" sz="quarter" idx="3"/>
+          </p:nvPr>
+        </p:nvSpPr>
+        <p:spPr/>
+        <p:txBody>
+          <a:bodyPr/>
+          <a:lstStyle/>
+          <a:p>
+            <a:r>
+              <a:rPr lang="en-AU" dirty="0" smtClean="0"/>
+              <a:t>Screenshot</a:t>
+            </a:r>
+            <a:endParaRPr lang="en-AU" dirty="0"/>
+          </a:p>
+        </p:txBody>
+      </p:sp>
+      <p:pic>
+        <p:nvPicPr>
+          <p:cNvPr id="8" name="Content Placeholder 7"/>
+          <p:cNvPicPr>
+            <a:picLocks noGrp="1" noChangeAspect="1"/>
+          </p:cNvPicPr>
+          <p:nvPr>
+            <p:ph sz="quarter" idx="4"/>
+          </p:nvPr>
+        </p:nvPicPr>
+        <p:blipFill>
+          <a:blip r:embed="rId2">
+            <a:extLst>
+              <a:ext uri="{28A0092B-C50C-407E-A947-70E740481C1C}">
+                <a14:useLocalDpi xmlns:a14="http://schemas.microsoft.com/office/drawing/2010/main" val="0"/>
+              </a:ext>
+            </a:extLst>
+          </a:blip>
+          <a:stretch>
+            <a:fillRect/>
+          </a:stretch>
+        </p:blipFill>
+        <p:spPr>
+          <a:xfrm>
+            <a:off x="4645025" y="2260763"/>
+            <a:ext cx="4041775" cy="1703062"/>
+          </a:xfrm>
+        </p:spPr>
+      </p:pic>
+    </p:spTree>
+    <p:extLst>
+      <p:ext uri="{BB962C8B-B14F-4D97-AF65-F5344CB8AC3E}">
+        <p14:creationId xmlns:p14="http://schemas.microsoft.com/office/powerpoint/2010/main" val="2811071711"/>
+      </p:ext>
+    </p:extLst>
+  </p:cSld>
+  <p:clrMapOvr>
+    <a:masterClrMapping/>
+  </p:clrMapOvr>
+</p:sld>
+</file>
+
+<file path=ppt/slides/slide14.xml><?xml version="1.0" encoding="utf-8"?>
+<p:sld xmlns:a="http://schemas.openxmlformats.org/drawingml/2006/main" xmlns:r="http://schemas.openxmlformats.org/officeDocument/2006/relationships" xmlns:p="http://schemas.openxmlformats.org/presentationml/2006/main">
+  <p:cSld>
+    <p:spTree>
+      <p:nvGrpSpPr>
+        <p:cNvPr id="1" name=""/>
+        <p:cNvGrpSpPr/>
+        <p:nvPr/>
+      </p:nvGrpSpPr>
+      <p:grpSpPr>
+        <a:xfrm>
+          <a:off x="0" y="0"/>
+          <a:ext cx="0" cy="0"/>
+          <a:chOff x="0" y="0"/>
+          <a:chExt cx="0" cy="0"/>
+        </a:xfrm>
+      </p:grpSpPr>
+      <p:sp>
+        <p:nvSpPr>
+          <p:cNvPr id="2" name="Title 1"/>
+          <p:cNvSpPr>
+            <a:spLocks noGrp="1"/>
+          </p:cNvSpPr>
+          <p:nvPr>
+            <p:ph type="title"/>
+          </p:nvPr>
+        </p:nvSpPr>
+        <p:spPr/>
+        <p:txBody>
+          <a:bodyPr>
+            <a:normAutofit/>
+          </a:bodyPr>
+          <a:lstStyle/>
+          <a:p>
+            <a:r>
+              <a:rPr lang="en-AU" dirty="0" smtClean="0"/>
+              <a:t>Webcam and Screen share Conflict</a:t>
+            </a:r>
+            <a:endParaRPr lang="en-AU" dirty="0"/>
+          </a:p>
+        </p:txBody>
+      </p:sp>
+      <p:sp>
+        <p:nvSpPr>
+          <p:cNvPr id="3" name="Text Placeholder 2"/>
+          <p:cNvSpPr>
+            <a:spLocks noGrp="1"/>
+          </p:cNvSpPr>
+          <p:nvPr>
+            <p:ph type="body" idx="1"/>
+          </p:nvPr>
+        </p:nvSpPr>
+        <p:spPr/>
+        <p:txBody>
+          <a:bodyPr/>
+          <a:lstStyle/>
+          <a:p>
+            <a:r>
+              <a:rPr lang="en-AU" dirty="0" smtClean="0"/>
+              <a:t>Issue/Fix</a:t>
+            </a:r>
+            <a:endParaRPr lang="en-AU" dirty="0"/>
+          </a:p>
+        </p:txBody>
+      </p:sp>
+      <p:sp>
+        <p:nvSpPr>
+          <p:cNvPr id="4" name="Content Placeholder 3"/>
+          <p:cNvSpPr>
+            <a:spLocks noGrp="1"/>
+          </p:cNvSpPr>
+          <p:nvPr>
+            <p:ph sz="half" idx="2"/>
+          </p:nvPr>
+        </p:nvSpPr>
+        <p:spPr/>
+        <p:txBody>
+          <a:bodyPr/>
+          <a:lstStyle/>
+          <a:p>
+            <a:r>
+              <a:rPr lang="en-AU" dirty="0" smtClean="0"/>
+              <a:t>Enabling the webcam and screen share should NOT push the screen share view down.</a:t>
+            </a:r>
+            <a:endParaRPr lang="en-AU" dirty="0"/>
+          </a:p>
+        </p:txBody>
+      </p:sp>
+      <p:sp>
+        <p:nvSpPr>
+          <p:cNvPr id="5" name="Text Placeholder 4"/>
+          <p:cNvSpPr>
+            <a:spLocks noGrp="1"/>
+          </p:cNvSpPr>
+          <p:nvPr>
+            <p:ph type="body" sz="quarter" idx="3"/>
+          </p:nvPr>
+        </p:nvSpPr>
+        <p:spPr/>
+        <p:txBody>
+          <a:bodyPr/>
+          <a:lstStyle/>
+          <a:p>
+            <a:r>
+              <a:rPr lang="en-AU" dirty="0" smtClean="0"/>
+              <a:t>Screenshot</a:t>
+            </a:r>
+            <a:endParaRPr lang="en-AU" dirty="0"/>
+          </a:p>
+        </p:txBody>
+      </p:sp>
+      <p:pic>
+        <p:nvPicPr>
+          <p:cNvPr id="3076" name="Picture 4"/>
+          <p:cNvPicPr>
+            <a:picLocks noGrp="1" noChangeAspect="1" noChangeArrowheads="1"/>
+          </p:cNvPicPr>
+          <p:nvPr>
+            <p:ph sz="quarter" idx="4"/>
+          </p:nvPr>
+        </p:nvPicPr>
+        <p:blipFill>
+          <a:blip r:embed="rId2" cstate="print">
+            <a:extLst>
+              <a:ext uri="{28A0092B-C50C-407E-A947-70E740481C1C}">
+                <a14:useLocalDpi xmlns:a14="http://schemas.microsoft.com/office/drawing/2010/main" val="0"/>
+              </a:ext>
+            </a:extLst>
+          </a:blip>
+          <a:srcRect/>
+          <a:stretch>
+            <a:fillRect/>
+          </a:stretch>
+        </p:blipFill>
+        <p:spPr bwMode="auto">
+          <a:xfrm>
+            <a:off x="4645025" y="2195590"/>
+            <a:ext cx="4041775" cy="1833407"/>
+          </a:xfrm>
+          <a:prstGeom prst="rect">
+            <a:avLst/>
+          </a:prstGeom>
+          <a:noFill/>
+          <a:ln>
+            <a:noFill/>
+          </a:ln>
+          <a:effectLst/>
+          <a:extLst>
+            <a:ext uri="{909E8E84-426E-40DD-AFC4-6F175D3DCCD1}">
+              <a14:hiddenFill xmlns:a14="http://schemas.microsoft.com/office/drawing/2010/main">
+                <a:solidFill>
+                  <a:schemeClr val="accent1"/>
+                </a:solidFill>
+              </a14:hiddenFill>
+            </a:ext>
+            <a:ext uri="{91240B29-F687-4F45-9708-019B960494DF}">
+              <a14:hiddenLine xmlns:a14="http://schemas.microsoft.com/office/drawing/2010/main" w="9525">
+                <a:solidFill>
+                  <a:schemeClr val="tx1"/>
+                </a:solidFill>
+                <a:miter lim="800000"/>
+                <a:headEnd/>
+                <a:tailEnd/>
+              </a14:hiddenLine>
+            </a:ext>
+            <a:ext uri="{AF507438-7753-43E0-B8FC-AC1667EBCBE1}">
+              <a14:hiddenEffects xmlns:a14="http://schemas.microsoft.com/office/drawing/2010/main">
+                <a:effectLst>
+                  <a:outerShdw dist="35921" dir="2700000" algn="ctr" rotWithShape="0">
+                    <a:schemeClr val="bg2"/>
+                  </a:outerShdw>
+                </a:effectLst>
+              </a14:hiddenEffects>
+            </a:ext>
+          </a:extLst>
+        </p:spPr>
+      </p:pic>
+    </p:spTree>
+    <p:extLst>
+      <p:ext uri="{BB962C8B-B14F-4D97-AF65-F5344CB8AC3E}">
+        <p14:creationId xmlns:p14="http://schemas.microsoft.com/office/powerpoint/2010/main" val="2784142317"/>
+      </p:ext>
+    </p:extLst>
+  </p:cSld>
+  <p:clrMapOvr>
+    <a:masterClrMapping/>
+  </p:clrMapOvr>
+</p:sld>
+</file>
+
+<file path=ppt/slides/slide15.xml><?xml version="1.0" encoding="utf-8"?>
+<p:sld xmlns:a="http://schemas.openxmlformats.org/drawingml/2006/main" xmlns:r="http://schemas.openxmlformats.org/officeDocument/2006/relationships" xmlns:p="http://schemas.openxmlformats.org/presentationml/2006/main">
+  <p:cSld>
+    <p:spTree>
+      <p:nvGrpSpPr>
+        <p:cNvPr id="1" name=""/>
+        <p:cNvGrpSpPr/>
+        <p:nvPr/>
+      </p:nvGrpSpPr>
+      <p:grpSpPr>
+        <a:xfrm>
+          <a:off x="0" y="0"/>
+          <a:ext cx="0" cy="0"/>
+          <a:chOff x="0" y="0"/>
+          <a:chExt cx="0" cy="0"/>
+        </a:xfrm>
+      </p:grpSpPr>
+      <p:sp>
+        <p:nvSpPr>
           <p:cNvPr id="7" name="Title 6"/>
           <p:cNvSpPr>
             <a:spLocks noGrp="1"/>
@@ -4506,7 +4845,7 @@
 </p:sld>
 </file>
 
-<file path=ppt/slides/slide14.xml><?xml version="1.0" encoding="utf-8"?>
+<file path=ppt/slides/slide16.xml><?xml version="1.0" encoding="utf-8"?>
 <p:sld xmlns:a="http://schemas.openxmlformats.org/drawingml/2006/main" xmlns:r="http://schemas.openxmlformats.org/officeDocument/2006/relationships" xmlns:p="http://schemas.openxmlformats.org/presentationml/2006/main">
   <p:cSld>
     <p:spTree>
@@ -4710,7 +5049,7 @@
 </p:sld>
 </file>
 
-<file path=ppt/slides/slide15.xml><?xml version="1.0" encoding="utf-8"?>
+<file path=ppt/slides/slide17.xml><?xml version="1.0" encoding="utf-8"?>
 <p:sld xmlns:a="http://schemas.openxmlformats.org/drawingml/2006/main" xmlns:r="http://schemas.openxmlformats.org/officeDocument/2006/relationships" xmlns:p="http://schemas.openxmlformats.org/presentationml/2006/main">
   <p:cSld>
     <p:spTree>
@@ -4898,7 +5237,7 @@
 </p:sld>
 </file>
 
-<file path=ppt/slides/slide16.xml><?xml version="1.0" encoding="utf-8"?>
+<file path=ppt/slides/slide18.xml><?xml version="1.0" encoding="utf-8"?>
 <p:sld xmlns:a="http://schemas.openxmlformats.org/drawingml/2006/main" xmlns:r="http://schemas.openxmlformats.org/officeDocument/2006/relationships" xmlns:p="http://schemas.openxmlformats.org/presentationml/2006/main">
   <p:cSld>
     <p:spTree>
@@ -6558,12 +6897,14 @@
         </p:nvSpPr>
         <p:spPr/>
         <p:txBody>
-          <a:bodyPr/>
+          <a:bodyPr>
+            <a:normAutofit fontScale="90000"/>
+          </a:bodyPr>
           <a:lstStyle/>
           <a:p>
             <a:r>
               <a:rPr lang="en-AU" dirty="0" smtClean="0"/>
-              <a:t>Only One Lab at a Time</a:t>
+              <a:t>No ‘Lab Finished’ Warning Required</a:t>
             </a:r>
             <a:endParaRPr lang="en-AU" dirty="0"/>
           </a:p>
@@ -6609,7 +6950,7 @@
           <a:p>
             <a:r>
               <a:rPr lang="en-AU" dirty="0" smtClean="0"/>
-              <a:t>This button should automatically be clicked when a lab is opened.</a:t>
+              <a:t>Remove the popup that informs users about the lab’s session concluding if they select ‘finish’.</a:t>
             </a:r>
             <a:endParaRPr lang="en-AU" dirty="0"/>
           </a:p>
@@ -6640,9 +6981,9 @@
       </p:sp>
       <p:pic>
         <p:nvPicPr>
-          <p:cNvPr id="8" name="Content Placeholder 7"/>
+          <p:cNvPr id="3074" name="Picture 2"/>
           <p:cNvPicPr>
-            <a:picLocks noGrp="1" noChangeAspect="1"/>
+            <a:picLocks noGrp="1" noChangeAspect="1" noChangeArrowheads="1"/>
           </p:cNvPicPr>
           <p:nvPr>
             <p:ph sz="quarter" idx="4"/>
@@ -6656,21 +6997,58 @@
               </a:ext>
             </a:extLst>
           </a:blip>
+          <a:srcRect/>
           <a:stretch>
             <a:fillRect/>
           </a:stretch>
         </p:blipFill>
-        <p:spPr>
+        <p:spPr bwMode="auto">
           <a:xfrm>
-            <a:off x="4645025" y="2260763"/>
-            <a:ext cx="4041775" cy="1703062"/>
+            <a:off x="4645025" y="2383082"/>
+            <a:ext cx="4041775" cy="1458423"/>
           </a:xfrm>
+          <a:prstGeom prst="rect">
+            <a:avLst/>
+          </a:prstGeom>
+          <a:noFill/>
+          <a:ln>
+            <a:noFill/>
+          </a:ln>
+          <a:effectLst/>
+          <a:extLst>
+            <a:ext uri="{909E8E84-426E-40DD-AFC4-6F175D3DCCD1}">
+              <a14:hiddenFill xmlns:a14="http://schemas.microsoft.com/office/drawing/2010/main">
+                <a:solidFill>
+                  <a:schemeClr val="accent1"/>
+                </a:solidFill>
+              </a14:hiddenFill>
+            </a:ext>
+            <a:ext uri="{91240B29-F687-4F45-9708-019B960494DF}">
+              <a14:hiddenLine xmlns:a14="http://schemas.microsoft.com/office/drawing/2010/main" w="9525">
+                <a:solidFill>
+                  <a:schemeClr val="tx1"/>
+                </a:solidFill>
+                <a:miter lim="800000"/>
+                <a:headEnd/>
+                <a:tailEnd/>
+              </a14:hiddenLine>
+            </a:ext>
+            <a:ext uri="{AF507438-7753-43E0-B8FC-AC1667EBCBE1}">
+              <a14:hiddenEffects xmlns:a14="http://schemas.microsoft.com/office/drawing/2010/main">
+                <a:effectLst>
+                  <a:outerShdw dist="35921" dir="2700000" algn="ctr" rotWithShape="0">
+                    <a:schemeClr val="bg2"/>
+                  </a:outerShdw>
+                </a:effectLst>
+              </a14:hiddenEffects>
+            </a:ext>
+          </a:extLst>
         </p:spPr>
       </p:pic>
     </p:spTree>
     <p:extLst>
       <p:ext uri="{BB962C8B-B14F-4D97-AF65-F5344CB8AC3E}">
-        <p14:creationId xmlns:p14="http://schemas.microsoft.com/office/powerpoint/2010/main" val="2811071711"/>
+        <p14:creationId xmlns:p14="http://schemas.microsoft.com/office/powerpoint/2010/main" val="1600867329"/>
       </p:ext>
     </p:extLst>
   </p:cSld>

--- a/remotelab/Remote Labs Suggested Changes.pptx
+++ b/remotelab/Remote Labs Suggested Changes.pptx
@@ -5,7 +5,7 @@
     <p:sldMasterId id="2147483816" r:id="rId1"/>
   </p:sldMasterIdLst>
   <p:notesMasterIdLst>
-    <p:notesMasterId r:id="rId20"/>
+    <p:notesMasterId r:id="rId21"/>
   </p:notesMasterIdLst>
   <p:sldIdLst>
     <p:sldId id="256" r:id="rId2"/>
@@ -20,12 +20,13 @@
     <p:sldId id="271" r:id="rId11"/>
     <p:sldId id="273" r:id="rId12"/>
     <p:sldId id="272" r:id="rId13"/>
-    <p:sldId id="269" r:id="rId14"/>
-    <p:sldId id="274" r:id="rId15"/>
-    <p:sldId id="266" r:id="rId16"/>
-    <p:sldId id="257" r:id="rId17"/>
-    <p:sldId id="258" r:id="rId18"/>
-    <p:sldId id="259" r:id="rId19"/>
+    <p:sldId id="275" r:id="rId14"/>
+    <p:sldId id="269" r:id="rId15"/>
+    <p:sldId id="274" r:id="rId16"/>
+    <p:sldId id="266" r:id="rId17"/>
+    <p:sldId id="257" r:id="rId18"/>
+    <p:sldId id="258" r:id="rId19"/>
+    <p:sldId id="259" r:id="rId20"/>
   </p:sldIdLst>
   <p:sldSz cx="9144000" cy="5143500" type="screen16x9"/>
   <p:notesSz cx="6858000" cy="9144000"/>
@@ -145,6 +146,7 @@
             <p14:sldId id="271"/>
             <p14:sldId id="273"/>
             <p14:sldId id="272"/>
+            <p14:sldId id="275"/>
           </p14:sldIdLst>
         </p14:section>
         <p14:section name="Specific Laboratory" id="{7543B9F4-DA87-44B9-8D0B-30707C35FE1B}">
@@ -585,7 +587,7 @@
           <a:p>
             <a:fld id="{54ECEB73-A4F9-4F7A-867E-E1B1C8313477}" type="slidenum">
               <a:rPr lang="en-AU" smtClean="0"/>
-              <a:t>15</a:t>
+              <a:t>16</a:t>
             </a:fld>
             <a:endParaRPr lang="en-AU"/>
           </a:p>
@@ -672,7 +674,7 @@
           <a:p>
             <a:fld id="{54ECEB73-A4F9-4F7A-867E-E1B1C8313477}" type="slidenum">
               <a:rPr lang="en-AU" smtClean="0"/>
-              <a:t>16</a:t>
+              <a:t>17</a:t>
             </a:fld>
             <a:endParaRPr lang="en-AU"/>
           </a:p>
@@ -4343,6 +4345,212 @@
         </p:nvSpPr>
         <p:spPr/>
         <p:txBody>
+          <a:bodyPr>
+            <a:normAutofit/>
+          </a:bodyPr>
+          <a:lstStyle/>
+          <a:p>
+            <a:r>
+              <a:rPr lang="en-AU" dirty="0" smtClean="0"/>
+              <a:t>Unnecessary Hyperlink</a:t>
+            </a:r>
+            <a:endParaRPr lang="en-AU" dirty="0"/>
+          </a:p>
+        </p:txBody>
+      </p:sp>
+      <p:sp>
+        <p:nvSpPr>
+          <p:cNvPr id="3" name="Text Placeholder 2"/>
+          <p:cNvSpPr>
+            <a:spLocks noGrp="1"/>
+          </p:cNvSpPr>
+          <p:nvPr>
+            <p:ph type="body" idx="1"/>
+          </p:nvPr>
+        </p:nvSpPr>
+        <p:spPr/>
+        <p:txBody>
+          <a:bodyPr/>
+          <a:lstStyle/>
+          <a:p>
+            <a:r>
+              <a:rPr lang="en-AU" dirty="0" smtClean="0"/>
+              <a:t>Issue/Fix</a:t>
+            </a:r>
+            <a:endParaRPr lang="en-AU" dirty="0"/>
+          </a:p>
+        </p:txBody>
+      </p:sp>
+      <p:sp>
+        <p:nvSpPr>
+          <p:cNvPr id="4" name="Content Placeholder 3"/>
+          <p:cNvSpPr>
+            <a:spLocks noGrp="1"/>
+          </p:cNvSpPr>
+          <p:nvPr>
+            <p:ph sz="half" idx="2"/>
+          </p:nvPr>
+        </p:nvSpPr>
+        <p:spPr/>
+        <p:txBody>
+          <a:bodyPr/>
+          <a:lstStyle/>
+          <a:p>
+            <a:r>
+              <a:rPr lang="en-AU" dirty="0" smtClean="0"/>
+              <a:t>The ‘Remote Labs’ hyperlink at the top left of the page has a ‘#’ link. It should simply </a:t>
+            </a:r>
+            <a:r>
+              <a:rPr lang="en-AU" dirty="0"/>
+              <a:t>contain the link ‘https://</a:t>
+            </a:r>
+            <a:r>
+              <a:rPr lang="en-AU" dirty="0" smtClean="0"/>
+              <a:t>electromeet.com/</a:t>
+            </a:r>
+            <a:r>
+              <a:rPr lang="en-AU" dirty="0" err="1" smtClean="0"/>
+              <a:t>RemoteLabWeb</a:t>
+            </a:r>
+            <a:r>
+              <a:rPr lang="en-AU" dirty="0" smtClean="0"/>
+              <a:t>’.</a:t>
+            </a:r>
+            <a:endParaRPr lang="en-AU" dirty="0"/>
+          </a:p>
+        </p:txBody>
+      </p:sp>
+      <p:sp>
+        <p:nvSpPr>
+          <p:cNvPr id="5" name="Text Placeholder 4"/>
+          <p:cNvSpPr>
+            <a:spLocks noGrp="1"/>
+          </p:cNvSpPr>
+          <p:nvPr>
+            <p:ph type="body" sz="quarter" idx="3"/>
+          </p:nvPr>
+        </p:nvSpPr>
+        <p:spPr/>
+        <p:txBody>
+          <a:bodyPr/>
+          <a:lstStyle/>
+          <a:p>
+            <a:r>
+              <a:rPr lang="en-AU" dirty="0" smtClean="0"/>
+              <a:t>Screenshot</a:t>
+            </a:r>
+            <a:endParaRPr lang="en-AU" dirty="0"/>
+          </a:p>
+        </p:txBody>
+      </p:sp>
+      <p:pic>
+        <p:nvPicPr>
+          <p:cNvPr id="4098" name="Picture 2"/>
+          <p:cNvPicPr>
+            <a:picLocks noGrp="1" noChangeAspect="1" noChangeArrowheads="1"/>
+          </p:cNvPicPr>
+          <p:nvPr>
+            <p:ph sz="quarter" idx="4"/>
+          </p:nvPr>
+        </p:nvPicPr>
+        <p:blipFill>
+          <a:blip r:embed="rId2">
+            <a:extLst>
+              <a:ext uri="{28A0092B-C50C-407E-A947-70E740481C1C}">
+                <a14:useLocalDpi xmlns:a14="http://schemas.microsoft.com/office/drawing/2010/main" val="0"/>
+              </a:ext>
+            </a:extLst>
+          </a:blip>
+          <a:srcRect/>
+          <a:stretch>
+            <a:fillRect/>
+          </a:stretch>
+        </p:blipFill>
+        <p:spPr bwMode="auto">
+          <a:xfrm>
+            <a:off x="5889516" y="2831267"/>
+            <a:ext cx="1552792" cy="562053"/>
+          </a:xfrm>
+          <a:prstGeom prst="rect">
+            <a:avLst/>
+          </a:prstGeom>
+          <a:noFill/>
+          <a:ln>
+            <a:noFill/>
+          </a:ln>
+          <a:effectLst/>
+          <a:extLst>
+            <a:ext uri="{909E8E84-426E-40DD-AFC4-6F175D3DCCD1}">
+              <a14:hiddenFill xmlns:a14="http://schemas.microsoft.com/office/drawing/2010/main">
+                <a:solidFill>
+                  <a:schemeClr val="accent1"/>
+                </a:solidFill>
+              </a14:hiddenFill>
+            </a:ext>
+            <a:ext uri="{91240B29-F687-4F45-9708-019B960494DF}">
+              <a14:hiddenLine xmlns:a14="http://schemas.microsoft.com/office/drawing/2010/main" w="9525">
+                <a:solidFill>
+                  <a:schemeClr val="tx1"/>
+                </a:solidFill>
+                <a:miter lim="800000"/>
+                <a:headEnd/>
+                <a:tailEnd/>
+              </a14:hiddenLine>
+            </a:ext>
+            <a:ext uri="{AF507438-7753-43E0-B8FC-AC1667EBCBE1}">
+              <a14:hiddenEffects xmlns:a14="http://schemas.microsoft.com/office/drawing/2010/main">
+                <a:effectLst>
+                  <a:outerShdw dist="35921" dir="2700000" algn="ctr" rotWithShape="0">
+                    <a:schemeClr val="bg2"/>
+                  </a:outerShdw>
+                </a:effectLst>
+              </a14:hiddenEffects>
+            </a:ext>
+          </a:extLst>
+        </p:spPr>
+      </p:pic>
+    </p:spTree>
+    <p:extLst>
+      <p:ext uri="{BB962C8B-B14F-4D97-AF65-F5344CB8AC3E}">
+        <p14:creationId xmlns:p14="http://schemas.microsoft.com/office/powerpoint/2010/main" val="1598253283"/>
+      </p:ext>
+    </p:extLst>
+  </p:cSld>
+  <p:clrMapOvr>
+    <a:masterClrMapping/>
+  </p:clrMapOvr>
+</p:sld>
+</file>
+
+<file path=ppt/slides/slide14.xml><?xml version="1.0" encoding="utf-8"?>
+<p:sld xmlns:a="http://schemas.openxmlformats.org/drawingml/2006/main" xmlns:r="http://schemas.openxmlformats.org/officeDocument/2006/relationships" xmlns:p="http://schemas.openxmlformats.org/presentationml/2006/main">
+  <p:cSld>
+    <p:spTree>
+      <p:nvGrpSpPr>
+        <p:cNvPr id="1" name=""/>
+        <p:cNvGrpSpPr/>
+        <p:nvPr/>
+      </p:nvGrpSpPr>
+      <p:grpSpPr>
+        <a:xfrm>
+          <a:off x="0" y="0"/>
+          <a:ext cx="0" cy="0"/>
+          <a:chOff x="0" y="0"/>
+          <a:chExt cx="0" cy="0"/>
+        </a:xfrm>
+      </p:grpSpPr>
+      <p:sp>
+        <p:nvSpPr>
+          <p:cNvPr id="2" name="Title 1"/>
+          <p:cNvSpPr>
+            <a:spLocks noGrp="1"/>
+          </p:cNvSpPr>
+          <p:nvPr>
+            <p:ph type="title"/>
+          </p:nvPr>
+        </p:nvSpPr>
+        <p:spPr/>
+        <p:txBody>
           <a:bodyPr/>
           <a:lstStyle/>
           <a:p>
@@ -4465,7 +4673,7 @@
 </p:sld>
 </file>
 
-<file path=ppt/slides/slide14.xml><?xml version="1.0" encoding="utf-8"?>
+<file path=ppt/slides/slide15.xml><?xml version="1.0" encoding="utf-8"?>
 <p:sld xmlns:a="http://schemas.openxmlformats.org/drawingml/2006/main" xmlns:r="http://schemas.openxmlformats.org/officeDocument/2006/relationships" xmlns:p="http://schemas.openxmlformats.org/presentationml/2006/main">
   <p:cSld>
     <p:spTree>
@@ -4655,7 +4863,7 @@
 </p:sld>
 </file>
 
-<file path=ppt/slides/slide15.xml><?xml version="1.0" encoding="utf-8"?>
+<file path=ppt/slides/slide16.xml><?xml version="1.0" encoding="utf-8"?>
 <p:sld xmlns:a="http://schemas.openxmlformats.org/drawingml/2006/main" xmlns:r="http://schemas.openxmlformats.org/officeDocument/2006/relationships" xmlns:p="http://schemas.openxmlformats.org/presentationml/2006/main">
   <p:cSld>
     <p:spTree>
@@ -4845,7 +5053,7 @@
 </p:sld>
 </file>
 
-<file path=ppt/slides/slide16.xml><?xml version="1.0" encoding="utf-8"?>
+<file path=ppt/slides/slide17.xml><?xml version="1.0" encoding="utf-8"?>
 <p:sld xmlns:a="http://schemas.openxmlformats.org/drawingml/2006/main" xmlns:r="http://schemas.openxmlformats.org/officeDocument/2006/relationships" xmlns:p="http://schemas.openxmlformats.org/presentationml/2006/main">
   <p:cSld>
     <p:spTree>
@@ -5049,7 +5257,7 @@
 </p:sld>
 </file>
 
-<file path=ppt/slides/slide17.xml><?xml version="1.0" encoding="utf-8"?>
+<file path=ppt/slides/slide18.xml><?xml version="1.0" encoding="utf-8"?>
 <p:sld xmlns:a="http://schemas.openxmlformats.org/drawingml/2006/main" xmlns:r="http://schemas.openxmlformats.org/officeDocument/2006/relationships" xmlns:p="http://schemas.openxmlformats.org/presentationml/2006/main">
   <p:cSld>
     <p:spTree>
@@ -5237,7 +5445,7 @@
 </p:sld>
 </file>
 
-<file path=ppt/slides/slide18.xml><?xml version="1.0" encoding="utf-8"?>
+<file path=ppt/slides/slide19.xml><?xml version="1.0" encoding="utf-8"?>
 <p:sld xmlns:a="http://schemas.openxmlformats.org/drawingml/2006/main" xmlns:r="http://schemas.openxmlformats.org/officeDocument/2006/relationships" xmlns:p="http://schemas.openxmlformats.org/presentationml/2006/main">
   <p:cSld>
     <p:spTree>

--- a/remotelab/Remote Labs Suggested Changes.pptx
+++ b/remotelab/Remote Labs Suggested Changes.pptx
@@ -5,7 +5,7 @@
     <p:sldMasterId id="2147483816" r:id="rId1"/>
   </p:sldMasterIdLst>
   <p:notesMasterIdLst>
-    <p:notesMasterId r:id="rId21"/>
+    <p:notesMasterId r:id="rId22"/>
   </p:notesMasterIdLst>
   <p:sldIdLst>
     <p:sldId id="256" r:id="rId2"/>
@@ -23,10 +23,11 @@
     <p:sldId id="275" r:id="rId14"/>
     <p:sldId id="269" r:id="rId15"/>
     <p:sldId id="274" r:id="rId16"/>
-    <p:sldId id="266" r:id="rId17"/>
-    <p:sldId id="257" r:id="rId18"/>
-    <p:sldId id="258" r:id="rId19"/>
-    <p:sldId id="259" r:id="rId20"/>
+    <p:sldId id="276" r:id="rId17"/>
+    <p:sldId id="266" r:id="rId18"/>
+    <p:sldId id="257" r:id="rId19"/>
+    <p:sldId id="258" r:id="rId20"/>
+    <p:sldId id="259" r:id="rId21"/>
   </p:sldIdLst>
   <p:sldSz cx="9144000" cy="5143500" type="screen16x9"/>
   <p:notesSz cx="6858000" cy="9144000"/>
@@ -153,6 +154,7 @@
           <p14:sldIdLst>
             <p14:sldId id="269"/>
             <p14:sldId id="274"/>
+            <p14:sldId id="276"/>
           </p14:sldIdLst>
         </p14:section>
         <p14:section name="Password Recovery" id="{F6FB7041-590B-4A2D-8DF5-9C474689BB61}">
@@ -251,7 +253,7 @@
           <a:p>
             <a:fld id="{04C8B89A-83BF-4366-AFC3-D23A2FFEFF0B}" type="datetimeFigureOut">
               <a:rPr lang="en-AU" smtClean="0"/>
-              <a:t>27/10/2017</a:t>
+              <a:t>2/11/2017</a:t>
             </a:fld>
             <a:endParaRPr lang="en-AU"/>
           </a:p>
@@ -587,7 +589,7 @@
           <a:p>
             <a:fld id="{54ECEB73-A4F9-4F7A-867E-E1B1C8313477}" type="slidenum">
               <a:rPr lang="en-AU" smtClean="0"/>
-              <a:t>16</a:t>
+              <a:t>17</a:t>
             </a:fld>
             <a:endParaRPr lang="en-AU"/>
           </a:p>
@@ -674,7 +676,7 @@
           <a:p>
             <a:fld id="{54ECEB73-A4F9-4F7A-867E-E1B1C8313477}" type="slidenum">
               <a:rPr lang="en-AU" smtClean="0"/>
-              <a:t>17</a:t>
+              <a:t>18</a:t>
             </a:fld>
             <a:endParaRPr lang="en-AU"/>
           </a:p>
@@ -874,7 +876,7 @@
           <a:p>
             <a:fld id="{3E244392-4831-4AE8-B9A0-B24F4427A277}" type="datetimeFigureOut">
               <a:rPr lang="en-AU" smtClean="0"/>
-              <a:t>27/10/2017</a:t>
+              <a:t>2/11/2017</a:t>
             </a:fld>
             <a:endParaRPr lang="en-AU"/>
           </a:p>
@@ -1044,7 +1046,7 @@
           <a:p>
             <a:fld id="{3E244392-4831-4AE8-B9A0-B24F4427A277}" type="datetimeFigureOut">
               <a:rPr lang="en-AU" smtClean="0"/>
-              <a:t>27/10/2017</a:t>
+              <a:t>2/11/2017</a:t>
             </a:fld>
             <a:endParaRPr lang="en-AU"/>
           </a:p>
@@ -1224,7 +1226,7 @@
           <a:p>
             <a:fld id="{3E244392-4831-4AE8-B9A0-B24F4427A277}" type="datetimeFigureOut">
               <a:rPr lang="en-AU" smtClean="0"/>
-              <a:t>27/10/2017</a:t>
+              <a:t>2/11/2017</a:t>
             </a:fld>
             <a:endParaRPr lang="en-AU"/>
           </a:p>
@@ -1394,7 +1396,7 @@
           <a:p>
             <a:fld id="{3E244392-4831-4AE8-B9A0-B24F4427A277}" type="datetimeFigureOut">
               <a:rPr lang="en-AU" smtClean="0"/>
-              <a:t>27/10/2017</a:t>
+              <a:t>2/11/2017</a:t>
             </a:fld>
             <a:endParaRPr lang="en-AU"/>
           </a:p>
@@ -1640,7 +1642,7 @@
           <a:p>
             <a:fld id="{3E244392-4831-4AE8-B9A0-B24F4427A277}" type="datetimeFigureOut">
               <a:rPr lang="en-AU" smtClean="0"/>
-              <a:t>27/10/2017</a:t>
+              <a:t>2/11/2017</a:t>
             </a:fld>
             <a:endParaRPr lang="en-AU"/>
           </a:p>
@@ -1928,7 +1930,7 @@
           <a:p>
             <a:fld id="{3E244392-4831-4AE8-B9A0-B24F4427A277}" type="datetimeFigureOut">
               <a:rPr lang="en-AU" smtClean="0"/>
-              <a:t>27/10/2017</a:t>
+              <a:t>2/11/2017</a:t>
             </a:fld>
             <a:endParaRPr lang="en-AU"/>
           </a:p>
@@ -2350,7 +2352,7 @@
           <a:p>
             <a:fld id="{3E244392-4831-4AE8-B9A0-B24F4427A277}" type="datetimeFigureOut">
               <a:rPr lang="en-AU" smtClean="0"/>
-              <a:t>27/10/2017</a:t>
+              <a:t>2/11/2017</a:t>
             </a:fld>
             <a:endParaRPr lang="en-AU"/>
           </a:p>
@@ -2468,7 +2470,7 @@
           <a:p>
             <a:fld id="{3E244392-4831-4AE8-B9A0-B24F4427A277}" type="datetimeFigureOut">
               <a:rPr lang="en-AU" smtClean="0"/>
-              <a:t>27/10/2017</a:t>
+              <a:t>2/11/2017</a:t>
             </a:fld>
             <a:endParaRPr lang="en-AU"/>
           </a:p>
@@ -2563,7 +2565,7 @@
           <a:p>
             <a:fld id="{3E244392-4831-4AE8-B9A0-B24F4427A277}" type="datetimeFigureOut">
               <a:rPr lang="en-AU" smtClean="0"/>
-              <a:t>27/10/2017</a:t>
+              <a:t>2/11/2017</a:t>
             </a:fld>
             <a:endParaRPr lang="en-AU"/>
           </a:p>
@@ -2840,7 +2842,7 @@
           <a:p>
             <a:fld id="{3E244392-4831-4AE8-B9A0-B24F4427A277}" type="datetimeFigureOut">
               <a:rPr lang="en-AU" smtClean="0"/>
-              <a:t>27/10/2017</a:t>
+              <a:t>2/11/2017</a:t>
             </a:fld>
             <a:endParaRPr lang="en-AU"/>
           </a:p>
@@ -3093,7 +3095,7 @@
           <a:p>
             <a:fld id="{3E244392-4831-4AE8-B9A0-B24F4427A277}" type="datetimeFigureOut">
               <a:rPr lang="en-AU" smtClean="0"/>
-              <a:t>27/10/2017</a:t>
+              <a:t>2/11/2017</a:t>
             </a:fld>
             <a:endParaRPr lang="en-AU"/>
           </a:p>
@@ -3306,7 +3308,7 @@
           <a:p>
             <a:fld id="{3E244392-4831-4AE8-B9A0-B24F4427A277}" type="datetimeFigureOut">
               <a:rPr lang="en-AU" smtClean="0"/>
-              <a:t>27/10/2017</a:t>
+              <a:t>2/11/2017</a:t>
             </a:fld>
             <a:endParaRPr lang="en-AU"/>
           </a:p>
@@ -3826,11 +3828,7 @@
           <a:p>
             <a:r>
               <a:rPr lang="en-AU" dirty="0" smtClean="0"/>
-              <a:t>When clicking on the email at the top right, it should display the option to log out from there</a:t>
-            </a:r>
-            <a:r>
-              <a:rPr lang="en-AU" dirty="0" smtClean="0"/>
-              <a:t>.</a:t>
+              <a:t>When clicking on the email at the top right, it should display the option to log out from there.</a:t>
             </a:r>
           </a:p>
         </p:txBody>
@@ -4882,6 +4880,200 @@
       </p:grpSpPr>
       <p:sp>
         <p:nvSpPr>
+          <p:cNvPr id="2" name="Title 1"/>
+          <p:cNvSpPr>
+            <a:spLocks noGrp="1"/>
+          </p:cNvSpPr>
+          <p:nvPr>
+            <p:ph type="title"/>
+          </p:nvPr>
+        </p:nvSpPr>
+        <p:spPr/>
+        <p:txBody>
+          <a:bodyPr>
+            <a:normAutofit/>
+          </a:bodyPr>
+          <a:lstStyle/>
+          <a:p>
+            <a:r>
+              <a:rPr lang="en-AU" dirty="0" smtClean="0"/>
+              <a:t>Lab Finished</a:t>
+            </a:r>
+            <a:endParaRPr lang="en-AU" dirty="0"/>
+          </a:p>
+        </p:txBody>
+      </p:sp>
+      <p:sp>
+        <p:nvSpPr>
+          <p:cNvPr id="3" name="Text Placeholder 2"/>
+          <p:cNvSpPr>
+            <a:spLocks noGrp="1"/>
+          </p:cNvSpPr>
+          <p:nvPr>
+            <p:ph type="body" idx="1"/>
+          </p:nvPr>
+        </p:nvSpPr>
+        <p:spPr/>
+        <p:txBody>
+          <a:bodyPr/>
+          <a:lstStyle/>
+          <a:p>
+            <a:r>
+              <a:rPr lang="en-AU" dirty="0" smtClean="0"/>
+              <a:t>Issue/Fix</a:t>
+            </a:r>
+            <a:endParaRPr lang="en-AU" dirty="0"/>
+          </a:p>
+        </p:txBody>
+      </p:sp>
+      <p:sp>
+        <p:nvSpPr>
+          <p:cNvPr id="4" name="Content Placeholder 3"/>
+          <p:cNvSpPr>
+            <a:spLocks noGrp="1"/>
+          </p:cNvSpPr>
+          <p:nvPr>
+            <p:ph sz="half" idx="2"/>
+          </p:nvPr>
+        </p:nvSpPr>
+        <p:spPr/>
+        <p:txBody>
+          <a:bodyPr/>
+          <a:lstStyle/>
+          <a:p>
+            <a:r>
+              <a:rPr lang="en-AU" dirty="0" smtClean="0"/>
+              <a:t>Exiting a lab does not require a popup </a:t>
+            </a:r>
+            <a:r>
+              <a:rPr lang="en-AU" smtClean="0"/>
+              <a:t>module confirmation. </a:t>
+            </a:r>
+            <a:endParaRPr lang="en-AU" dirty="0"/>
+          </a:p>
+        </p:txBody>
+      </p:sp>
+      <p:sp>
+        <p:nvSpPr>
+          <p:cNvPr id="5" name="Text Placeholder 4"/>
+          <p:cNvSpPr>
+            <a:spLocks noGrp="1"/>
+          </p:cNvSpPr>
+          <p:nvPr>
+            <p:ph type="body" sz="quarter" idx="3"/>
+          </p:nvPr>
+        </p:nvSpPr>
+        <p:spPr/>
+        <p:txBody>
+          <a:bodyPr/>
+          <a:lstStyle/>
+          <a:p>
+            <a:r>
+              <a:rPr lang="en-AU" dirty="0" smtClean="0"/>
+              <a:t>Screenshot</a:t>
+            </a:r>
+            <a:endParaRPr lang="en-AU" dirty="0"/>
+          </a:p>
+        </p:txBody>
+      </p:sp>
+      <p:pic>
+        <p:nvPicPr>
+          <p:cNvPr id="9" name="Picture 2"/>
+          <p:cNvPicPr>
+            <a:picLocks noGrp="1" noChangeAspect="1" noChangeArrowheads="1"/>
+          </p:cNvPicPr>
+          <p:nvPr>
+            <p:ph sz="quarter" idx="4"/>
+          </p:nvPr>
+        </p:nvPicPr>
+        <p:blipFill>
+          <a:blip r:embed="rId2">
+            <a:extLst>
+              <a:ext uri="{28A0092B-C50C-407E-A947-70E740481C1C}">
+                <a14:useLocalDpi xmlns:a14="http://schemas.microsoft.com/office/drawing/2010/main" val="0"/>
+              </a:ext>
+            </a:extLst>
+          </a:blip>
+          <a:srcRect/>
+          <a:stretch>
+            <a:fillRect/>
+          </a:stretch>
+        </p:blipFill>
+        <p:spPr bwMode="auto">
+          <a:xfrm>
+            <a:off x="4645025" y="2464354"/>
+            <a:ext cx="4041775" cy="1295880"/>
+          </a:xfrm>
+          <a:prstGeom prst="rect">
+            <a:avLst/>
+          </a:prstGeom>
+          <a:noFill/>
+          <a:ln>
+            <a:noFill/>
+          </a:ln>
+          <a:effectLst/>
+          <a:extLst>
+            <a:ext uri="{909E8E84-426E-40DD-AFC4-6F175D3DCCD1}">
+              <a14:hiddenFill xmlns:a14="http://schemas.microsoft.com/office/drawing/2010/main">
+                <a:solidFill>
+                  <a:schemeClr val="accent1"/>
+                </a:solidFill>
+              </a14:hiddenFill>
+            </a:ext>
+            <a:ext uri="{91240B29-F687-4F45-9708-019B960494DF}">
+              <a14:hiddenLine xmlns:a14="http://schemas.microsoft.com/office/drawing/2010/main" w="9525">
+                <a:solidFill>
+                  <a:schemeClr val="tx1"/>
+                </a:solidFill>
+                <a:miter lim="800000"/>
+                <a:headEnd/>
+                <a:tailEnd/>
+              </a14:hiddenLine>
+            </a:ext>
+            <a:ext uri="{AF507438-7753-43E0-B8FC-AC1667EBCBE1}">
+              <a14:hiddenEffects xmlns:a14="http://schemas.microsoft.com/office/drawing/2010/main">
+                <a:effectLst>
+                  <a:outerShdw dist="35921" dir="2700000" algn="ctr" rotWithShape="0">
+                    <a:schemeClr val="bg2"/>
+                  </a:outerShdw>
+                </a:effectLst>
+              </a14:hiddenEffects>
+            </a:ext>
+          </a:extLst>
+        </p:spPr>
+      </p:pic>
+    </p:spTree>
+    <p:extLst>
+      <p:ext uri="{BB962C8B-B14F-4D97-AF65-F5344CB8AC3E}">
+        <p14:creationId xmlns:p14="http://schemas.microsoft.com/office/powerpoint/2010/main" val="1285358979"/>
+      </p:ext>
+    </p:extLst>
+  </p:cSld>
+  <p:clrMapOvr>
+    <a:masterClrMapping/>
+  </p:clrMapOvr>
+</p:sld>
+</file>
+
+<file path=ppt/slides/slide17.xml><?xml version="1.0" encoding="utf-8"?>
+<p:sld xmlns:a="http://schemas.openxmlformats.org/drawingml/2006/main" xmlns:r="http://schemas.openxmlformats.org/officeDocument/2006/relationships" xmlns:p="http://schemas.openxmlformats.org/presentationml/2006/main">
+  <p:cSld>
+    <p:spTree>
+      <p:nvGrpSpPr>
+        <p:cNvPr id="1" name=""/>
+        <p:cNvGrpSpPr/>
+        <p:nvPr/>
+      </p:nvGrpSpPr>
+      <p:grpSpPr>
+        <a:xfrm>
+          <a:off x="0" y="0"/>
+          <a:ext cx="0" cy="0"/>
+          <a:chOff x="0" y="0"/>
+          <a:chExt cx="0" cy="0"/>
+        </a:xfrm>
+      </p:grpSpPr>
+      <p:sp>
+        <p:nvSpPr>
           <p:cNvPr id="7" name="Title 6"/>
           <p:cNvSpPr>
             <a:spLocks noGrp="1"/>
@@ -5053,7 +5245,7 @@
 </p:sld>
 </file>
 
-<file path=ppt/slides/slide17.xml><?xml version="1.0" encoding="utf-8"?>
+<file path=ppt/slides/slide18.xml><?xml version="1.0" encoding="utf-8"?>
 <p:sld xmlns:a="http://schemas.openxmlformats.org/drawingml/2006/main" xmlns:r="http://schemas.openxmlformats.org/officeDocument/2006/relationships" xmlns:p="http://schemas.openxmlformats.org/presentationml/2006/main">
   <p:cSld>
     <p:spTree>
@@ -5257,7 +5449,7 @@
 </p:sld>
 </file>
 
-<file path=ppt/slides/slide18.xml><?xml version="1.0" encoding="utf-8"?>
+<file path=ppt/slides/slide19.xml><?xml version="1.0" encoding="utf-8"?>
 <p:sld xmlns:a="http://schemas.openxmlformats.org/drawingml/2006/main" xmlns:r="http://schemas.openxmlformats.org/officeDocument/2006/relationships" xmlns:p="http://schemas.openxmlformats.org/presentationml/2006/main">
   <p:cSld>
     <p:spTree>
@@ -5445,200 +5637,6 @@
 </p:sld>
 </file>
 
-<file path=ppt/slides/slide19.xml><?xml version="1.0" encoding="utf-8"?>
-<p:sld xmlns:a="http://schemas.openxmlformats.org/drawingml/2006/main" xmlns:r="http://schemas.openxmlformats.org/officeDocument/2006/relationships" xmlns:p="http://schemas.openxmlformats.org/presentationml/2006/main">
-  <p:cSld>
-    <p:spTree>
-      <p:nvGrpSpPr>
-        <p:cNvPr id="1" name=""/>
-        <p:cNvGrpSpPr/>
-        <p:nvPr/>
-      </p:nvGrpSpPr>
-      <p:grpSpPr>
-        <a:xfrm>
-          <a:off x="0" y="0"/>
-          <a:ext cx="0" cy="0"/>
-          <a:chOff x="0" y="0"/>
-          <a:chExt cx="0" cy="0"/>
-        </a:xfrm>
-      </p:grpSpPr>
-      <p:sp>
-        <p:nvSpPr>
-          <p:cNvPr id="2" name="Title 1"/>
-          <p:cNvSpPr>
-            <a:spLocks noGrp="1"/>
-          </p:cNvSpPr>
-          <p:nvPr>
-            <p:ph type="title"/>
-          </p:nvPr>
-        </p:nvSpPr>
-        <p:spPr/>
-        <p:txBody>
-          <a:bodyPr/>
-          <a:lstStyle/>
-          <a:p>
-            <a:r>
-              <a:rPr lang="en-AU" dirty="0" smtClean="0"/>
-              <a:t>Email Received</a:t>
-            </a:r>
-            <a:endParaRPr lang="en-AU" dirty="0"/>
-          </a:p>
-        </p:txBody>
-      </p:sp>
-      <p:sp>
-        <p:nvSpPr>
-          <p:cNvPr id="3" name="Text Placeholder 2"/>
-          <p:cNvSpPr>
-            <a:spLocks noGrp="1"/>
-          </p:cNvSpPr>
-          <p:nvPr>
-            <p:ph type="body" idx="1"/>
-          </p:nvPr>
-        </p:nvSpPr>
-        <p:spPr/>
-        <p:txBody>
-          <a:bodyPr/>
-          <a:lstStyle/>
-          <a:p>
-            <a:r>
-              <a:rPr lang="en-AU" dirty="0" smtClean="0"/>
-              <a:t>Issue/Fix</a:t>
-            </a:r>
-            <a:endParaRPr lang="en-AU" dirty="0"/>
-          </a:p>
-        </p:txBody>
-      </p:sp>
-      <p:sp>
-        <p:nvSpPr>
-          <p:cNvPr id="4" name="Content Placeholder 3"/>
-          <p:cNvSpPr>
-            <a:spLocks noGrp="1"/>
-          </p:cNvSpPr>
-          <p:nvPr>
-            <p:ph sz="half" idx="2"/>
-          </p:nvPr>
-        </p:nvSpPr>
-        <p:spPr/>
-        <p:txBody>
-          <a:bodyPr/>
-          <a:lstStyle/>
-          <a:p>
-            <a:r>
-              <a:rPr lang="en-AU" dirty="0" smtClean="0"/>
-              <a:t>Remove ‘[SPAM]’ from the subject line.</a:t>
-            </a:r>
-          </a:p>
-          <a:p>
-            <a:r>
-              <a:rPr lang="en-AU" dirty="0" smtClean="0"/>
-              <a:t>Change the bottom text to ‘Thankyou for using our Remote Labs’.</a:t>
-            </a:r>
-            <a:endParaRPr lang="en-AU" dirty="0"/>
-          </a:p>
-        </p:txBody>
-      </p:sp>
-      <p:sp>
-        <p:nvSpPr>
-          <p:cNvPr id="5" name="Text Placeholder 4"/>
-          <p:cNvSpPr>
-            <a:spLocks noGrp="1"/>
-          </p:cNvSpPr>
-          <p:nvPr>
-            <p:ph type="body" sz="quarter" idx="3"/>
-          </p:nvPr>
-        </p:nvSpPr>
-        <p:spPr/>
-        <p:txBody>
-          <a:bodyPr/>
-          <a:lstStyle/>
-          <a:p>
-            <a:r>
-              <a:rPr lang="en-AU" dirty="0" smtClean="0"/>
-              <a:t>Screenshot</a:t>
-            </a:r>
-            <a:endParaRPr lang="en-AU" dirty="0"/>
-          </a:p>
-        </p:txBody>
-      </p:sp>
-      <p:pic>
-        <p:nvPicPr>
-          <p:cNvPr id="10" name="Picture 3"/>
-          <p:cNvPicPr>
-            <a:picLocks noGrp="1" noChangeAspect="1" noChangeArrowheads="1"/>
-          </p:cNvPicPr>
-          <p:nvPr>
-            <p:ph sz="quarter" idx="4"/>
-          </p:nvPr>
-        </p:nvPicPr>
-        <p:blipFill>
-          <a:blip r:embed="rId2">
-            <a:extLst>
-              <a:ext uri="{28A0092B-C50C-407E-A947-70E740481C1C}">
-                <a14:useLocalDpi xmlns:a14="http://schemas.microsoft.com/office/drawing/2010/main" val="0"/>
-              </a:ext>
-            </a:extLst>
-          </a:blip>
-          <a:srcRect/>
-          <a:stretch>
-            <a:fillRect/>
-          </a:stretch>
-        </p:blipFill>
-        <p:spPr bwMode="auto">
-          <a:xfrm>
-            <a:off x="5075015" y="1816713"/>
-            <a:ext cx="3181794" cy="2591162"/>
-          </a:xfrm>
-          <a:prstGeom prst="rect">
-            <a:avLst/>
-          </a:prstGeom>
-          <a:noFill/>
-          <a:ln>
-            <a:noFill/>
-          </a:ln>
-          <a:effectLst/>
-          <a:extLst>
-            <a:ext uri="{909E8E84-426E-40DD-AFC4-6F175D3DCCD1}">
-              <a14:hiddenFill xmlns:a14="http://schemas.microsoft.com/office/drawing/2010/main">
-                <a:solidFill>
-                  <a:schemeClr val="accent1"/>
-                </a:solidFill>
-              </a14:hiddenFill>
-            </a:ext>
-            <a:ext uri="{91240B29-F687-4F45-9708-019B960494DF}">
-              <a14:hiddenLine xmlns:a14="http://schemas.microsoft.com/office/drawing/2010/main" w="9525">
-                <a:solidFill>
-                  <a:schemeClr val="tx1"/>
-                </a:solidFill>
-                <a:miter lim="800000"/>
-                <a:headEnd/>
-                <a:tailEnd/>
-              </a14:hiddenLine>
-            </a:ext>
-            <a:ext uri="{AF507438-7753-43E0-B8FC-AC1667EBCBE1}">
-              <a14:hiddenEffects xmlns:a14="http://schemas.microsoft.com/office/drawing/2010/main">
-                <a:effectLst>
-                  <a:outerShdw dist="35921" dir="2700000" algn="ctr" rotWithShape="0">
-                    <a:schemeClr val="bg2"/>
-                  </a:outerShdw>
-                </a:effectLst>
-              </a14:hiddenEffects>
-            </a:ext>
-          </a:extLst>
-        </p:spPr>
-      </p:pic>
-    </p:spTree>
-    <p:extLst>
-      <p:ext uri="{BB962C8B-B14F-4D97-AF65-F5344CB8AC3E}">
-        <p14:creationId xmlns:p14="http://schemas.microsoft.com/office/powerpoint/2010/main" val="669000019"/>
-      </p:ext>
-    </p:extLst>
-  </p:cSld>
-  <p:clrMapOvr>
-    <a:masterClrMapping/>
-  </p:clrMapOvr>
-</p:sld>
-</file>
-
 <file path=ppt/slides/slide2.xml><?xml version="1.0" encoding="utf-8"?>
 <p:sld xmlns:a="http://schemas.openxmlformats.org/drawingml/2006/main" xmlns:r="http://schemas.openxmlformats.org/officeDocument/2006/relationships" xmlns:p="http://schemas.openxmlformats.org/presentationml/2006/main">
   <p:cSld>
@@ -5955,6 +5953,200 @@
     <p:extLst>
       <p:ext uri="{BB962C8B-B14F-4D97-AF65-F5344CB8AC3E}">
         <p14:creationId xmlns:p14="http://schemas.microsoft.com/office/powerpoint/2010/main" val="4253475609"/>
+      </p:ext>
+    </p:extLst>
+  </p:cSld>
+  <p:clrMapOvr>
+    <a:masterClrMapping/>
+  </p:clrMapOvr>
+</p:sld>
+</file>
+
+<file path=ppt/slides/slide20.xml><?xml version="1.0" encoding="utf-8"?>
+<p:sld xmlns:a="http://schemas.openxmlformats.org/drawingml/2006/main" xmlns:r="http://schemas.openxmlformats.org/officeDocument/2006/relationships" xmlns:p="http://schemas.openxmlformats.org/presentationml/2006/main">
+  <p:cSld>
+    <p:spTree>
+      <p:nvGrpSpPr>
+        <p:cNvPr id="1" name=""/>
+        <p:cNvGrpSpPr/>
+        <p:nvPr/>
+      </p:nvGrpSpPr>
+      <p:grpSpPr>
+        <a:xfrm>
+          <a:off x="0" y="0"/>
+          <a:ext cx="0" cy="0"/>
+          <a:chOff x="0" y="0"/>
+          <a:chExt cx="0" cy="0"/>
+        </a:xfrm>
+      </p:grpSpPr>
+      <p:sp>
+        <p:nvSpPr>
+          <p:cNvPr id="2" name="Title 1"/>
+          <p:cNvSpPr>
+            <a:spLocks noGrp="1"/>
+          </p:cNvSpPr>
+          <p:nvPr>
+            <p:ph type="title"/>
+          </p:nvPr>
+        </p:nvSpPr>
+        <p:spPr/>
+        <p:txBody>
+          <a:bodyPr/>
+          <a:lstStyle/>
+          <a:p>
+            <a:r>
+              <a:rPr lang="en-AU" dirty="0" smtClean="0"/>
+              <a:t>Email Received</a:t>
+            </a:r>
+            <a:endParaRPr lang="en-AU" dirty="0"/>
+          </a:p>
+        </p:txBody>
+      </p:sp>
+      <p:sp>
+        <p:nvSpPr>
+          <p:cNvPr id="3" name="Text Placeholder 2"/>
+          <p:cNvSpPr>
+            <a:spLocks noGrp="1"/>
+          </p:cNvSpPr>
+          <p:nvPr>
+            <p:ph type="body" idx="1"/>
+          </p:nvPr>
+        </p:nvSpPr>
+        <p:spPr/>
+        <p:txBody>
+          <a:bodyPr/>
+          <a:lstStyle/>
+          <a:p>
+            <a:r>
+              <a:rPr lang="en-AU" dirty="0" smtClean="0"/>
+              <a:t>Issue/Fix</a:t>
+            </a:r>
+            <a:endParaRPr lang="en-AU" dirty="0"/>
+          </a:p>
+        </p:txBody>
+      </p:sp>
+      <p:sp>
+        <p:nvSpPr>
+          <p:cNvPr id="4" name="Content Placeholder 3"/>
+          <p:cNvSpPr>
+            <a:spLocks noGrp="1"/>
+          </p:cNvSpPr>
+          <p:nvPr>
+            <p:ph sz="half" idx="2"/>
+          </p:nvPr>
+        </p:nvSpPr>
+        <p:spPr/>
+        <p:txBody>
+          <a:bodyPr/>
+          <a:lstStyle/>
+          <a:p>
+            <a:r>
+              <a:rPr lang="en-AU" dirty="0" smtClean="0"/>
+              <a:t>Remove ‘[SPAM]’ from the subject line.</a:t>
+            </a:r>
+          </a:p>
+          <a:p>
+            <a:r>
+              <a:rPr lang="en-AU" dirty="0" smtClean="0"/>
+              <a:t>Change the bottom text to ‘Thankyou for using our Remote Labs’.</a:t>
+            </a:r>
+            <a:endParaRPr lang="en-AU" dirty="0"/>
+          </a:p>
+        </p:txBody>
+      </p:sp>
+      <p:sp>
+        <p:nvSpPr>
+          <p:cNvPr id="5" name="Text Placeholder 4"/>
+          <p:cNvSpPr>
+            <a:spLocks noGrp="1"/>
+          </p:cNvSpPr>
+          <p:nvPr>
+            <p:ph type="body" sz="quarter" idx="3"/>
+          </p:nvPr>
+        </p:nvSpPr>
+        <p:spPr/>
+        <p:txBody>
+          <a:bodyPr/>
+          <a:lstStyle/>
+          <a:p>
+            <a:r>
+              <a:rPr lang="en-AU" dirty="0" smtClean="0"/>
+              <a:t>Screenshot</a:t>
+            </a:r>
+            <a:endParaRPr lang="en-AU" dirty="0"/>
+          </a:p>
+        </p:txBody>
+      </p:sp>
+      <p:pic>
+        <p:nvPicPr>
+          <p:cNvPr id="10" name="Picture 3"/>
+          <p:cNvPicPr>
+            <a:picLocks noGrp="1" noChangeAspect="1" noChangeArrowheads="1"/>
+          </p:cNvPicPr>
+          <p:nvPr>
+            <p:ph sz="quarter" idx="4"/>
+          </p:nvPr>
+        </p:nvPicPr>
+        <p:blipFill>
+          <a:blip r:embed="rId2">
+            <a:extLst>
+              <a:ext uri="{28A0092B-C50C-407E-A947-70E740481C1C}">
+                <a14:useLocalDpi xmlns:a14="http://schemas.microsoft.com/office/drawing/2010/main" val="0"/>
+              </a:ext>
+            </a:extLst>
+          </a:blip>
+          <a:srcRect/>
+          <a:stretch>
+            <a:fillRect/>
+          </a:stretch>
+        </p:blipFill>
+        <p:spPr bwMode="auto">
+          <a:xfrm>
+            <a:off x="5075015" y="1816713"/>
+            <a:ext cx="3181794" cy="2591162"/>
+          </a:xfrm>
+          <a:prstGeom prst="rect">
+            <a:avLst/>
+          </a:prstGeom>
+          <a:noFill/>
+          <a:ln>
+            <a:noFill/>
+          </a:ln>
+          <a:effectLst/>
+          <a:extLst>
+            <a:ext uri="{909E8E84-426E-40DD-AFC4-6F175D3DCCD1}">
+              <a14:hiddenFill xmlns:a14="http://schemas.microsoft.com/office/drawing/2010/main">
+                <a:solidFill>
+                  <a:schemeClr val="accent1"/>
+                </a:solidFill>
+              </a14:hiddenFill>
+            </a:ext>
+            <a:ext uri="{91240B29-F687-4F45-9708-019B960494DF}">
+              <a14:hiddenLine xmlns:a14="http://schemas.microsoft.com/office/drawing/2010/main" w="9525">
+                <a:solidFill>
+                  <a:schemeClr val="tx1"/>
+                </a:solidFill>
+                <a:miter lim="800000"/>
+                <a:headEnd/>
+                <a:tailEnd/>
+              </a14:hiddenLine>
+            </a:ext>
+            <a:ext uri="{AF507438-7753-43E0-B8FC-AC1667EBCBE1}">
+              <a14:hiddenEffects xmlns:a14="http://schemas.microsoft.com/office/drawing/2010/main">
+                <a:effectLst>
+                  <a:outerShdw dist="35921" dir="2700000" algn="ctr" rotWithShape="0">
+                    <a:schemeClr val="bg2"/>
+                  </a:outerShdw>
+                </a:effectLst>
+              </a14:hiddenEffects>
+            </a:ext>
+          </a:extLst>
+        </p:spPr>
+      </p:pic>
+    </p:spTree>
+    <p:extLst>
+      <p:ext uri="{BB962C8B-B14F-4D97-AF65-F5344CB8AC3E}">
+        <p14:creationId xmlns:p14="http://schemas.microsoft.com/office/powerpoint/2010/main" val="669000019"/>
       </p:ext>
     </p:extLst>
   </p:cSld>

--- a/remotelab/Remote Labs Suggested Changes.pptx
+++ b/remotelab/Remote Labs Suggested Changes.pptx
@@ -5,7 +5,7 @@
     <p:sldMasterId id="2147483816" r:id="rId1"/>
   </p:sldMasterIdLst>
   <p:notesMasterIdLst>
-    <p:notesMasterId r:id="rId22"/>
+    <p:notesMasterId r:id="rId23"/>
   </p:notesMasterIdLst>
   <p:sldIdLst>
     <p:sldId id="256" r:id="rId2"/>
@@ -23,11 +23,12 @@
     <p:sldId id="275" r:id="rId14"/>
     <p:sldId id="269" r:id="rId15"/>
     <p:sldId id="274" r:id="rId16"/>
-    <p:sldId id="276" r:id="rId17"/>
-    <p:sldId id="266" r:id="rId18"/>
-    <p:sldId id="257" r:id="rId19"/>
-    <p:sldId id="258" r:id="rId20"/>
-    <p:sldId id="259" r:id="rId21"/>
+    <p:sldId id="278" r:id="rId17"/>
+    <p:sldId id="276" r:id="rId18"/>
+    <p:sldId id="266" r:id="rId19"/>
+    <p:sldId id="257" r:id="rId20"/>
+    <p:sldId id="258" r:id="rId21"/>
+    <p:sldId id="259" r:id="rId22"/>
   </p:sldIdLst>
   <p:sldSz cx="9144000" cy="5143500" type="screen16x9"/>
   <p:notesSz cx="6858000" cy="9144000"/>
@@ -154,6 +155,7 @@
           <p14:sldIdLst>
             <p14:sldId id="269"/>
             <p14:sldId id="274"/>
+            <p14:sldId id="278"/>
             <p14:sldId id="276"/>
           </p14:sldIdLst>
         </p14:section>
@@ -253,7 +255,7 @@
           <a:p>
             <a:fld id="{04C8B89A-83BF-4366-AFC3-D23A2FFEFF0B}" type="datetimeFigureOut">
               <a:rPr lang="en-AU" smtClean="0"/>
-              <a:t>2/11/2017</a:t>
+              <a:t>6/11/2017</a:t>
             </a:fld>
             <a:endParaRPr lang="en-AU"/>
           </a:p>
@@ -589,7 +591,7 @@
           <a:p>
             <a:fld id="{54ECEB73-A4F9-4F7A-867E-E1B1C8313477}" type="slidenum">
               <a:rPr lang="en-AU" smtClean="0"/>
-              <a:t>17</a:t>
+              <a:t>18</a:t>
             </a:fld>
             <a:endParaRPr lang="en-AU"/>
           </a:p>
@@ -676,7 +678,7 @@
           <a:p>
             <a:fld id="{54ECEB73-A4F9-4F7A-867E-E1B1C8313477}" type="slidenum">
               <a:rPr lang="en-AU" smtClean="0"/>
-              <a:t>18</a:t>
+              <a:t>19</a:t>
             </a:fld>
             <a:endParaRPr lang="en-AU"/>
           </a:p>
@@ -876,7 +878,7 @@
           <a:p>
             <a:fld id="{3E244392-4831-4AE8-B9A0-B24F4427A277}" type="datetimeFigureOut">
               <a:rPr lang="en-AU" smtClean="0"/>
-              <a:t>2/11/2017</a:t>
+              <a:t>6/11/2017</a:t>
             </a:fld>
             <a:endParaRPr lang="en-AU"/>
           </a:p>
@@ -1046,7 +1048,7 @@
           <a:p>
             <a:fld id="{3E244392-4831-4AE8-B9A0-B24F4427A277}" type="datetimeFigureOut">
               <a:rPr lang="en-AU" smtClean="0"/>
-              <a:t>2/11/2017</a:t>
+              <a:t>6/11/2017</a:t>
             </a:fld>
             <a:endParaRPr lang="en-AU"/>
           </a:p>
@@ -1226,7 +1228,7 @@
           <a:p>
             <a:fld id="{3E244392-4831-4AE8-B9A0-B24F4427A277}" type="datetimeFigureOut">
               <a:rPr lang="en-AU" smtClean="0"/>
-              <a:t>2/11/2017</a:t>
+              <a:t>6/11/2017</a:t>
             </a:fld>
             <a:endParaRPr lang="en-AU"/>
           </a:p>
@@ -1396,7 +1398,7 @@
           <a:p>
             <a:fld id="{3E244392-4831-4AE8-B9A0-B24F4427A277}" type="datetimeFigureOut">
               <a:rPr lang="en-AU" smtClean="0"/>
-              <a:t>2/11/2017</a:t>
+              <a:t>6/11/2017</a:t>
             </a:fld>
             <a:endParaRPr lang="en-AU"/>
           </a:p>
@@ -1642,7 +1644,7 @@
           <a:p>
             <a:fld id="{3E244392-4831-4AE8-B9A0-B24F4427A277}" type="datetimeFigureOut">
               <a:rPr lang="en-AU" smtClean="0"/>
-              <a:t>2/11/2017</a:t>
+              <a:t>6/11/2017</a:t>
             </a:fld>
             <a:endParaRPr lang="en-AU"/>
           </a:p>
@@ -1930,7 +1932,7 @@
           <a:p>
             <a:fld id="{3E244392-4831-4AE8-B9A0-B24F4427A277}" type="datetimeFigureOut">
               <a:rPr lang="en-AU" smtClean="0"/>
-              <a:t>2/11/2017</a:t>
+              <a:t>6/11/2017</a:t>
             </a:fld>
             <a:endParaRPr lang="en-AU"/>
           </a:p>
@@ -2352,7 +2354,7 @@
           <a:p>
             <a:fld id="{3E244392-4831-4AE8-B9A0-B24F4427A277}" type="datetimeFigureOut">
               <a:rPr lang="en-AU" smtClean="0"/>
-              <a:t>2/11/2017</a:t>
+              <a:t>6/11/2017</a:t>
             </a:fld>
             <a:endParaRPr lang="en-AU"/>
           </a:p>
@@ -2470,7 +2472,7 @@
           <a:p>
             <a:fld id="{3E244392-4831-4AE8-B9A0-B24F4427A277}" type="datetimeFigureOut">
               <a:rPr lang="en-AU" smtClean="0"/>
-              <a:t>2/11/2017</a:t>
+              <a:t>6/11/2017</a:t>
             </a:fld>
             <a:endParaRPr lang="en-AU"/>
           </a:p>
@@ -2565,7 +2567,7 @@
           <a:p>
             <a:fld id="{3E244392-4831-4AE8-B9A0-B24F4427A277}" type="datetimeFigureOut">
               <a:rPr lang="en-AU" smtClean="0"/>
-              <a:t>2/11/2017</a:t>
+              <a:t>6/11/2017</a:t>
             </a:fld>
             <a:endParaRPr lang="en-AU"/>
           </a:p>
@@ -2842,7 +2844,7 @@
           <a:p>
             <a:fld id="{3E244392-4831-4AE8-B9A0-B24F4427A277}" type="datetimeFigureOut">
               <a:rPr lang="en-AU" smtClean="0"/>
-              <a:t>2/11/2017</a:t>
+              <a:t>6/11/2017</a:t>
             </a:fld>
             <a:endParaRPr lang="en-AU"/>
           </a:p>
@@ -3095,7 +3097,7 @@
           <a:p>
             <a:fld id="{3E244392-4831-4AE8-B9A0-B24F4427A277}" type="datetimeFigureOut">
               <a:rPr lang="en-AU" smtClean="0"/>
-              <a:t>2/11/2017</a:t>
+              <a:t>6/11/2017</a:t>
             </a:fld>
             <a:endParaRPr lang="en-AU"/>
           </a:p>
@@ -3308,7 +3310,7 @@
           <a:p>
             <a:fld id="{3E244392-4831-4AE8-B9A0-B24F4427A277}" type="datetimeFigureOut">
               <a:rPr lang="en-AU" smtClean="0"/>
-              <a:t>2/11/2017</a:t>
+              <a:t>6/11/2017</a:t>
             </a:fld>
             <a:endParaRPr lang="en-AU"/>
           </a:p>
@@ -4897,7 +4899,7 @@
           <a:p>
             <a:r>
               <a:rPr lang="en-AU" dirty="0" smtClean="0"/>
-              <a:t>Lab Finished</a:t>
+              <a:t>Webcam and Screen share Conflict</a:t>
             </a:r>
             <a:endParaRPr lang="en-AU" dirty="0"/>
           </a:p>
@@ -4943,11 +4945,7 @@
           <a:p>
             <a:r>
               <a:rPr lang="en-AU" dirty="0" smtClean="0"/>
-              <a:t>Exiting a lab does not require a popup </a:t>
-            </a:r>
-            <a:r>
-              <a:rPr lang="en-AU" smtClean="0"/>
-              <a:t>module confirmation. </a:t>
+              <a:t>Enabling the webcam and screen share should NOT push the screen share view down.</a:t>
             </a:r>
             <a:endParaRPr lang="en-AU" dirty="0"/>
           </a:p>
@@ -4978,7 +4976,7 @@
       </p:sp>
       <p:pic>
         <p:nvPicPr>
-          <p:cNvPr id="9" name="Picture 2"/>
+          <p:cNvPr id="3076" name="Picture 4"/>
           <p:cNvPicPr>
             <a:picLocks noGrp="1" noChangeAspect="1" noChangeArrowheads="1"/>
           </p:cNvPicPr>
@@ -4987,7 +4985,7 @@
           </p:nvPr>
         </p:nvPicPr>
         <p:blipFill>
-          <a:blip r:embed="rId2">
+          <a:blip r:embed="rId2" cstate="print">
             <a:extLst>
               <a:ext uri="{28A0092B-C50C-407E-A947-70E740481C1C}">
                 <a14:useLocalDpi xmlns:a14="http://schemas.microsoft.com/office/drawing/2010/main" val="0"/>
@@ -5001,8 +4999,8 @@
         </p:blipFill>
         <p:spPr bwMode="auto">
           <a:xfrm>
-            <a:off x="4645025" y="2464354"/>
-            <a:ext cx="4041775" cy="1295880"/>
+            <a:off x="4645025" y="2195590"/>
+            <a:ext cx="4041775" cy="1833407"/>
           </a:xfrm>
           <a:prstGeom prst="rect">
             <a:avLst/>
@@ -5045,6 +5043,187 @@
     </p:spTree>
     <p:extLst>
       <p:ext uri="{BB962C8B-B14F-4D97-AF65-F5344CB8AC3E}">
+        <p14:creationId xmlns:p14="http://schemas.microsoft.com/office/powerpoint/2010/main" val="2128509646"/>
+      </p:ext>
+    </p:extLst>
+  </p:cSld>
+  <p:clrMapOvr>
+    <a:masterClrMapping/>
+  </p:clrMapOvr>
+</p:sld>
+</file>
+
+<file path=ppt/slides/slide17.xml><?xml version="1.0" encoding="utf-8"?>
+<p:sld xmlns:a="http://schemas.openxmlformats.org/drawingml/2006/main" xmlns:r="http://schemas.openxmlformats.org/officeDocument/2006/relationships" xmlns:p="http://schemas.openxmlformats.org/presentationml/2006/main">
+  <p:cSld>
+    <p:spTree>
+      <p:nvGrpSpPr>
+        <p:cNvPr id="1" name=""/>
+        <p:cNvGrpSpPr/>
+        <p:nvPr/>
+      </p:nvGrpSpPr>
+      <p:grpSpPr>
+        <a:xfrm>
+          <a:off x="0" y="0"/>
+          <a:ext cx="0" cy="0"/>
+          <a:chOff x="0" y="0"/>
+          <a:chExt cx="0" cy="0"/>
+        </a:xfrm>
+      </p:grpSpPr>
+      <p:sp>
+        <p:nvSpPr>
+          <p:cNvPr id="2" name="Title 1"/>
+          <p:cNvSpPr>
+            <a:spLocks noGrp="1"/>
+          </p:cNvSpPr>
+          <p:nvPr>
+            <p:ph type="title"/>
+          </p:nvPr>
+        </p:nvSpPr>
+        <p:spPr/>
+        <p:txBody>
+          <a:bodyPr>
+            <a:normAutofit/>
+          </a:bodyPr>
+          <a:lstStyle/>
+          <a:p>
+            <a:r>
+              <a:rPr lang="en-AU" dirty="0" smtClean="0"/>
+              <a:t>Screen Resizing</a:t>
+            </a:r>
+            <a:endParaRPr lang="en-AU" dirty="0"/>
+          </a:p>
+        </p:txBody>
+      </p:sp>
+      <p:sp>
+        <p:nvSpPr>
+          <p:cNvPr id="3" name="Text Placeholder 2"/>
+          <p:cNvSpPr>
+            <a:spLocks noGrp="1"/>
+          </p:cNvSpPr>
+          <p:nvPr>
+            <p:ph type="body" idx="1"/>
+          </p:nvPr>
+        </p:nvSpPr>
+        <p:spPr/>
+        <p:txBody>
+          <a:bodyPr/>
+          <a:lstStyle/>
+          <a:p>
+            <a:r>
+              <a:rPr lang="en-AU" dirty="0" smtClean="0"/>
+              <a:t>Issue/Fix</a:t>
+            </a:r>
+            <a:endParaRPr lang="en-AU" dirty="0"/>
+          </a:p>
+        </p:txBody>
+      </p:sp>
+      <p:sp>
+        <p:nvSpPr>
+          <p:cNvPr id="4" name="Content Placeholder 3"/>
+          <p:cNvSpPr>
+            <a:spLocks noGrp="1"/>
+          </p:cNvSpPr>
+          <p:nvPr>
+            <p:ph sz="half" idx="2"/>
+          </p:nvPr>
+        </p:nvSpPr>
+        <p:spPr/>
+        <p:txBody>
+          <a:bodyPr/>
+          <a:lstStyle/>
+          <a:p>
+            <a:r>
+              <a:rPr lang="en-AU" dirty="0" smtClean="0"/>
+              <a:t>The VNC screen should resize depending on how small the screen is.</a:t>
+            </a:r>
+          </a:p>
+          <a:p>
+            <a:r>
+              <a:rPr lang="en-AU" dirty="0" smtClean="0"/>
+              <a:t>Add a 100% width on the screen / </a:t>
+            </a:r>
+            <a:r>
+              <a:rPr lang="en-AU" dirty="0" err="1" smtClean="0"/>
+              <a:t>Teamviewer</a:t>
+            </a:r>
+            <a:r>
+              <a:rPr lang="en-AU" dirty="0" smtClean="0"/>
+              <a:t> might be able to take care of it.</a:t>
+            </a:r>
+            <a:endParaRPr lang="en-AU" dirty="0"/>
+          </a:p>
+        </p:txBody>
+      </p:sp>
+      <p:sp>
+        <p:nvSpPr>
+          <p:cNvPr id="5" name="Text Placeholder 4"/>
+          <p:cNvSpPr>
+            <a:spLocks noGrp="1"/>
+          </p:cNvSpPr>
+          <p:nvPr>
+            <p:ph type="body" sz="quarter" idx="3"/>
+          </p:nvPr>
+        </p:nvSpPr>
+        <p:spPr/>
+        <p:txBody>
+          <a:bodyPr/>
+          <a:lstStyle/>
+          <a:p>
+            <a:r>
+              <a:rPr lang="en-AU" dirty="0" smtClean="0"/>
+              <a:t>Screenshot</a:t>
+            </a:r>
+            <a:endParaRPr lang="en-AU" dirty="0"/>
+          </a:p>
+        </p:txBody>
+      </p:sp>
+      <p:pic>
+        <p:nvPicPr>
+          <p:cNvPr id="1026" name="Picture 2" descr="https://scontent.fmel5-1.fna.fbcdn.net/v/t34.0-12/23316185_2138593389499939_1362734395_n.jpg?oh=5e13ebdcfb3111d6bc431330b7edf5e9&amp;oe=5A01C76F"/>
+          <p:cNvPicPr>
+            <a:picLocks noGrp="1" noChangeAspect="1" noChangeArrowheads="1"/>
+          </p:cNvPicPr>
+          <p:nvPr>
+            <p:ph sz="quarter" idx="4"/>
+          </p:nvPr>
+        </p:nvPicPr>
+        <p:blipFill>
+          <a:blip r:embed="rId2" cstate="print">
+            <a:extLst>
+              <a:ext uri="{28A0092B-C50C-407E-A947-70E740481C1C}">
+                <a14:useLocalDpi xmlns:a14="http://schemas.microsoft.com/office/drawing/2010/main" val="0"/>
+              </a:ext>
+            </a:extLst>
+          </a:blip>
+          <a:srcRect/>
+          <a:stretch>
+            <a:fillRect/>
+          </a:stretch>
+        </p:blipFill>
+        <p:spPr bwMode="auto">
+          <a:xfrm>
+            <a:off x="5945529" y="1630363"/>
+            <a:ext cx="1440766" cy="2963862"/>
+          </a:xfrm>
+          <a:prstGeom prst="rect">
+            <a:avLst/>
+          </a:prstGeom>
+          <a:noFill/>
+          <a:extLst>
+            <a:ext uri="{909E8E84-426E-40DD-AFC4-6F175D3DCCD1}">
+              <a14:hiddenFill xmlns:a14="http://schemas.microsoft.com/office/drawing/2010/main">
+                <a:solidFill>
+                  <a:srgbClr val="FFFFFF"/>
+                </a:solidFill>
+              </a14:hiddenFill>
+            </a:ext>
+          </a:extLst>
+        </p:spPr>
+      </p:pic>
+    </p:spTree>
+    <p:extLst>
+      <p:ext uri="{BB962C8B-B14F-4D97-AF65-F5344CB8AC3E}">
         <p14:creationId xmlns:p14="http://schemas.microsoft.com/office/powerpoint/2010/main" val="1285358979"/>
       </p:ext>
     </p:extLst>
@@ -5055,7 +5234,7 @@
 </p:sld>
 </file>
 
-<file path=ppt/slides/slide17.xml><?xml version="1.0" encoding="utf-8"?>
+<file path=ppt/slides/slide18.xml><?xml version="1.0" encoding="utf-8"?>
 <p:sld xmlns:a="http://schemas.openxmlformats.org/drawingml/2006/main" xmlns:r="http://schemas.openxmlformats.org/officeDocument/2006/relationships" xmlns:p="http://schemas.openxmlformats.org/presentationml/2006/main">
   <p:cSld>
     <p:spTree>
@@ -5245,7 +5424,7 @@
 </p:sld>
 </file>
 
-<file path=ppt/slides/slide18.xml><?xml version="1.0" encoding="utf-8"?>
+<file path=ppt/slides/slide19.xml><?xml version="1.0" encoding="utf-8"?>
 <p:sld xmlns:a="http://schemas.openxmlformats.org/drawingml/2006/main" xmlns:r="http://schemas.openxmlformats.org/officeDocument/2006/relationships" xmlns:p="http://schemas.openxmlformats.org/presentationml/2006/main">
   <p:cSld>
     <p:spTree>
@@ -5449,7 +5628,332 @@
 </p:sld>
 </file>
 
-<file path=ppt/slides/slide19.xml><?xml version="1.0" encoding="utf-8"?>
+<file path=ppt/slides/slide2.xml><?xml version="1.0" encoding="utf-8"?>
+<p:sld xmlns:a="http://schemas.openxmlformats.org/drawingml/2006/main" xmlns:r="http://schemas.openxmlformats.org/officeDocument/2006/relationships" xmlns:p="http://schemas.openxmlformats.org/presentationml/2006/main">
+  <p:cSld>
+    <p:spTree>
+      <p:nvGrpSpPr>
+        <p:cNvPr id="1" name=""/>
+        <p:cNvGrpSpPr/>
+        <p:nvPr/>
+      </p:nvGrpSpPr>
+      <p:grpSpPr>
+        <a:xfrm>
+          <a:off x="0" y="0"/>
+          <a:ext cx="0" cy="0"/>
+          <a:chOff x="0" y="0"/>
+          <a:chExt cx="0" cy="0"/>
+        </a:xfrm>
+      </p:grpSpPr>
+      <p:sp>
+        <p:nvSpPr>
+          <p:cNvPr id="2" name="Title 1"/>
+          <p:cNvSpPr>
+            <a:spLocks noGrp="1"/>
+          </p:cNvSpPr>
+          <p:nvPr>
+            <p:ph type="title"/>
+          </p:nvPr>
+        </p:nvSpPr>
+        <p:spPr/>
+        <p:txBody>
+          <a:bodyPr/>
+          <a:lstStyle/>
+          <a:p>
+            <a:r>
+              <a:rPr lang="en-AU" dirty="0" smtClean="0"/>
+              <a:t>Homepage Description</a:t>
+            </a:r>
+            <a:endParaRPr lang="en-AU" dirty="0"/>
+          </a:p>
+        </p:txBody>
+      </p:sp>
+      <p:sp>
+        <p:nvSpPr>
+          <p:cNvPr id="3" name="Text Placeholder 2"/>
+          <p:cNvSpPr>
+            <a:spLocks noGrp="1"/>
+          </p:cNvSpPr>
+          <p:nvPr>
+            <p:ph type="body" idx="1"/>
+          </p:nvPr>
+        </p:nvSpPr>
+        <p:spPr/>
+        <p:txBody>
+          <a:bodyPr/>
+          <a:lstStyle/>
+          <a:p>
+            <a:r>
+              <a:rPr lang="en-AU" dirty="0" smtClean="0"/>
+              <a:t>Issue/Fix</a:t>
+            </a:r>
+            <a:endParaRPr lang="en-AU" dirty="0"/>
+          </a:p>
+        </p:txBody>
+      </p:sp>
+      <p:sp>
+        <p:nvSpPr>
+          <p:cNvPr id="4" name="Content Placeholder 3"/>
+          <p:cNvSpPr>
+            <a:spLocks noGrp="1"/>
+          </p:cNvSpPr>
+          <p:nvPr>
+            <p:ph sz="half" idx="2"/>
+          </p:nvPr>
+        </p:nvSpPr>
+        <p:spPr/>
+        <p:txBody>
+          <a:bodyPr/>
+          <a:lstStyle/>
+          <a:p>
+            <a:r>
+              <a:rPr lang="en-AU" dirty="0" smtClean="0"/>
+              <a:t>Dot points needed to be added to the options available for a lab.</a:t>
+            </a:r>
+            <a:endParaRPr lang="en-AU" dirty="0"/>
+          </a:p>
+        </p:txBody>
+      </p:sp>
+      <p:sp>
+        <p:nvSpPr>
+          <p:cNvPr id="5" name="Text Placeholder 4"/>
+          <p:cNvSpPr>
+            <a:spLocks noGrp="1"/>
+          </p:cNvSpPr>
+          <p:nvPr>
+            <p:ph type="body" sz="quarter" idx="3"/>
+          </p:nvPr>
+        </p:nvSpPr>
+        <p:spPr/>
+        <p:txBody>
+          <a:bodyPr/>
+          <a:lstStyle/>
+          <a:p>
+            <a:r>
+              <a:rPr lang="en-AU" dirty="0"/>
+              <a:t>Screenshot</a:t>
+            </a:r>
+          </a:p>
+        </p:txBody>
+      </p:sp>
+      <p:pic>
+        <p:nvPicPr>
+          <p:cNvPr id="3075" name="Picture 3"/>
+          <p:cNvPicPr>
+            <a:picLocks noGrp="1" noChangeAspect="1" noChangeArrowheads="1"/>
+          </p:cNvPicPr>
+          <p:nvPr>
+            <p:ph sz="quarter" idx="4"/>
+          </p:nvPr>
+        </p:nvPicPr>
+        <p:blipFill>
+          <a:blip r:embed="rId2">
+            <a:extLst>
+              <a:ext uri="{28A0092B-C50C-407E-A947-70E740481C1C}">
+                <a14:useLocalDpi xmlns:a14="http://schemas.microsoft.com/office/drawing/2010/main" val="0"/>
+              </a:ext>
+            </a:extLst>
+          </a:blip>
+          <a:srcRect/>
+          <a:stretch>
+            <a:fillRect/>
+          </a:stretch>
+        </p:blipFill>
+        <p:spPr bwMode="auto">
+          <a:xfrm>
+            <a:off x="4644008" y="2074145"/>
+            <a:ext cx="4041775" cy="209573"/>
+          </a:xfrm>
+          <a:prstGeom prst="rect">
+            <a:avLst/>
+          </a:prstGeom>
+          <a:noFill/>
+          <a:ln>
+            <a:noFill/>
+          </a:ln>
+          <a:effectLst/>
+          <a:extLst>
+            <a:ext uri="{909E8E84-426E-40DD-AFC4-6F175D3DCCD1}">
+              <a14:hiddenFill xmlns:a14="http://schemas.microsoft.com/office/drawing/2010/main">
+                <a:solidFill>
+                  <a:schemeClr val="accent1"/>
+                </a:solidFill>
+              </a14:hiddenFill>
+            </a:ext>
+            <a:ext uri="{91240B29-F687-4F45-9708-019B960494DF}">
+              <a14:hiddenLine xmlns:a14="http://schemas.microsoft.com/office/drawing/2010/main" w="9525">
+                <a:solidFill>
+                  <a:schemeClr val="tx1"/>
+                </a:solidFill>
+                <a:miter lim="800000"/>
+                <a:headEnd/>
+                <a:tailEnd/>
+              </a14:hiddenLine>
+            </a:ext>
+            <a:ext uri="{AF507438-7753-43E0-B8FC-AC1667EBCBE1}">
+              <a14:hiddenEffects xmlns:a14="http://schemas.microsoft.com/office/drawing/2010/main">
+                <a:effectLst>
+                  <a:outerShdw dist="35921" dir="2700000" algn="ctr" rotWithShape="0">
+                    <a:schemeClr val="bg2"/>
+                  </a:outerShdw>
+                </a:effectLst>
+              </a14:hiddenEffects>
+            </a:ext>
+          </a:extLst>
+        </p:spPr>
+      </p:pic>
+      <p:sp>
+        <p:nvSpPr>
+          <p:cNvPr id="7" name="TextBox 6"/>
+          <p:cNvSpPr txBox="1"/>
+          <p:nvPr/>
+        </p:nvSpPr>
+        <p:spPr>
+          <a:xfrm>
+            <a:off x="4644008" y="1635646"/>
+            <a:ext cx="2808312" cy="369332"/>
+          </a:xfrm>
+          <a:prstGeom prst="rect">
+            <a:avLst/>
+          </a:prstGeom>
+          <a:noFill/>
+        </p:spPr>
+        <p:txBody>
+          <a:bodyPr wrap="square" rtlCol="0">
+            <a:spAutoFit/>
+          </a:bodyPr>
+          <a:lstStyle/>
+          <a:p>
+            <a:r>
+              <a:rPr lang="en-AU" dirty="0" smtClean="0">
+                <a:solidFill>
+                  <a:srgbClr val="FF0000"/>
+                </a:solidFill>
+              </a:rPr>
+              <a:t>Before</a:t>
+            </a:r>
+            <a:endParaRPr lang="en-AU" dirty="0">
+              <a:solidFill>
+                <a:srgbClr val="FF0000"/>
+              </a:solidFill>
+            </a:endParaRPr>
+          </a:p>
+        </p:txBody>
+      </p:sp>
+      <p:pic>
+        <p:nvPicPr>
+          <p:cNvPr id="3076" name="Picture 4"/>
+          <p:cNvPicPr>
+            <a:picLocks noChangeAspect="1" noChangeArrowheads="1"/>
+          </p:cNvPicPr>
+          <p:nvPr/>
+        </p:nvPicPr>
+        <p:blipFill rotWithShape="1">
+          <a:blip r:embed="rId3">
+            <a:extLst>
+              <a:ext uri="{28A0092B-C50C-407E-A947-70E740481C1C}">
+                <a14:useLocalDpi xmlns:a14="http://schemas.microsoft.com/office/drawing/2010/main" val="0"/>
+              </a:ext>
+            </a:extLst>
+          </a:blip>
+          <a:srcRect l="19003" r="72447"/>
+          <a:stretch/>
+        </p:blipFill>
+        <p:spPr bwMode="auto">
+          <a:xfrm>
+            <a:off x="4655510" y="3003797"/>
+            <a:ext cx="746637" cy="1302047"/>
+          </a:xfrm>
+          <a:prstGeom prst="rect">
+            <a:avLst/>
+          </a:prstGeom>
+          <a:noFill/>
+          <a:ln>
+            <a:noFill/>
+          </a:ln>
+          <a:effectLst/>
+          <a:extLst>
+            <a:ext uri="{909E8E84-426E-40DD-AFC4-6F175D3DCCD1}">
+              <a14:hiddenFill xmlns:a14="http://schemas.microsoft.com/office/drawing/2010/main">
+                <a:solidFill>
+                  <a:schemeClr val="accent1"/>
+                </a:solidFill>
+              </a14:hiddenFill>
+            </a:ext>
+            <a:ext uri="{91240B29-F687-4F45-9708-019B960494DF}">
+              <a14:hiddenLine xmlns:a14="http://schemas.microsoft.com/office/drawing/2010/main" w="9525">
+                <a:solidFill>
+                  <a:schemeClr val="tx1"/>
+                </a:solidFill>
+                <a:miter lim="800000"/>
+                <a:headEnd/>
+                <a:tailEnd/>
+              </a14:hiddenLine>
+            </a:ext>
+            <a:ext uri="{AF507438-7753-43E0-B8FC-AC1667EBCBE1}">
+              <a14:hiddenEffects xmlns:a14="http://schemas.microsoft.com/office/drawing/2010/main">
+                <a:effectLst>
+                  <a:outerShdw dist="35921" dir="2700000" algn="ctr" rotWithShape="0">
+                    <a:schemeClr val="bg2"/>
+                  </a:outerShdw>
+                </a:effectLst>
+              </a14:hiddenEffects>
+            </a:ext>
+          </a:extLst>
+        </p:spPr>
+      </p:pic>
+      <p:sp>
+        <p:nvSpPr>
+          <p:cNvPr id="12" name="TextBox 11"/>
+          <p:cNvSpPr txBox="1"/>
+          <p:nvPr/>
+        </p:nvSpPr>
+        <p:spPr>
+          <a:xfrm>
+            <a:off x="4644008" y="2634466"/>
+            <a:ext cx="2808312" cy="369332"/>
+          </a:xfrm>
+          <a:prstGeom prst="rect">
+            <a:avLst/>
+          </a:prstGeom>
+          <a:noFill/>
+        </p:spPr>
+        <p:txBody>
+          <a:bodyPr wrap="square" rtlCol="0">
+            <a:spAutoFit/>
+          </a:bodyPr>
+          <a:lstStyle/>
+          <a:p>
+            <a:r>
+              <a:rPr lang="en-AU" dirty="0" smtClean="0">
+                <a:solidFill>
+                  <a:srgbClr val="00B050"/>
+                </a:solidFill>
+              </a:rPr>
+              <a:t>After</a:t>
+            </a:r>
+            <a:endParaRPr lang="en-AU" dirty="0">
+              <a:solidFill>
+                <a:srgbClr val="00B050"/>
+              </a:solidFill>
+            </a:endParaRPr>
+          </a:p>
+        </p:txBody>
+      </p:sp>
+    </p:spTree>
+    <p:extLst>
+      <p:ext uri="{BB962C8B-B14F-4D97-AF65-F5344CB8AC3E}">
+        <p14:creationId xmlns:p14="http://schemas.microsoft.com/office/powerpoint/2010/main" val="4253475609"/>
+      </p:ext>
+    </p:extLst>
+  </p:cSld>
+  <p:clrMapOvr>
+    <a:masterClrMapping/>
+  </p:clrMapOvr>
+</p:sld>
+</file>
+
+<file path=ppt/slides/slide20.xml><?xml version="1.0" encoding="utf-8"?>
 <p:sld xmlns:a="http://schemas.openxmlformats.org/drawingml/2006/main" xmlns:r="http://schemas.openxmlformats.org/officeDocument/2006/relationships" xmlns:p="http://schemas.openxmlformats.org/presentationml/2006/main">
   <p:cSld>
     <p:spTree>
@@ -5637,332 +6141,7 @@
 </p:sld>
 </file>
 
-<file path=ppt/slides/slide2.xml><?xml version="1.0" encoding="utf-8"?>
-<p:sld xmlns:a="http://schemas.openxmlformats.org/drawingml/2006/main" xmlns:r="http://schemas.openxmlformats.org/officeDocument/2006/relationships" xmlns:p="http://schemas.openxmlformats.org/presentationml/2006/main">
-  <p:cSld>
-    <p:spTree>
-      <p:nvGrpSpPr>
-        <p:cNvPr id="1" name=""/>
-        <p:cNvGrpSpPr/>
-        <p:nvPr/>
-      </p:nvGrpSpPr>
-      <p:grpSpPr>
-        <a:xfrm>
-          <a:off x="0" y="0"/>
-          <a:ext cx="0" cy="0"/>
-          <a:chOff x="0" y="0"/>
-          <a:chExt cx="0" cy="0"/>
-        </a:xfrm>
-      </p:grpSpPr>
-      <p:sp>
-        <p:nvSpPr>
-          <p:cNvPr id="2" name="Title 1"/>
-          <p:cNvSpPr>
-            <a:spLocks noGrp="1"/>
-          </p:cNvSpPr>
-          <p:nvPr>
-            <p:ph type="title"/>
-          </p:nvPr>
-        </p:nvSpPr>
-        <p:spPr/>
-        <p:txBody>
-          <a:bodyPr/>
-          <a:lstStyle/>
-          <a:p>
-            <a:r>
-              <a:rPr lang="en-AU" dirty="0" smtClean="0"/>
-              <a:t>Homepage Description</a:t>
-            </a:r>
-            <a:endParaRPr lang="en-AU" dirty="0"/>
-          </a:p>
-        </p:txBody>
-      </p:sp>
-      <p:sp>
-        <p:nvSpPr>
-          <p:cNvPr id="3" name="Text Placeholder 2"/>
-          <p:cNvSpPr>
-            <a:spLocks noGrp="1"/>
-          </p:cNvSpPr>
-          <p:nvPr>
-            <p:ph type="body" idx="1"/>
-          </p:nvPr>
-        </p:nvSpPr>
-        <p:spPr/>
-        <p:txBody>
-          <a:bodyPr/>
-          <a:lstStyle/>
-          <a:p>
-            <a:r>
-              <a:rPr lang="en-AU" dirty="0" smtClean="0"/>
-              <a:t>Issue/Fix</a:t>
-            </a:r>
-            <a:endParaRPr lang="en-AU" dirty="0"/>
-          </a:p>
-        </p:txBody>
-      </p:sp>
-      <p:sp>
-        <p:nvSpPr>
-          <p:cNvPr id="4" name="Content Placeholder 3"/>
-          <p:cNvSpPr>
-            <a:spLocks noGrp="1"/>
-          </p:cNvSpPr>
-          <p:nvPr>
-            <p:ph sz="half" idx="2"/>
-          </p:nvPr>
-        </p:nvSpPr>
-        <p:spPr/>
-        <p:txBody>
-          <a:bodyPr/>
-          <a:lstStyle/>
-          <a:p>
-            <a:r>
-              <a:rPr lang="en-AU" dirty="0" smtClean="0"/>
-              <a:t>Dot points needed to be added to the options available for a lab.</a:t>
-            </a:r>
-            <a:endParaRPr lang="en-AU" dirty="0"/>
-          </a:p>
-        </p:txBody>
-      </p:sp>
-      <p:sp>
-        <p:nvSpPr>
-          <p:cNvPr id="5" name="Text Placeholder 4"/>
-          <p:cNvSpPr>
-            <a:spLocks noGrp="1"/>
-          </p:cNvSpPr>
-          <p:nvPr>
-            <p:ph type="body" sz="quarter" idx="3"/>
-          </p:nvPr>
-        </p:nvSpPr>
-        <p:spPr/>
-        <p:txBody>
-          <a:bodyPr/>
-          <a:lstStyle/>
-          <a:p>
-            <a:r>
-              <a:rPr lang="en-AU" dirty="0"/>
-              <a:t>Screenshot</a:t>
-            </a:r>
-          </a:p>
-        </p:txBody>
-      </p:sp>
-      <p:pic>
-        <p:nvPicPr>
-          <p:cNvPr id="3075" name="Picture 3"/>
-          <p:cNvPicPr>
-            <a:picLocks noGrp="1" noChangeAspect="1" noChangeArrowheads="1"/>
-          </p:cNvPicPr>
-          <p:nvPr>
-            <p:ph sz="quarter" idx="4"/>
-          </p:nvPr>
-        </p:nvPicPr>
-        <p:blipFill>
-          <a:blip r:embed="rId2">
-            <a:extLst>
-              <a:ext uri="{28A0092B-C50C-407E-A947-70E740481C1C}">
-                <a14:useLocalDpi xmlns:a14="http://schemas.microsoft.com/office/drawing/2010/main" val="0"/>
-              </a:ext>
-            </a:extLst>
-          </a:blip>
-          <a:srcRect/>
-          <a:stretch>
-            <a:fillRect/>
-          </a:stretch>
-        </p:blipFill>
-        <p:spPr bwMode="auto">
-          <a:xfrm>
-            <a:off x="4644008" y="2074145"/>
-            <a:ext cx="4041775" cy="209573"/>
-          </a:xfrm>
-          <a:prstGeom prst="rect">
-            <a:avLst/>
-          </a:prstGeom>
-          <a:noFill/>
-          <a:ln>
-            <a:noFill/>
-          </a:ln>
-          <a:effectLst/>
-          <a:extLst>
-            <a:ext uri="{909E8E84-426E-40DD-AFC4-6F175D3DCCD1}">
-              <a14:hiddenFill xmlns:a14="http://schemas.microsoft.com/office/drawing/2010/main">
-                <a:solidFill>
-                  <a:schemeClr val="accent1"/>
-                </a:solidFill>
-              </a14:hiddenFill>
-            </a:ext>
-            <a:ext uri="{91240B29-F687-4F45-9708-019B960494DF}">
-              <a14:hiddenLine xmlns:a14="http://schemas.microsoft.com/office/drawing/2010/main" w="9525">
-                <a:solidFill>
-                  <a:schemeClr val="tx1"/>
-                </a:solidFill>
-                <a:miter lim="800000"/>
-                <a:headEnd/>
-                <a:tailEnd/>
-              </a14:hiddenLine>
-            </a:ext>
-            <a:ext uri="{AF507438-7753-43E0-B8FC-AC1667EBCBE1}">
-              <a14:hiddenEffects xmlns:a14="http://schemas.microsoft.com/office/drawing/2010/main">
-                <a:effectLst>
-                  <a:outerShdw dist="35921" dir="2700000" algn="ctr" rotWithShape="0">
-                    <a:schemeClr val="bg2"/>
-                  </a:outerShdw>
-                </a:effectLst>
-              </a14:hiddenEffects>
-            </a:ext>
-          </a:extLst>
-        </p:spPr>
-      </p:pic>
-      <p:sp>
-        <p:nvSpPr>
-          <p:cNvPr id="7" name="TextBox 6"/>
-          <p:cNvSpPr txBox="1"/>
-          <p:nvPr/>
-        </p:nvSpPr>
-        <p:spPr>
-          <a:xfrm>
-            <a:off x="4644008" y="1635646"/>
-            <a:ext cx="2808312" cy="369332"/>
-          </a:xfrm>
-          <a:prstGeom prst="rect">
-            <a:avLst/>
-          </a:prstGeom>
-          <a:noFill/>
-        </p:spPr>
-        <p:txBody>
-          <a:bodyPr wrap="square" rtlCol="0">
-            <a:spAutoFit/>
-          </a:bodyPr>
-          <a:lstStyle/>
-          <a:p>
-            <a:r>
-              <a:rPr lang="en-AU" dirty="0" smtClean="0">
-                <a:solidFill>
-                  <a:srgbClr val="FF0000"/>
-                </a:solidFill>
-              </a:rPr>
-              <a:t>Before</a:t>
-            </a:r>
-            <a:endParaRPr lang="en-AU" dirty="0">
-              <a:solidFill>
-                <a:srgbClr val="FF0000"/>
-              </a:solidFill>
-            </a:endParaRPr>
-          </a:p>
-        </p:txBody>
-      </p:sp>
-      <p:pic>
-        <p:nvPicPr>
-          <p:cNvPr id="3076" name="Picture 4"/>
-          <p:cNvPicPr>
-            <a:picLocks noChangeAspect="1" noChangeArrowheads="1"/>
-          </p:cNvPicPr>
-          <p:nvPr/>
-        </p:nvPicPr>
-        <p:blipFill rotWithShape="1">
-          <a:blip r:embed="rId3">
-            <a:extLst>
-              <a:ext uri="{28A0092B-C50C-407E-A947-70E740481C1C}">
-                <a14:useLocalDpi xmlns:a14="http://schemas.microsoft.com/office/drawing/2010/main" val="0"/>
-              </a:ext>
-            </a:extLst>
-          </a:blip>
-          <a:srcRect l="19003" r="72447"/>
-          <a:stretch/>
-        </p:blipFill>
-        <p:spPr bwMode="auto">
-          <a:xfrm>
-            <a:off x="4655510" y="3003797"/>
-            <a:ext cx="746637" cy="1302047"/>
-          </a:xfrm>
-          <a:prstGeom prst="rect">
-            <a:avLst/>
-          </a:prstGeom>
-          <a:noFill/>
-          <a:ln>
-            <a:noFill/>
-          </a:ln>
-          <a:effectLst/>
-          <a:extLst>
-            <a:ext uri="{909E8E84-426E-40DD-AFC4-6F175D3DCCD1}">
-              <a14:hiddenFill xmlns:a14="http://schemas.microsoft.com/office/drawing/2010/main">
-                <a:solidFill>
-                  <a:schemeClr val="accent1"/>
-                </a:solidFill>
-              </a14:hiddenFill>
-            </a:ext>
-            <a:ext uri="{91240B29-F687-4F45-9708-019B960494DF}">
-              <a14:hiddenLine xmlns:a14="http://schemas.microsoft.com/office/drawing/2010/main" w="9525">
-                <a:solidFill>
-                  <a:schemeClr val="tx1"/>
-                </a:solidFill>
-                <a:miter lim="800000"/>
-                <a:headEnd/>
-                <a:tailEnd/>
-              </a14:hiddenLine>
-            </a:ext>
-            <a:ext uri="{AF507438-7753-43E0-B8FC-AC1667EBCBE1}">
-              <a14:hiddenEffects xmlns:a14="http://schemas.microsoft.com/office/drawing/2010/main">
-                <a:effectLst>
-                  <a:outerShdw dist="35921" dir="2700000" algn="ctr" rotWithShape="0">
-                    <a:schemeClr val="bg2"/>
-                  </a:outerShdw>
-                </a:effectLst>
-              </a14:hiddenEffects>
-            </a:ext>
-          </a:extLst>
-        </p:spPr>
-      </p:pic>
-      <p:sp>
-        <p:nvSpPr>
-          <p:cNvPr id="12" name="TextBox 11"/>
-          <p:cNvSpPr txBox="1"/>
-          <p:nvPr/>
-        </p:nvSpPr>
-        <p:spPr>
-          <a:xfrm>
-            <a:off x="4644008" y="2634466"/>
-            <a:ext cx="2808312" cy="369332"/>
-          </a:xfrm>
-          <a:prstGeom prst="rect">
-            <a:avLst/>
-          </a:prstGeom>
-          <a:noFill/>
-        </p:spPr>
-        <p:txBody>
-          <a:bodyPr wrap="square" rtlCol="0">
-            <a:spAutoFit/>
-          </a:bodyPr>
-          <a:lstStyle/>
-          <a:p>
-            <a:r>
-              <a:rPr lang="en-AU" dirty="0" smtClean="0">
-                <a:solidFill>
-                  <a:srgbClr val="00B050"/>
-                </a:solidFill>
-              </a:rPr>
-              <a:t>After</a:t>
-            </a:r>
-            <a:endParaRPr lang="en-AU" dirty="0">
-              <a:solidFill>
-                <a:srgbClr val="00B050"/>
-              </a:solidFill>
-            </a:endParaRPr>
-          </a:p>
-        </p:txBody>
-      </p:sp>
-    </p:spTree>
-    <p:extLst>
-      <p:ext uri="{BB962C8B-B14F-4D97-AF65-F5344CB8AC3E}">
-        <p14:creationId xmlns:p14="http://schemas.microsoft.com/office/powerpoint/2010/main" val="4253475609"/>
-      </p:ext>
-    </p:extLst>
-  </p:cSld>
-  <p:clrMapOvr>
-    <a:masterClrMapping/>
-  </p:clrMapOvr>
-</p:sld>
-</file>
-
-<file path=ppt/slides/slide20.xml><?xml version="1.0" encoding="utf-8"?>
+<file path=ppt/slides/slide21.xml><?xml version="1.0" encoding="utf-8"?>
 <p:sld xmlns:a="http://schemas.openxmlformats.org/drawingml/2006/main" xmlns:r="http://schemas.openxmlformats.org/officeDocument/2006/relationships" xmlns:p="http://schemas.openxmlformats.org/presentationml/2006/main">
   <p:cSld>
     <p:spTree>
